--- a/docs/yuruna.pptx
+++ b/docs/yuruna.pptx
@@ -7,21 +7,22 @@
   <p:sldIdLst>
     <p:sldId id="256" r:id="rId2"/>
     <p:sldId id="262" r:id="rId3"/>
-    <p:sldId id="257" r:id="rId4"/>
-    <p:sldId id="259" r:id="rId5"/>
-    <p:sldId id="260" r:id="rId6"/>
-    <p:sldId id="265" r:id="rId7"/>
-    <p:sldId id="264" r:id="rId8"/>
-    <p:sldId id="273" r:id="rId9"/>
-    <p:sldId id="274" r:id="rId10"/>
-    <p:sldId id="275" r:id="rId11"/>
-    <p:sldId id="270" r:id="rId12"/>
-    <p:sldId id="276" r:id="rId13"/>
-    <p:sldId id="277" r:id="rId14"/>
-    <p:sldId id="278" r:id="rId15"/>
-    <p:sldId id="279" r:id="rId16"/>
-    <p:sldId id="280" r:id="rId17"/>
-    <p:sldId id="258" r:id="rId18"/>
+    <p:sldId id="281" r:id="rId4"/>
+    <p:sldId id="257" r:id="rId5"/>
+    <p:sldId id="259" r:id="rId6"/>
+    <p:sldId id="260" r:id="rId7"/>
+    <p:sldId id="265" r:id="rId8"/>
+    <p:sldId id="264" r:id="rId9"/>
+    <p:sldId id="273" r:id="rId10"/>
+    <p:sldId id="274" r:id="rId11"/>
+    <p:sldId id="275" r:id="rId12"/>
+    <p:sldId id="270" r:id="rId13"/>
+    <p:sldId id="276" r:id="rId14"/>
+    <p:sldId id="277" r:id="rId15"/>
+    <p:sldId id="278" r:id="rId16"/>
+    <p:sldId id="279" r:id="rId17"/>
+    <p:sldId id="280" r:id="rId18"/>
+    <p:sldId id="258" r:id="rId19"/>
   </p:sldIdLst>
   <p:sldSz cx="12192000" cy="6858000"/>
   <p:notesSz cx="6858000" cy="9144000"/>
@@ -275,7 +276,7 @@
           <a:p>
             <a:fld id="{8D0F45AD-27C9-408E-A422-6E0DA88C4CB4}" type="datetimeFigureOut">
               <a:rPr lang="en-US" smtClean="0"/>
-              <a:t>12/18/2020</a:t>
+              <a:t>12/21/2020</a:t>
             </a:fld>
             <a:endParaRPr lang="en-US"/>
           </a:p>
@@ -473,7 +474,7 @@
           <a:p>
             <a:fld id="{8D0F45AD-27C9-408E-A422-6E0DA88C4CB4}" type="datetimeFigureOut">
               <a:rPr lang="en-US" smtClean="0"/>
-              <a:t>12/18/2020</a:t>
+              <a:t>12/21/2020</a:t>
             </a:fld>
             <a:endParaRPr lang="en-US"/>
           </a:p>
@@ -681,7 +682,7 @@
           <a:p>
             <a:fld id="{8D0F45AD-27C9-408E-A422-6E0DA88C4CB4}" type="datetimeFigureOut">
               <a:rPr lang="en-US" smtClean="0"/>
-              <a:t>12/18/2020</a:t>
+              <a:t>12/21/2020</a:t>
             </a:fld>
             <a:endParaRPr lang="en-US"/>
           </a:p>
@@ -879,7 +880,7 @@
           <a:p>
             <a:fld id="{8D0F45AD-27C9-408E-A422-6E0DA88C4CB4}" type="datetimeFigureOut">
               <a:rPr lang="en-US" smtClean="0"/>
-              <a:t>12/18/2020</a:t>
+              <a:t>12/21/2020</a:t>
             </a:fld>
             <a:endParaRPr lang="en-US"/>
           </a:p>
@@ -1154,7 +1155,7 @@
           <a:p>
             <a:fld id="{8D0F45AD-27C9-408E-A422-6E0DA88C4CB4}" type="datetimeFigureOut">
               <a:rPr lang="en-US" smtClean="0"/>
-              <a:t>12/18/2020</a:t>
+              <a:t>12/21/2020</a:t>
             </a:fld>
             <a:endParaRPr lang="en-US"/>
           </a:p>
@@ -1419,7 +1420,7 @@
           <a:p>
             <a:fld id="{8D0F45AD-27C9-408E-A422-6E0DA88C4CB4}" type="datetimeFigureOut">
               <a:rPr lang="en-US" smtClean="0"/>
-              <a:t>12/18/2020</a:t>
+              <a:t>12/21/2020</a:t>
             </a:fld>
             <a:endParaRPr lang="en-US"/>
           </a:p>
@@ -1831,7 +1832,7 @@
           <a:p>
             <a:fld id="{8D0F45AD-27C9-408E-A422-6E0DA88C4CB4}" type="datetimeFigureOut">
               <a:rPr lang="en-US" smtClean="0"/>
-              <a:t>12/18/2020</a:t>
+              <a:t>12/21/2020</a:t>
             </a:fld>
             <a:endParaRPr lang="en-US"/>
           </a:p>
@@ -1972,7 +1973,7 @@
           <a:p>
             <a:fld id="{8D0F45AD-27C9-408E-A422-6E0DA88C4CB4}" type="datetimeFigureOut">
               <a:rPr lang="en-US" smtClean="0"/>
-              <a:t>12/18/2020</a:t>
+              <a:t>12/21/2020</a:t>
             </a:fld>
             <a:endParaRPr lang="en-US"/>
           </a:p>
@@ -2085,7 +2086,7 @@
           <a:p>
             <a:fld id="{8D0F45AD-27C9-408E-A422-6E0DA88C4CB4}" type="datetimeFigureOut">
               <a:rPr lang="en-US" smtClean="0"/>
-              <a:t>12/18/2020</a:t>
+              <a:t>12/21/2020</a:t>
             </a:fld>
             <a:endParaRPr lang="en-US"/>
           </a:p>
@@ -2396,7 +2397,7 @@
           <a:p>
             <a:fld id="{8D0F45AD-27C9-408E-A422-6E0DA88C4CB4}" type="datetimeFigureOut">
               <a:rPr lang="en-US" smtClean="0"/>
-              <a:t>12/18/2020</a:t>
+              <a:t>12/21/2020</a:t>
             </a:fld>
             <a:endParaRPr lang="en-US"/>
           </a:p>
@@ -2684,7 +2685,7 @@
           <a:p>
             <a:fld id="{8D0F45AD-27C9-408E-A422-6E0DA88C4CB4}" type="datetimeFigureOut">
               <a:rPr lang="en-US" smtClean="0"/>
-              <a:t>12/18/2020</a:t>
+              <a:t>12/21/2020</a:t>
             </a:fld>
             <a:endParaRPr lang="en-US"/>
           </a:p>
@@ -2925,7 +2926,7 @@
           <a:p>
             <a:fld id="{8D0F45AD-27C9-408E-A422-6E0DA88C4CB4}" type="datetimeFigureOut">
               <a:rPr lang="en-US" smtClean="0"/>
-              <a:t>12/18/2020</a:t>
+              <a:t>12/21/2020</a:t>
             </a:fld>
             <a:endParaRPr lang="en-US" dirty="0"/>
           </a:p>
@@ -3628,7 +3629,7 @@
                 <a:latin typeface="Courier New" panose="02070309020205020404" pitchFamily="49" charset="0"/>
                 <a:cs typeface="Courier New" panose="02070309020205020404" pitchFamily="49" charset="0"/>
               </a:rPr>
-              <a:t> workloads</a:t>
+              <a:t> components</a:t>
             </a:r>
           </a:p>
         </p:txBody>
@@ -3651,23 +3652,21 @@
         </p:nvSpPr>
         <p:spPr/>
         <p:txBody>
-          <a:bodyPr>
-            <a:normAutofit/>
-          </a:bodyPr>
+          <a:bodyPr/>
           <a:lstStyle/>
           <a:p>
             <a:r>
               <a:rPr lang="en-US" dirty="0"/>
-              <a:t>For each workload in </a:t>
+              <a:t>For each component in </a:t>
             </a:r>
             <a:r>
               <a:rPr lang="en-US" sz="2000" b="1" dirty="0" err="1">
                 <a:latin typeface="Courier New" panose="02070309020205020404" pitchFamily="49" charset="0"/>
                 <a:cs typeface="Courier New" panose="02070309020205020404" pitchFamily="49" charset="0"/>
               </a:rPr>
-              <a:t>workloads.yml</a:t>
-            </a:r>
-            <a:endParaRPr lang="en-US" sz="2000" b="1" dirty="0">
+              <a:t>components.yml</a:t>
+            </a:r>
+            <a:endParaRPr lang="en-US" b="1" dirty="0">
               <a:latin typeface="Courier New" panose="02070309020205020404" pitchFamily="49" charset="0"/>
               <a:cs typeface="Courier New" panose="02070309020205020404" pitchFamily="49" charset="0"/>
             </a:endParaRPr>
@@ -3676,79 +3675,50 @@
             <a:pPr lvl="1"/>
             <a:r>
               <a:rPr lang="en-US" dirty="0"/>
-              <a:t>switch to context</a:t>
+              <a:t>apply global variables, </a:t>
+            </a:r>
+            <a:r>
+              <a:rPr lang="en-US" dirty="0" err="1"/>
+              <a:t>resources.output</a:t>
+            </a:r>
+            <a:br>
+              <a:rPr lang="en-US" dirty="0"/>
+            </a:br>
+            <a:r>
+              <a:rPr lang="en-US" dirty="0"/>
+              <a:t>variables, workload variables</a:t>
+            </a:r>
+          </a:p>
+          <a:p>
+            <a:pPr lvl="1"/>
+            <a:r>
+              <a:rPr lang="en-US" dirty="0"/>
+              <a:t>execute build command in the folder</a:t>
             </a:r>
           </a:p>
           <a:p>
             <a:pPr lvl="2"/>
             <a:r>
               <a:rPr lang="en-US" dirty="0"/>
-              <a:t>apply deployments: chart, </a:t>
-            </a:r>
-            <a:r>
-              <a:rPr lang="en-US" dirty="0" err="1"/>
-              <a:t>kubectl</a:t>
-            </a:r>
-            <a:r>
-              <a:rPr lang="en-US" dirty="0"/>
-              <a:t>, helm, or shell</a:t>
-            </a:r>
-          </a:p>
-          <a:p>
-            <a:pPr lvl="3"/>
-            <a:r>
-              <a:rPr lang="en-US" dirty="0"/>
-              <a:t>apply variables from </a:t>
-            </a:r>
-            <a:r>
-              <a:rPr lang="en-US" dirty="0" err="1"/>
-              <a:t>workloads.yml</a:t>
-            </a:r>
-            <a:endParaRPr lang="en-US" dirty="0"/>
-          </a:p>
-          <a:p>
-            <a:pPr lvl="3"/>
-            <a:r>
-              <a:rPr lang="en-US" dirty="0"/>
-              <a:t>copy chart to work folder under .</a:t>
-            </a:r>
-            <a:r>
-              <a:rPr lang="en-US" dirty="0" err="1"/>
-              <a:t>yuruna</a:t>
-            </a:r>
-            <a:endParaRPr lang="en-US" dirty="0"/>
-          </a:p>
-          <a:p>
-            <a:pPr lvl="4"/>
-            <a:r>
-              <a:rPr lang="en-US" dirty="0"/>
-              <a:t>execute </a:t>
-            </a:r>
-            <a:r>
-              <a:rPr lang="en-US" b="1" dirty="0">
+              <a:t>command is parameter in </a:t>
+            </a:r>
+            <a:r>
+              <a:rPr lang="en-US" sz="1600" b="1" dirty="0" err="1">
                 <a:latin typeface="Courier New" panose="02070309020205020404" pitchFamily="49" charset="0"/>
                 <a:cs typeface="Courier New" panose="02070309020205020404" pitchFamily="49" charset="0"/>
               </a:rPr>
-              <a:t>helm install</a:t>
-            </a:r>
+              <a:t>components.yml</a:t>
+            </a:r>
+            <a:endParaRPr lang="en-US" b="1" dirty="0">
+              <a:latin typeface="Courier New" panose="02070309020205020404" pitchFamily="49" charset="0"/>
+              <a:cs typeface="Courier New" panose="02070309020205020404" pitchFamily="49" charset="0"/>
+            </a:endParaRPr>
+          </a:p>
+          <a:p>
+            <a:pPr lvl="1"/>
             <a:r>
               <a:rPr lang="en-US" dirty="0"/>
-              <a:t> in work folder</a:t>
-            </a:r>
-          </a:p>
-          <a:p>
-            <a:pPr lvl="3"/>
-            <a:r>
-              <a:rPr lang="en-US" dirty="0"/>
-              <a:t>other expressions use ${</a:t>
-            </a:r>
-            <a:r>
-              <a:rPr lang="en-US" dirty="0" err="1"/>
-              <a:t>env:vars</a:t>
-            </a:r>
-            <a:r>
-              <a:rPr lang="en-US" dirty="0"/>
-              <a:t>}</a:t>
+              <a:t>tag and push component to registry</a:t>
             </a:r>
           </a:p>
         </p:txBody>
@@ -4499,6 +4469,1114 @@
       </p:sp>
       <p:sp>
         <p:nvSpPr>
+          <p:cNvPr id="3" name="Rectangle: Rounded Corners 2">
+            <a:extLst>
+              <a:ext uri="{FF2B5EF4-FFF2-40B4-BE49-F238E27FC236}">
+                <a16:creationId xmlns:a16="http://schemas.microsoft.com/office/drawing/2014/main" id="{81FADD32-909E-4F1E-8FD8-A30B6146571B}"/>
+              </a:ext>
+            </a:extLst>
+          </p:cNvPr>
+          <p:cNvSpPr/>
+          <p:nvPr/>
+        </p:nvSpPr>
+        <p:spPr>
+          <a:xfrm>
+            <a:off x="8201446" y="341040"/>
+            <a:ext cx="1437564" cy="1539730"/>
+          </a:xfrm>
+          <a:prstGeom prst="roundRect">
+            <a:avLst/>
+          </a:prstGeom>
+          <a:solidFill>
+            <a:srgbClr val="FFFF00">
+              <a:alpha val="20000"/>
+            </a:srgbClr>
+          </a:solidFill>
+          <a:ln>
+            <a:noFill/>
+          </a:ln>
+        </p:spPr>
+        <p:style>
+          <a:lnRef idx="2">
+            <a:schemeClr val="accent1">
+              <a:shade val="50000"/>
+            </a:schemeClr>
+          </a:lnRef>
+          <a:fillRef idx="1">
+            <a:schemeClr val="accent1"/>
+          </a:fillRef>
+          <a:effectRef idx="0">
+            <a:schemeClr val="accent1"/>
+          </a:effectRef>
+          <a:fontRef idx="minor">
+            <a:schemeClr val="lt1"/>
+          </a:fontRef>
+        </p:style>
+        <p:txBody>
+          <a:bodyPr rtlCol="0" anchor="ctr"/>
+          <a:lstStyle/>
+          <a:p>
+            <a:pPr algn="ctr"/>
+            <a:endParaRPr lang="en-US"/>
+          </a:p>
+        </p:txBody>
+      </p:sp>
+      <p:sp>
+        <p:nvSpPr>
+          <p:cNvPr id="4" name="Rectangle: Rounded Corners 3">
+            <a:extLst>
+              <a:ext uri="{FF2B5EF4-FFF2-40B4-BE49-F238E27FC236}">
+                <a16:creationId xmlns:a16="http://schemas.microsoft.com/office/drawing/2014/main" id="{1902153D-6D20-4610-915B-6E8D7DA150A8}"/>
+              </a:ext>
+            </a:extLst>
+          </p:cNvPr>
+          <p:cNvSpPr/>
+          <p:nvPr/>
+        </p:nvSpPr>
+        <p:spPr>
+          <a:xfrm>
+            <a:off x="11019521" y="1746900"/>
+            <a:ext cx="1014488" cy="1248963"/>
+          </a:xfrm>
+          <a:prstGeom prst="roundRect">
+            <a:avLst/>
+          </a:prstGeom>
+          <a:solidFill>
+            <a:srgbClr val="FFFF00">
+              <a:alpha val="20000"/>
+            </a:srgbClr>
+          </a:solidFill>
+          <a:ln>
+            <a:noFill/>
+          </a:ln>
+        </p:spPr>
+        <p:style>
+          <a:lnRef idx="2">
+            <a:schemeClr val="accent1">
+              <a:shade val="50000"/>
+            </a:schemeClr>
+          </a:lnRef>
+          <a:fillRef idx="1">
+            <a:schemeClr val="accent1"/>
+          </a:fillRef>
+          <a:effectRef idx="0">
+            <a:schemeClr val="accent1"/>
+          </a:effectRef>
+          <a:fontRef idx="minor">
+            <a:schemeClr val="lt1"/>
+          </a:fontRef>
+        </p:style>
+        <p:txBody>
+          <a:bodyPr rtlCol="0" anchor="ctr"/>
+          <a:lstStyle/>
+          <a:p>
+            <a:pPr algn="ctr"/>
+            <a:endParaRPr lang="en-US"/>
+          </a:p>
+        </p:txBody>
+      </p:sp>
+    </p:spTree>
+    <p:extLst>
+      <p:ext uri="{BB962C8B-B14F-4D97-AF65-F5344CB8AC3E}">
+        <p14:creationId xmlns:p14="http://schemas.microsoft.com/office/powerpoint/2010/main" val="2493224246"/>
+      </p:ext>
+    </p:extLst>
+  </p:cSld>
+  <p:clrMapOvr>
+    <a:masterClrMapping/>
+  </p:clrMapOvr>
+</p:sld>
+</file>
+
+<file path=ppt/slides/slide11.xml><?xml version="1.0" encoding="utf-8"?>
+<p:sld xmlns:a="http://schemas.openxmlformats.org/drawingml/2006/main" xmlns:r="http://schemas.openxmlformats.org/officeDocument/2006/relationships" xmlns:p="http://schemas.openxmlformats.org/presentationml/2006/main">
+  <p:cSld>
+    <p:spTree>
+      <p:nvGrpSpPr>
+        <p:cNvPr id="1" name=""/>
+        <p:cNvGrpSpPr/>
+        <p:nvPr/>
+      </p:nvGrpSpPr>
+      <p:grpSpPr>
+        <a:xfrm>
+          <a:off x="0" y="0"/>
+          <a:ext cx="0" cy="0"/>
+          <a:chOff x="0" y="0"/>
+          <a:chExt cx="0" cy="0"/>
+        </a:xfrm>
+      </p:grpSpPr>
+      <p:pic>
+        <p:nvPicPr>
+          <p:cNvPr id="13" name="Picture 12">
+            <a:extLst>
+              <a:ext uri="{FF2B5EF4-FFF2-40B4-BE49-F238E27FC236}">
+                <a16:creationId xmlns:a16="http://schemas.microsoft.com/office/drawing/2014/main" id="{37AB577B-3853-4E5C-9F59-23711C94526C}"/>
+              </a:ext>
+            </a:extLst>
+          </p:cNvPr>
+          <p:cNvPicPr>
+            <a:picLocks noChangeAspect="1"/>
+          </p:cNvPicPr>
+          <p:nvPr/>
+        </p:nvPicPr>
+        <p:blipFill>
+          <a:blip r:embed="rId2"/>
+          <a:stretch>
+            <a:fillRect/>
+          </a:stretch>
+        </p:blipFill>
+        <p:spPr>
+          <a:xfrm>
+            <a:off x="11088554" y="1732689"/>
+            <a:ext cx="910269" cy="3769281"/>
+          </a:xfrm>
+          <a:prstGeom prst="rect">
+            <a:avLst/>
+          </a:prstGeom>
+        </p:spPr>
+      </p:pic>
+      <p:pic>
+        <p:nvPicPr>
+          <p:cNvPr id="6" name="Picture 5">
+            <a:extLst>
+              <a:ext uri="{FF2B5EF4-FFF2-40B4-BE49-F238E27FC236}">
+                <a16:creationId xmlns:a16="http://schemas.microsoft.com/office/drawing/2014/main" id="{5BE6D8BA-6343-4C0F-8DC7-367A494AE657}"/>
+              </a:ext>
+            </a:extLst>
+          </p:cNvPr>
+          <p:cNvPicPr>
+            <a:picLocks noChangeAspect="1"/>
+          </p:cNvPicPr>
+          <p:nvPr/>
+        </p:nvPicPr>
+        <p:blipFill>
+          <a:blip r:embed="rId3"/>
+          <a:stretch>
+            <a:fillRect/>
+          </a:stretch>
+        </p:blipFill>
+        <p:spPr>
+          <a:xfrm>
+            <a:off x="8284744" y="365125"/>
+            <a:ext cx="1454423" cy="6235566"/>
+          </a:xfrm>
+          <a:prstGeom prst="rect">
+            <a:avLst/>
+          </a:prstGeom>
+        </p:spPr>
+      </p:pic>
+      <p:sp>
+        <p:nvSpPr>
+          <p:cNvPr id="2" name="Title 1">
+            <a:extLst>
+              <a:ext uri="{FF2B5EF4-FFF2-40B4-BE49-F238E27FC236}">
+                <a16:creationId xmlns:a16="http://schemas.microsoft.com/office/drawing/2014/main" id="{BAA5B508-3DC3-4585-BAF2-C5D0DADD42CA}"/>
+              </a:ext>
+            </a:extLst>
+          </p:cNvPr>
+          <p:cNvSpPr>
+            <a:spLocks noGrp="1"/>
+          </p:cNvSpPr>
+          <p:nvPr>
+            <p:ph type="title"/>
+          </p:nvPr>
+        </p:nvSpPr>
+        <p:spPr/>
+        <p:txBody>
+          <a:bodyPr>
+            <a:normAutofit/>
+          </a:bodyPr>
+          <a:lstStyle/>
+          <a:p>
+            <a:r>
+              <a:rPr lang="en-US" sz="3600" b="1" dirty="0" err="1">
+                <a:latin typeface="Courier New" panose="02070309020205020404" pitchFamily="49" charset="0"/>
+                <a:cs typeface="Courier New" panose="02070309020205020404" pitchFamily="49" charset="0"/>
+              </a:rPr>
+              <a:t>yuruna</a:t>
+            </a:r>
+            <a:r>
+              <a:rPr lang="en-US" sz="3600" b="1" dirty="0">
+                <a:latin typeface="Courier New" panose="02070309020205020404" pitchFamily="49" charset="0"/>
+                <a:cs typeface="Courier New" panose="02070309020205020404" pitchFamily="49" charset="0"/>
+              </a:rPr>
+              <a:t> workloads</a:t>
+            </a:r>
+          </a:p>
+        </p:txBody>
+      </p:sp>
+      <p:sp>
+        <p:nvSpPr>
+          <p:cNvPr id="5" name="Content Placeholder 4">
+            <a:extLst>
+              <a:ext uri="{FF2B5EF4-FFF2-40B4-BE49-F238E27FC236}">
+                <a16:creationId xmlns:a16="http://schemas.microsoft.com/office/drawing/2014/main" id="{6FA7A1CF-9381-46A8-8D77-DFEAC551F97E}"/>
+              </a:ext>
+            </a:extLst>
+          </p:cNvPr>
+          <p:cNvSpPr>
+            <a:spLocks noGrp="1"/>
+          </p:cNvSpPr>
+          <p:nvPr>
+            <p:ph idx="1"/>
+          </p:nvPr>
+        </p:nvSpPr>
+        <p:spPr/>
+        <p:txBody>
+          <a:bodyPr>
+            <a:normAutofit/>
+          </a:bodyPr>
+          <a:lstStyle/>
+          <a:p>
+            <a:r>
+              <a:rPr lang="en-US" dirty="0"/>
+              <a:t>For each workload in </a:t>
+            </a:r>
+            <a:r>
+              <a:rPr lang="en-US" sz="2000" b="1" dirty="0" err="1">
+                <a:latin typeface="Courier New" panose="02070309020205020404" pitchFamily="49" charset="0"/>
+                <a:cs typeface="Courier New" panose="02070309020205020404" pitchFamily="49" charset="0"/>
+              </a:rPr>
+              <a:t>workloads.yml</a:t>
+            </a:r>
+            <a:endParaRPr lang="en-US" sz="2000" b="1" dirty="0">
+              <a:latin typeface="Courier New" panose="02070309020205020404" pitchFamily="49" charset="0"/>
+              <a:cs typeface="Courier New" panose="02070309020205020404" pitchFamily="49" charset="0"/>
+            </a:endParaRPr>
+          </a:p>
+          <a:p>
+            <a:pPr lvl="1"/>
+            <a:r>
+              <a:rPr lang="en-US" dirty="0"/>
+              <a:t>switch to context</a:t>
+            </a:r>
+          </a:p>
+          <a:p>
+            <a:pPr lvl="2"/>
+            <a:r>
+              <a:rPr lang="en-US" dirty="0"/>
+              <a:t>apply deployments: chart, </a:t>
+            </a:r>
+            <a:r>
+              <a:rPr lang="en-US" dirty="0" err="1"/>
+              <a:t>kubectl</a:t>
+            </a:r>
+            <a:r>
+              <a:rPr lang="en-US" dirty="0"/>
+              <a:t>, helm, or shell</a:t>
+            </a:r>
+          </a:p>
+          <a:p>
+            <a:pPr lvl="3"/>
+            <a:r>
+              <a:rPr lang="en-US" dirty="0"/>
+              <a:t>copy chart to work folder under .</a:t>
+            </a:r>
+            <a:r>
+              <a:rPr lang="en-US" dirty="0" err="1"/>
+              <a:t>yuruna</a:t>
+            </a:r>
+            <a:endParaRPr lang="en-US" dirty="0"/>
+          </a:p>
+          <a:p>
+            <a:pPr lvl="3"/>
+            <a:r>
+              <a:rPr lang="en-US" dirty="0"/>
+              <a:t>apply global variables, </a:t>
+            </a:r>
+            <a:r>
+              <a:rPr lang="en-US" dirty="0" err="1"/>
+              <a:t>resources.output</a:t>
+            </a:r>
+            <a:br>
+              <a:rPr lang="en-US" dirty="0"/>
+            </a:br>
+            <a:r>
+              <a:rPr lang="en-US" dirty="0"/>
+              <a:t>variables, workload variables</a:t>
+            </a:r>
+          </a:p>
+          <a:p>
+            <a:pPr lvl="4"/>
+            <a:r>
+              <a:rPr lang="en-US" dirty="0"/>
+              <a:t>execute </a:t>
+            </a:r>
+            <a:r>
+              <a:rPr lang="en-US" b="1" dirty="0">
+                <a:latin typeface="Courier New" panose="02070309020205020404" pitchFamily="49" charset="0"/>
+                <a:cs typeface="Courier New" panose="02070309020205020404" pitchFamily="49" charset="0"/>
+              </a:rPr>
+              <a:t>helm install</a:t>
+            </a:r>
+            <a:r>
+              <a:rPr lang="en-US" dirty="0"/>
+              <a:t> in work folder</a:t>
+            </a:r>
+          </a:p>
+          <a:p>
+            <a:pPr lvl="3"/>
+            <a:r>
+              <a:rPr lang="en-US" dirty="0"/>
+              <a:t>other expressions use ${</a:t>
+            </a:r>
+            <a:r>
+              <a:rPr lang="en-US" dirty="0" err="1"/>
+              <a:t>env:vars</a:t>
+            </a:r>
+            <a:r>
+              <a:rPr lang="en-US" dirty="0"/>
+              <a:t>}</a:t>
+            </a:r>
+          </a:p>
+        </p:txBody>
+      </p:sp>
+      <p:pic>
+        <p:nvPicPr>
+          <p:cNvPr id="16" name="Picture 15">
+            <a:extLst>
+              <a:ext uri="{FF2B5EF4-FFF2-40B4-BE49-F238E27FC236}">
+                <a16:creationId xmlns:a16="http://schemas.microsoft.com/office/drawing/2014/main" id="{DF51500E-608D-41DF-A517-BE66868185AB}"/>
+              </a:ext>
+            </a:extLst>
+          </p:cNvPr>
+          <p:cNvPicPr>
+            <a:picLocks noChangeAspect="1"/>
+          </p:cNvPicPr>
+          <p:nvPr/>
+        </p:nvPicPr>
+        <p:blipFill>
+          <a:blip r:embed="rId4"/>
+          <a:stretch>
+            <a:fillRect/>
+          </a:stretch>
+        </p:blipFill>
+        <p:spPr>
+          <a:xfrm>
+            <a:off x="5705244" y="4433886"/>
+            <a:ext cx="1302327" cy="1371600"/>
+          </a:xfrm>
+          <a:prstGeom prst="rect">
+            <a:avLst/>
+          </a:prstGeom>
+        </p:spPr>
+      </p:pic>
+      <p:sp>
+        <p:nvSpPr>
+          <p:cNvPr id="25" name="Freeform: Shape 24">
+            <a:extLst>
+              <a:ext uri="{FF2B5EF4-FFF2-40B4-BE49-F238E27FC236}">
+                <a16:creationId xmlns:a16="http://schemas.microsoft.com/office/drawing/2014/main" id="{2277F86E-B3C3-4B27-9061-70B963263031}"/>
+              </a:ext>
+            </a:extLst>
+          </p:cNvPr>
+          <p:cNvSpPr/>
+          <p:nvPr/>
+        </p:nvSpPr>
+        <p:spPr>
+          <a:xfrm>
+            <a:off x="6997478" y="821410"/>
+            <a:ext cx="1524000" cy="3771254"/>
+          </a:xfrm>
+          <a:custGeom>
+            <a:avLst/>
+            <a:gdLst>
+              <a:gd name="connsiteX0" fmla="*/ 0 w 1524000"/>
+              <a:gd name="connsiteY0" fmla="*/ 3771254 h 3771254"/>
+              <a:gd name="connsiteX1" fmla="*/ 485614 w 1524000"/>
+              <a:gd name="connsiteY1" fmla="*/ 1678983 h 3771254"/>
+              <a:gd name="connsiteX2" fmla="*/ 738753 w 1524000"/>
+              <a:gd name="connsiteY2" fmla="*/ 247973 h 3771254"/>
+              <a:gd name="connsiteX3" fmla="*/ 1524000 w 1524000"/>
+              <a:gd name="connsiteY3" fmla="*/ 0 h 3771254"/>
+            </a:gdLst>
+            <a:ahLst/>
+            <a:cxnLst>
+              <a:cxn ang="0">
+                <a:pos x="connsiteX0" y="connsiteY0"/>
+              </a:cxn>
+              <a:cxn ang="0">
+                <a:pos x="connsiteX1" y="connsiteY1"/>
+              </a:cxn>
+              <a:cxn ang="0">
+                <a:pos x="connsiteX2" y="connsiteY2"/>
+              </a:cxn>
+              <a:cxn ang="0">
+                <a:pos x="connsiteX3" y="connsiteY3"/>
+              </a:cxn>
+            </a:cxnLst>
+            <a:rect l="l" t="t" r="r" b="b"/>
+            <a:pathLst>
+              <a:path w="1524000" h="3771254">
+                <a:moveTo>
+                  <a:pt x="0" y="3771254"/>
+                </a:moveTo>
+                <a:cubicBezTo>
+                  <a:pt x="181244" y="3018725"/>
+                  <a:pt x="362489" y="2266196"/>
+                  <a:pt x="485614" y="1678983"/>
+                </a:cubicBezTo>
+                <a:cubicBezTo>
+                  <a:pt x="608740" y="1091769"/>
+                  <a:pt x="565689" y="527803"/>
+                  <a:pt x="738753" y="247973"/>
+                </a:cubicBezTo>
+                <a:cubicBezTo>
+                  <a:pt x="911817" y="-31857"/>
+                  <a:pt x="1410346" y="7749"/>
+                  <a:pt x="1524000" y="0"/>
+                </a:cubicBezTo>
+              </a:path>
+            </a:pathLst>
+          </a:custGeom>
+          <a:noFill/>
+          <a:ln w="38100" cap="rnd">
+            <a:solidFill>
+              <a:srgbClr val="0070C0"/>
+            </a:solidFill>
+            <a:prstDash val="sysDot"/>
+            <a:tailEnd type="stealth" w="lg" len="lg"/>
+          </a:ln>
+        </p:spPr>
+        <p:style>
+          <a:lnRef idx="2">
+            <a:schemeClr val="accent1">
+              <a:shade val="50000"/>
+            </a:schemeClr>
+          </a:lnRef>
+          <a:fillRef idx="1">
+            <a:schemeClr val="accent1"/>
+          </a:fillRef>
+          <a:effectRef idx="0">
+            <a:schemeClr val="accent1"/>
+          </a:effectRef>
+          <a:fontRef idx="minor">
+            <a:schemeClr val="lt1"/>
+          </a:fontRef>
+        </p:style>
+        <p:txBody>
+          <a:bodyPr rtlCol="0" anchor="ctr"/>
+          <a:lstStyle/>
+          <a:p>
+            <a:pPr algn="ctr"/>
+            <a:endParaRPr lang="en-US"/>
+          </a:p>
+        </p:txBody>
+      </p:sp>
+      <p:sp>
+        <p:nvSpPr>
+          <p:cNvPr id="26" name="Freeform: Shape 25">
+            <a:extLst>
+              <a:ext uri="{FF2B5EF4-FFF2-40B4-BE49-F238E27FC236}">
+                <a16:creationId xmlns:a16="http://schemas.microsoft.com/office/drawing/2014/main" id="{34533381-159E-4344-90F6-599A49FFB7EE}"/>
+              </a:ext>
+            </a:extLst>
+          </p:cNvPr>
+          <p:cNvSpPr/>
+          <p:nvPr/>
+        </p:nvSpPr>
+        <p:spPr>
+          <a:xfrm>
+            <a:off x="6992312" y="2520645"/>
+            <a:ext cx="1534332" cy="2325158"/>
+          </a:xfrm>
+          <a:custGeom>
+            <a:avLst/>
+            <a:gdLst>
+              <a:gd name="connsiteX0" fmla="*/ 0 w 1534332"/>
+              <a:gd name="connsiteY0" fmla="*/ 2325158 h 2325158"/>
+              <a:gd name="connsiteX1" fmla="*/ 630264 w 1534332"/>
+              <a:gd name="connsiteY1" fmla="*/ 1390094 h 2325158"/>
+              <a:gd name="connsiteX2" fmla="*/ 1048719 w 1534332"/>
+              <a:gd name="connsiteY2" fmla="*/ 227721 h 2325158"/>
+              <a:gd name="connsiteX3" fmla="*/ 1534332 w 1534332"/>
+              <a:gd name="connsiteY3" fmla="*/ 413 h 2325158"/>
+            </a:gdLst>
+            <a:ahLst/>
+            <a:cxnLst>
+              <a:cxn ang="0">
+                <a:pos x="connsiteX0" y="connsiteY0"/>
+              </a:cxn>
+              <a:cxn ang="0">
+                <a:pos x="connsiteX1" y="connsiteY1"/>
+              </a:cxn>
+              <a:cxn ang="0">
+                <a:pos x="connsiteX2" y="connsiteY2"/>
+              </a:cxn>
+              <a:cxn ang="0">
+                <a:pos x="connsiteX3" y="connsiteY3"/>
+              </a:cxn>
+            </a:cxnLst>
+            <a:rect l="l" t="t" r="r" b="b"/>
+            <a:pathLst>
+              <a:path w="1534332" h="2325158">
+                <a:moveTo>
+                  <a:pt x="0" y="2325158"/>
+                </a:moveTo>
+                <a:cubicBezTo>
+                  <a:pt x="227739" y="2032412"/>
+                  <a:pt x="455478" y="1739667"/>
+                  <a:pt x="630264" y="1390094"/>
+                </a:cubicBezTo>
+                <a:cubicBezTo>
+                  <a:pt x="805051" y="1040521"/>
+                  <a:pt x="898041" y="459334"/>
+                  <a:pt x="1048719" y="227721"/>
+                </a:cubicBezTo>
+                <a:cubicBezTo>
+                  <a:pt x="1199397" y="-3892"/>
+                  <a:pt x="1366864" y="-1740"/>
+                  <a:pt x="1534332" y="413"/>
+                </a:cubicBezTo>
+              </a:path>
+            </a:pathLst>
+          </a:custGeom>
+          <a:noFill/>
+          <a:ln w="38100" cap="rnd">
+            <a:solidFill>
+              <a:srgbClr val="0070C0"/>
+            </a:solidFill>
+            <a:prstDash val="sysDot"/>
+            <a:tailEnd type="stealth" w="lg" len="lg"/>
+          </a:ln>
+        </p:spPr>
+        <p:style>
+          <a:lnRef idx="2">
+            <a:schemeClr val="accent1">
+              <a:shade val="50000"/>
+            </a:schemeClr>
+          </a:lnRef>
+          <a:fillRef idx="1">
+            <a:schemeClr val="accent1"/>
+          </a:fillRef>
+          <a:effectRef idx="0">
+            <a:schemeClr val="accent1"/>
+          </a:effectRef>
+          <a:fontRef idx="minor">
+            <a:schemeClr val="lt1"/>
+          </a:fontRef>
+        </p:style>
+        <p:txBody>
+          <a:bodyPr rtlCol="0" anchor="ctr"/>
+          <a:lstStyle/>
+          <a:p>
+            <a:pPr algn="ctr"/>
+            <a:endParaRPr lang="en-US"/>
+          </a:p>
+        </p:txBody>
+      </p:sp>
+      <p:sp>
+        <p:nvSpPr>
+          <p:cNvPr id="27" name="Freeform: Shape 26">
+            <a:extLst>
+              <a:ext uri="{FF2B5EF4-FFF2-40B4-BE49-F238E27FC236}">
+                <a16:creationId xmlns:a16="http://schemas.microsoft.com/office/drawing/2014/main" id="{074F2D2C-DD06-4225-B881-620F7936D6BA}"/>
+              </a:ext>
+            </a:extLst>
+          </p:cNvPr>
+          <p:cNvSpPr/>
+          <p:nvPr/>
+        </p:nvSpPr>
+        <p:spPr>
+          <a:xfrm>
+            <a:off x="6992312" y="4016542"/>
+            <a:ext cx="1529166" cy="1113397"/>
+          </a:xfrm>
+          <a:custGeom>
+            <a:avLst/>
+            <a:gdLst>
+              <a:gd name="connsiteX0" fmla="*/ 0 w 1529166"/>
+              <a:gd name="connsiteY0" fmla="*/ 1113397 h 1113397"/>
+              <a:gd name="connsiteX1" fmla="*/ 749085 w 1529166"/>
+              <a:gd name="connsiteY1" fmla="*/ 617451 h 1113397"/>
+              <a:gd name="connsiteX2" fmla="*/ 1245030 w 1529166"/>
+              <a:gd name="connsiteY2" fmla="*/ 85343 h 1113397"/>
+              <a:gd name="connsiteX3" fmla="*/ 1529166 w 1529166"/>
+              <a:gd name="connsiteY3" fmla="*/ 7851 h 1113397"/>
+            </a:gdLst>
+            <a:ahLst/>
+            <a:cxnLst>
+              <a:cxn ang="0">
+                <a:pos x="connsiteX0" y="connsiteY0"/>
+              </a:cxn>
+              <a:cxn ang="0">
+                <a:pos x="connsiteX1" y="connsiteY1"/>
+              </a:cxn>
+              <a:cxn ang="0">
+                <a:pos x="connsiteX2" y="connsiteY2"/>
+              </a:cxn>
+              <a:cxn ang="0">
+                <a:pos x="connsiteX3" y="connsiteY3"/>
+              </a:cxn>
+            </a:cxnLst>
+            <a:rect l="l" t="t" r="r" b="b"/>
+            <a:pathLst>
+              <a:path w="1529166" h="1113397">
+                <a:moveTo>
+                  <a:pt x="0" y="1113397"/>
+                </a:moveTo>
+                <a:cubicBezTo>
+                  <a:pt x="270790" y="951095"/>
+                  <a:pt x="541580" y="788793"/>
+                  <a:pt x="749085" y="617451"/>
+                </a:cubicBezTo>
+                <a:cubicBezTo>
+                  <a:pt x="956590" y="446109"/>
+                  <a:pt x="1115017" y="186943"/>
+                  <a:pt x="1245030" y="85343"/>
+                </a:cubicBezTo>
+                <a:cubicBezTo>
+                  <a:pt x="1375043" y="-16257"/>
+                  <a:pt x="1452104" y="-4203"/>
+                  <a:pt x="1529166" y="7851"/>
+                </a:cubicBezTo>
+              </a:path>
+            </a:pathLst>
+          </a:custGeom>
+          <a:noFill/>
+          <a:ln w="38100" cap="rnd">
+            <a:solidFill>
+              <a:srgbClr val="0070C0"/>
+            </a:solidFill>
+            <a:prstDash val="sysDot"/>
+            <a:tailEnd type="stealth" w="lg" len="lg"/>
+          </a:ln>
+        </p:spPr>
+        <p:style>
+          <a:lnRef idx="2">
+            <a:schemeClr val="accent1">
+              <a:shade val="50000"/>
+            </a:schemeClr>
+          </a:lnRef>
+          <a:fillRef idx="1">
+            <a:schemeClr val="accent1"/>
+          </a:fillRef>
+          <a:effectRef idx="0">
+            <a:schemeClr val="accent1"/>
+          </a:effectRef>
+          <a:fontRef idx="minor">
+            <a:schemeClr val="lt1"/>
+          </a:fontRef>
+        </p:style>
+        <p:txBody>
+          <a:bodyPr rtlCol="0" anchor="ctr"/>
+          <a:lstStyle/>
+          <a:p>
+            <a:pPr algn="ctr"/>
+            <a:endParaRPr lang="en-US"/>
+          </a:p>
+        </p:txBody>
+      </p:sp>
+      <p:sp>
+        <p:nvSpPr>
+          <p:cNvPr id="28" name="Freeform: Shape 27">
+            <a:extLst>
+              <a:ext uri="{FF2B5EF4-FFF2-40B4-BE49-F238E27FC236}">
+                <a16:creationId xmlns:a16="http://schemas.microsoft.com/office/drawing/2014/main" id="{60AEBB47-4F95-49DD-BA3F-E01CCC43E285}"/>
+              </a:ext>
+            </a:extLst>
+          </p:cNvPr>
+          <p:cNvSpPr/>
+          <p:nvPr/>
+        </p:nvSpPr>
+        <p:spPr>
+          <a:xfrm>
+            <a:off x="6997478" y="5414075"/>
+            <a:ext cx="1513668" cy="459783"/>
+          </a:xfrm>
+          <a:custGeom>
+            <a:avLst/>
+            <a:gdLst>
+              <a:gd name="connsiteX0" fmla="*/ 0 w 1513668"/>
+              <a:gd name="connsiteY0" fmla="*/ 0 h 459783"/>
+              <a:gd name="connsiteX1" fmla="*/ 470115 w 1513668"/>
+              <a:gd name="connsiteY1" fmla="*/ 123986 h 459783"/>
+              <a:gd name="connsiteX2" fmla="*/ 919566 w 1513668"/>
+              <a:gd name="connsiteY2" fmla="*/ 366793 h 459783"/>
+              <a:gd name="connsiteX3" fmla="*/ 1513668 w 1513668"/>
+              <a:gd name="connsiteY3" fmla="*/ 459783 h 459783"/>
+            </a:gdLst>
+            <a:ahLst/>
+            <a:cxnLst>
+              <a:cxn ang="0">
+                <a:pos x="connsiteX0" y="connsiteY0"/>
+              </a:cxn>
+              <a:cxn ang="0">
+                <a:pos x="connsiteX1" y="connsiteY1"/>
+              </a:cxn>
+              <a:cxn ang="0">
+                <a:pos x="connsiteX2" y="connsiteY2"/>
+              </a:cxn>
+              <a:cxn ang="0">
+                <a:pos x="connsiteX3" y="connsiteY3"/>
+              </a:cxn>
+            </a:cxnLst>
+            <a:rect l="l" t="t" r="r" b="b"/>
+            <a:pathLst>
+              <a:path w="1513668" h="459783">
+                <a:moveTo>
+                  <a:pt x="0" y="0"/>
+                </a:moveTo>
+                <a:cubicBezTo>
+                  <a:pt x="158427" y="31427"/>
+                  <a:pt x="316854" y="62854"/>
+                  <a:pt x="470115" y="123986"/>
+                </a:cubicBezTo>
+                <a:cubicBezTo>
+                  <a:pt x="623376" y="185118"/>
+                  <a:pt x="745641" y="310827"/>
+                  <a:pt x="919566" y="366793"/>
+                </a:cubicBezTo>
+                <a:cubicBezTo>
+                  <a:pt x="1093491" y="422759"/>
+                  <a:pt x="1303579" y="441271"/>
+                  <a:pt x="1513668" y="459783"/>
+                </a:cubicBezTo>
+              </a:path>
+            </a:pathLst>
+          </a:custGeom>
+          <a:noFill/>
+          <a:ln w="38100" cap="rnd">
+            <a:solidFill>
+              <a:srgbClr val="0070C0"/>
+            </a:solidFill>
+            <a:prstDash val="sysDot"/>
+            <a:tailEnd type="stealth" w="lg" len="lg"/>
+          </a:ln>
+        </p:spPr>
+        <p:style>
+          <a:lnRef idx="2">
+            <a:schemeClr val="accent1">
+              <a:shade val="50000"/>
+            </a:schemeClr>
+          </a:lnRef>
+          <a:fillRef idx="1">
+            <a:schemeClr val="accent1"/>
+          </a:fillRef>
+          <a:effectRef idx="0">
+            <a:schemeClr val="accent1"/>
+          </a:effectRef>
+          <a:fontRef idx="minor">
+            <a:schemeClr val="lt1"/>
+          </a:fontRef>
+        </p:style>
+        <p:txBody>
+          <a:bodyPr rtlCol="0" anchor="ctr"/>
+          <a:lstStyle/>
+          <a:p>
+            <a:pPr algn="ctr"/>
+            <a:endParaRPr lang="en-US"/>
+          </a:p>
+        </p:txBody>
+      </p:sp>
+      <p:sp>
+        <p:nvSpPr>
+          <p:cNvPr id="9" name="Freeform: Shape 8">
+            <a:extLst>
+              <a:ext uri="{FF2B5EF4-FFF2-40B4-BE49-F238E27FC236}">
+                <a16:creationId xmlns:a16="http://schemas.microsoft.com/office/drawing/2014/main" id="{DD4A77EB-72A4-4539-B75D-147991D34EA3}"/>
+              </a:ext>
+            </a:extLst>
+          </p:cNvPr>
+          <p:cNvSpPr/>
+          <p:nvPr/>
+        </p:nvSpPr>
+        <p:spPr>
+          <a:xfrm>
+            <a:off x="9442213" y="2238233"/>
+            <a:ext cx="1709900" cy="236561"/>
+          </a:xfrm>
+          <a:custGeom>
+            <a:avLst/>
+            <a:gdLst>
+              <a:gd name="connsiteX0" fmla="*/ 0 w 1524000"/>
+              <a:gd name="connsiteY0" fmla="*/ 3771254 h 3771254"/>
+              <a:gd name="connsiteX1" fmla="*/ 485614 w 1524000"/>
+              <a:gd name="connsiteY1" fmla="*/ 1678983 h 3771254"/>
+              <a:gd name="connsiteX2" fmla="*/ 738753 w 1524000"/>
+              <a:gd name="connsiteY2" fmla="*/ 247973 h 3771254"/>
+              <a:gd name="connsiteX3" fmla="*/ 1524000 w 1524000"/>
+              <a:gd name="connsiteY3" fmla="*/ 0 h 3771254"/>
+            </a:gdLst>
+            <a:ahLst/>
+            <a:cxnLst>
+              <a:cxn ang="0">
+                <a:pos x="connsiteX0" y="connsiteY0"/>
+              </a:cxn>
+              <a:cxn ang="0">
+                <a:pos x="connsiteX1" y="connsiteY1"/>
+              </a:cxn>
+              <a:cxn ang="0">
+                <a:pos x="connsiteX2" y="connsiteY2"/>
+              </a:cxn>
+              <a:cxn ang="0">
+                <a:pos x="connsiteX3" y="connsiteY3"/>
+              </a:cxn>
+            </a:cxnLst>
+            <a:rect l="l" t="t" r="r" b="b"/>
+            <a:pathLst>
+              <a:path w="1524000" h="3771254">
+                <a:moveTo>
+                  <a:pt x="0" y="3771254"/>
+                </a:moveTo>
+                <a:cubicBezTo>
+                  <a:pt x="181244" y="3018725"/>
+                  <a:pt x="362489" y="2266196"/>
+                  <a:pt x="485614" y="1678983"/>
+                </a:cubicBezTo>
+                <a:cubicBezTo>
+                  <a:pt x="608740" y="1091769"/>
+                  <a:pt x="565689" y="527803"/>
+                  <a:pt x="738753" y="247973"/>
+                </a:cubicBezTo>
+                <a:cubicBezTo>
+                  <a:pt x="911817" y="-31857"/>
+                  <a:pt x="1410346" y="7749"/>
+                  <a:pt x="1524000" y="0"/>
+                </a:cubicBezTo>
+              </a:path>
+            </a:pathLst>
+          </a:custGeom>
+          <a:noFill/>
+          <a:ln w="38100" cap="rnd">
+            <a:solidFill>
+              <a:srgbClr val="0070C0"/>
+            </a:solidFill>
+            <a:prstDash val="sysDot"/>
+            <a:tailEnd type="stealth" w="lg" len="lg"/>
+          </a:ln>
+        </p:spPr>
+        <p:style>
+          <a:lnRef idx="2">
+            <a:schemeClr val="accent1">
+              <a:shade val="50000"/>
+            </a:schemeClr>
+          </a:lnRef>
+          <a:fillRef idx="1">
+            <a:schemeClr val="accent1"/>
+          </a:fillRef>
+          <a:effectRef idx="0">
+            <a:schemeClr val="accent1"/>
+          </a:effectRef>
+          <a:fontRef idx="minor">
+            <a:schemeClr val="lt1"/>
+          </a:fontRef>
+        </p:style>
+        <p:txBody>
+          <a:bodyPr rtlCol="0" anchor="ctr"/>
+          <a:lstStyle/>
+          <a:p>
+            <a:pPr algn="ctr"/>
+            <a:endParaRPr lang="en-US"/>
+          </a:p>
+        </p:txBody>
+      </p:sp>
+      <p:sp>
+        <p:nvSpPr>
+          <p:cNvPr id="10" name="Freeform: Shape 9">
+            <a:extLst>
+              <a:ext uri="{FF2B5EF4-FFF2-40B4-BE49-F238E27FC236}">
+                <a16:creationId xmlns:a16="http://schemas.microsoft.com/office/drawing/2014/main" id="{A748EAF5-42AC-45DD-93DB-E68FEE6916FD}"/>
+              </a:ext>
+            </a:extLst>
+          </p:cNvPr>
+          <p:cNvSpPr/>
+          <p:nvPr/>
+        </p:nvSpPr>
+        <p:spPr>
+          <a:xfrm flipV="1">
+            <a:off x="9480143" y="2691732"/>
+            <a:ext cx="1671969" cy="829390"/>
+          </a:xfrm>
+          <a:custGeom>
+            <a:avLst/>
+            <a:gdLst>
+              <a:gd name="connsiteX0" fmla="*/ 0 w 1534332"/>
+              <a:gd name="connsiteY0" fmla="*/ 2325158 h 2325158"/>
+              <a:gd name="connsiteX1" fmla="*/ 630264 w 1534332"/>
+              <a:gd name="connsiteY1" fmla="*/ 1390094 h 2325158"/>
+              <a:gd name="connsiteX2" fmla="*/ 1048719 w 1534332"/>
+              <a:gd name="connsiteY2" fmla="*/ 227721 h 2325158"/>
+              <a:gd name="connsiteX3" fmla="*/ 1534332 w 1534332"/>
+              <a:gd name="connsiteY3" fmla="*/ 413 h 2325158"/>
+            </a:gdLst>
+            <a:ahLst/>
+            <a:cxnLst>
+              <a:cxn ang="0">
+                <a:pos x="connsiteX0" y="connsiteY0"/>
+              </a:cxn>
+              <a:cxn ang="0">
+                <a:pos x="connsiteX1" y="connsiteY1"/>
+              </a:cxn>
+              <a:cxn ang="0">
+                <a:pos x="connsiteX2" y="connsiteY2"/>
+              </a:cxn>
+              <a:cxn ang="0">
+                <a:pos x="connsiteX3" y="connsiteY3"/>
+              </a:cxn>
+            </a:cxnLst>
+            <a:rect l="l" t="t" r="r" b="b"/>
+            <a:pathLst>
+              <a:path w="1534332" h="2325158">
+                <a:moveTo>
+                  <a:pt x="0" y="2325158"/>
+                </a:moveTo>
+                <a:cubicBezTo>
+                  <a:pt x="227739" y="2032412"/>
+                  <a:pt x="455478" y="1739667"/>
+                  <a:pt x="630264" y="1390094"/>
+                </a:cubicBezTo>
+                <a:cubicBezTo>
+                  <a:pt x="805051" y="1040521"/>
+                  <a:pt x="898041" y="459334"/>
+                  <a:pt x="1048719" y="227721"/>
+                </a:cubicBezTo>
+                <a:cubicBezTo>
+                  <a:pt x="1199397" y="-3892"/>
+                  <a:pt x="1366864" y="-1740"/>
+                  <a:pt x="1534332" y="413"/>
+                </a:cubicBezTo>
+              </a:path>
+            </a:pathLst>
+          </a:custGeom>
+          <a:noFill/>
+          <a:ln w="38100" cap="rnd">
+            <a:solidFill>
+              <a:srgbClr val="0070C0"/>
+            </a:solidFill>
+            <a:prstDash val="sysDot"/>
+            <a:tailEnd type="stealth" w="lg" len="lg"/>
+          </a:ln>
+        </p:spPr>
+        <p:style>
+          <a:lnRef idx="2">
+            <a:schemeClr val="accent1">
+              <a:shade val="50000"/>
+            </a:schemeClr>
+          </a:lnRef>
+          <a:fillRef idx="1">
+            <a:schemeClr val="accent1"/>
+          </a:fillRef>
+          <a:effectRef idx="0">
+            <a:schemeClr val="accent1"/>
+          </a:effectRef>
+          <a:fontRef idx="minor">
+            <a:schemeClr val="lt1"/>
+          </a:fontRef>
+        </p:style>
+        <p:txBody>
+          <a:bodyPr rtlCol="0" anchor="ctr"/>
+          <a:lstStyle/>
+          <a:p>
+            <a:pPr algn="ctr"/>
+            <a:endParaRPr lang="en-US"/>
+          </a:p>
+        </p:txBody>
+      </p:sp>
+      <p:sp>
+        <p:nvSpPr>
+          <p:cNvPr id="11" name="Freeform: Shape 10">
+            <a:extLst>
+              <a:ext uri="{FF2B5EF4-FFF2-40B4-BE49-F238E27FC236}">
+                <a16:creationId xmlns:a16="http://schemas.microsoft.com/office/drawing/2014/main" id="{A962F03E-08F1-4C2C-B00E-EAE1A70431D5}"/>
+              </a:ext>
+            </a:extLst>
+          </p:cNvPr>
+          <p:cNvSpPr/>
+          <p:nvPr/>
+        </p:nvSpPr>
+        <p:spPr>
+          <a:xfrm flipV="1">
+            <a:off x="9485310" y="2995290"/>
+            <a:ext cx="1671970" cy="1795073"/>
+          </a:xfrm>
+          <a:custGeom>
+            <a:avLst/>
+            <a:gdLst>
+              <a:gd name="connsiteX0" fmla="*/ 0 w 1529166"/>
+              <a:gd name="connsiteY0" fmla="*/ 1113397 h 1113397"/>
+              <a:gd name="connsiteX1" fmla="*/ 749085 w 1529166"/>
+              <a:gd name="connsiteY1" fmla="*/ 617451 h 1113397"/>
+              <a:gd name="connsiteX2" fmla="*/ 1245030 w 1529166"/>
+              <a:gd name="connsiteY2" fmla="*/ 85343 h 1113397"/>
+              <a:gd name="connsiteX3" fmla="*/ 1529166 w 1529166"/>
+              <a:gd name="connsiteY3" fmla="*/ 7851 h 1113397"/>
+            </a:gdLst>
+            <a:ahLst/>
+            <a:cxnLst>
+              <a:cxn ang="0">
+                <a:pos x="connsiteX0" y="connsiteY0"/>
+              </a:cxn>
+              <a:cxn ang="0">
+                <a:pos x="connsiteX1" y="connsiteY1"/>
+              </a:cxn>
+              <a:cxn ang="0">
+                <a:pos x="connsiteX2" y="connsiteY2"/>
+              </a:cxn>
+              <a:cxn ang="0">
+                <a:pos x="connsiteX3" y="connsiteY3"/>
+              </a:cxn>
+            </a:cxnLst>
+            <a:rect l="l" t="t" r="r" b="b"/>
+            <a:pathLst>
+              <a:path w="1529166" h="1113397">
+                <a:moveTo>
+                  <a:pt x="0" y="1113397"/>
+                </a:moveTo>
+                <a:cubicBezTo>
+                  <a:pt x="270790" y="951095"/>
+                  <a:pt x="541580" y="788793"/>
+                  <a:pt x="749085" y="617451"/>
+                </a:cubicBezTo>
+                <a:cubicBezTo>
+                  <a:pt x="956590" y="446109"/>
+                  <a:pt x="1115017" y="186943"/>
+                  <a:pt x="1245030" y="85343"/>
+                </a:cubicBezTo>
+                <a:cubicBezTo>
+                  <a:pt x="1375043" y="-16257"/>
+                  <a:pt x="1452104" y="-4203"/>
+                  <a:pt x="1529166" y="7851"/>
+                </a:cubicBezTo>
+              </a:path>
+            </a:pathLst>
+          </a:custGeom>
+          <a:noFill/>
+          <a:ln w="38100" cap="rnd">
+            <a:solidFill>
+              <a:srgbClr val="0070C0"/>
+            </a:solidFill>
+            <a:prstDash val="sysDot"/>
+            <a:tailEnd type="stealth" w="lg" len="lg"/>
+          </a:ln>
+        </p:spPr>
+        <p:style>
+          <a:lnRef idx="2">
+            <a:schemeClr val="accent1">
+              <a:shade val="50000"/>
+            </a:schemeClr>
+          </a:lnRef>
+          <a:fillRef idx="1">
+            <a:schemeClr val="accent1"/>
+          </a:fillRef>
+          <a:effectRef idx="0">
+            <a:schemeClr val="accent1"/>
+          </a:effectRef>
+          <a:fontRef idx="minor">
+            <a:schemeClr val="lt1"/>
+          </a:fontRef>
+        </p:style>
+        <p:txBody>
+          <a:bodyPr rtlCol="0" anchor="ctr"/>
+          <a:lstStyle/>
+          <a:p>
+            <a:pPr algn="ctr"/>
+            <a:endParaRPr lang="en-US" dirty="0"/>
+          </a:p>
+        </p:txBody>
+      </p:sp>
+      <p:sp>
+        <p:nvSpPr>
           <p:cNvPr id="7" name="Rectangle: Rounded Corners 6">
             <a:extLst>
               <a:ext uri="{FF2B5EF4-FFF2-40B4-BE49-F238E27FC236}">
@@ -4618,7 +5696,7 @@
 </p:sld>
 </file>
 
-<file path=ppt/slides/slide11.xml><?xml version="1.0" encoding="utf-8"?>
+<file path=ppt/slides/slide12.xml><?xml version="1.0" encoding="utf-8"?>
 <p:sld xmlns:a="http://schemas.openxmlformats.org/drawingml/2006/main" xmlns:r="http://schemas.openxmlformats.org/officeDocument/2006/relationships" xmlns:p="http://schemas.openxmlformats.org/presentationml/2006/main">
   <p:cSld>
     <p:spTree>
@@ -4825,7 +5903,7 @@
 </p:sld>
 </file>
 
-<file path=ppt/slides/slide12.xml><?xml version="1.0" encoding="utf-8"?>
+<file path=ppt/slides/slide13.xml><?xml version="1.0" encoding="utf-8"?>
 <p:sld xmlns:a="http://schemas.openxmlformats.org/drawingml/2006/main" xmlns:r="http://schemas.openxmlformats.org/officeDocument/2006/relationships" xmlns:p="http://schemas.openxmlformats.org/presentationml/2006/main">
   <p:cSld>
     <p:spTree>
@@ -5019,45 +6097,58 @@
                 <a:latin typeface="Courier New" panose="02070309020205020404" pitchFamily="49" charset="0"/>
                 <a:cs typeface="Courier New" panose="02070309020205020404" pitchFamily="49" charset="0"/>
               </a:rPr>
-              <a:t> resources </a:t>
-            </a:r>
+              <a:t> resources [website-folder] localhost</a:t>
+            </a:r>
+          </a:p>
+          <a:p>
+            <a:pPr lvl="1"/>
             <a:r>
               <a:rPr lang="en-US" sz="1800" b="1" dirty="0" err="1">
                 <a:latin typeface="Courier New" panose="02070309020205020404" pitchFamily="49" charset="0"/>
                 <a:cs typeface="Courier New" panose="02070309020205020404" pitchFamily="49" charset="0"/>
               </a:rPr>
-              <a:t>aws</a:t>
-            </a:r>
+              <a:t>yuruna</a:t>
+            </a:r>
+            <a:r>
+              <a:rPr lang="en-US" sz="1800" b="1" dirty="0">
+                <a:latin typeface="Courier New" panose="02070309020205020404" pitchFamily="49" charset="0"/>
+                <a:cs typeface="Courier New" panose="02070309020205020404" pitchFamily="49" charset="0"/>
+              </a:rPr>
+              <a:t> components [website-folder] localhost</a:t>
+            </a:r>
+          </a:p>
+          <a:p>
+            <a:pPr lvl="1"/>
+            <a:r>
+              <a:rPr lang="en-US" sz="1800" b="1" dirty="0" err="1">
+                <a:latin typeface="Courier New" panose="02070309020205020404" pitchFamily="49" charset="0"/>
+                <a:cs typeface="Courier New" panose="02070309020205020404" pitchFamily="49" charset="0"/>
+              </a:rPr>
+              <a:t>yuruna</a:t>
+            </a:r>
+            <a:r>
+              <a:rPr lang="en-US" sz="1800" b="1" dirty="0">
+                <a:latin typeface="Courier New" panose="02070309020205020404" pitchFamily="49" charset="0"/>
+                <a:cs typeface="Courier New" panose="02070309020205020404" pitchFamily="49" charset="0"/>
+              </a:rPr>
+              <a:t> workloads [website-folder] localhost</a:t>
+            </a:r>
+          </a:p>
+          <a:p>
+            <a:pPr lvl="1"/>
             <a:endParaRPr lang="en-US" sz="1800" b="1" dirty="0">
               <a:latin typeface="Courier New" panose="02070309020205020404" pitchFamily="49" charset="0"/>
               <a:cs typeface="Courier New" panose="02070309020205020404" pitchFamily="49" charset="0"/>
             </a:endParaRPr>
           </a:p>
-          <a:p>
-            <a:pPr lvl="1"/>
-            <a:r>
-              <a:rPr lang="en-US" sz="1800" b="1" dirty="0" err="1">
-                <a:latin typeface="Courier New" panose="02070309020205020404" pitchFamily="49" charset="0"/>
-                <a:cs typeface="Courier New" panose="02070309020205020404" pitchFamily="49" charset="0"/>
-              </a:rPr>
-              <a:t>yuruna</a:t>
-            </a:r>
-            <a:r>
-              <a:rPr lang="en-US" sz="1800" b="1" dirty="0">
-                <a:latin typeface="Courier New" panose="02070309020205020404" pitchFamily="49" charset="0"/>
-                <a:cs typeface="Courier New" panose="02070309020205020404" pitchFamily="49" charset="0"/>
-              </a:rPr>
-              <a:t> components azure</a:t>
-            </a:r>
-          </a:p>
         </p:txBody>
       </p:sp>
       <p:pic>
         <p:nvPicPr>
-          <p:cNvPr id="7" name="Picture 6">
+          <p:cNvPr id="5" name="Picture 4">
             <a:extLst>
               <a:ext uri="{FF2B5EF4-FFF2-40B4-BE49-F238E27FC236}">
-                <a16:creationId xmlns:a16="http://schemas.microsoft.com/office/drawing/2014/main" id="{092A1465-51E6-4031-8A0B-92474B6EC39D}"/>
+                <a16:creationId xmlns:a16="http://schemas.microsoft.com/office/drawing/2014/main" id="{A593544E-52EC-4186-B99D-0C45E9A7776C}"/>
               </a:ext>
             </a:extLst>
           </p:cNvPr>
@@ -5074,8 +6165,8 @@
         </p:blipFill>
         <p:spPr>
           <a:xfrm>
-            <a:off x="7399345" y="1308184"/>
-            <a:ext cx="3954455" cy="4868779"/>
+            <a:off x="8139914" y="2090714"/>
+            <a:ext cx="3432731" cy="4041280"/>
           </a:xfrm>
           <a:prstGeom prst="rect">
             <a:avLst/>
@@ -5095,7 +6186,7 @@
 </p:sld>
 </file>
 
-<file path=ppt/slides/slide13.xml><?xml version="1.0" encoding="utf-8"?>
+<file path=ppt/slides/slide14.xml><?xml version="1.0" encoding="utf-8"?>
 <p:sld xmlns:a="http://schemas.openxmlformats.org/drawingml/2006/main" xmlns:r="http://schemas.openxmlformats.org/officeDocument/2006/relationships" xmlns:p="http://schemas.openxmlformats.org/presentationml/2006/main">
   <p:cSld>
     <p:spTree>
@@ -5157,7 +6248,12 @@
             <p:ph idx="1"/>
           </p:nvPr>
         </p:nvSpPr>
-        <p:spPr/>
+        <p:spPr>
+          <a:xfrm>
+            <a:off x="838200" y="1825625"/>
+            <a:ext cx="10727352" cy="4351338"/>
+          </a:xfrm>
+        </p:spPr>
         <p:txBody>
           <a:bodyPr>
             <a:noAutofit/>
@@ -5169,7 +6265,7 @@
                 <a:spcPct val="100000"/>
               </a:lnSpc>
               <a:spcBef>
-                <a:spcPts val="200"/>
+                <a:spcPts val="0"/>
               </a:spcBef>
               <a:buNone/>
             </a:pPr>
@@ -5181,7 +6277,7 @@
                 <a:effectLst/>
                 <a:latin typeface="Consolas" panose="020B0609020204030204" pitchFamily="49" charset="0"/>
               </a:rPr>
-              <a:t># Resources information</a:t>
+              <a:t># Resources information - localhost</a:t>
             </a:r>
             <a:endParaRPr lang="en-US" sz="1200" b="0" dirty="0">
               <a:solidFill>
@@ -5197,7 +6293,7 @@
                 <a:spcPct val="100000"/>
               </a:lnSpc>
               <a:spcBef>
-                <a:spcPts val="200"/>
+                <a:spcPts val="0"/>
               </a:spcBef>
               <a:buNone/>
             </a:pPr>
@@ -5218,7 +6314,7 @@
                 <a:spcPct val="100000"/>
               </a:lnSpc>
               <a:spcBef>
-                <a:spcPts val="200"/>
+                <a:spcPts val="0"/>
               </a:spcBef>
               <a:buNone/>
             </a:pPr>
@@ -5256,7 +6352,7 @@
                 <a:spcPct val="100000"/>
               </a:lnSpc>
               <a:spcBef>
-                <a:spcPts val="200"/>
+                <a:spcPts val="0"/>
               </a:spcBef>
               <a:buNone/>
             </a:pPr>
@@ -5344,7 +6440,7 @@
                 <a:spcPct val="100000"/>
               </a:lnSpc>
               <a:spcBef>
-                <a:spcPts val="200"/>
+                <a:spcPts val="0"/>
               </a:spcBef>
               <a:buNone/>
             </a:pPr>
@@ -5432,7 +6528,7 @@
                 <a:spcPct val="100000"/>
               </a:lnSpc>
               <a:spcBef>
-                <a:spcPts val="200"/>
+                <a:spcPts val="0"/>
               </a:spcBef>
               <a:buNone/>
             </a:pPr>
@@ -5520,7 +6616,7 @@
                 <a:spcPct val="100000"/>
               </a:lnSpc>
               <a:spcBef>
-                <a:spcPts val="200"/>
+                <a:spcPts val="0"/>
               </a:spcBef>
               <a:buNone/>
             </a:pPr>
@@ -5608,7 +6704,7 @@
                 <a:spcPct val="100000"/>
               </a:lnSpc>
               <a:spcBef>
-                <a:spcPts val="200"/>
+                <a:spcPts val="0"/>
               </a:spcBef>
               <a:buNone/>
             </a:pPr>
@@ -5696,7 +6792,7 @@
                 <a:spcPct val="100000"/>
               </a:lnSpc>
               <a:spcBef>
-                <a:spcPts val="200"/>
+                <a:spcPts val="0"/>
               </a:spcBef>
               <a:buNone/>
             </a:pPr>
@@ -5784,7 +6880,7 @@
                 <a:spcPct val="100000"/>
               </a:lnSpc>
               <a:spcBef>
-                <a:spcPts val="200"/>
+                <a:spcPts val="0"/>
               </a:spcBef>
               <a:buNone/>
             </a:pPr>
@@ -5872,7 +6968,7 @@
                 <a:spcPct val="100000"/>
               </a:lnSpc>
               <a:spcBef>
-                <a:spcPts val="200"/>
+                <a:spcPts val="0"/>
               </a:spcBef>
               <a:buNone/>
             </a:pPr>
@@ -5960,7 +7056,7 @@
                 <a:spcPct val="100000"/>
               </a:lnSpc>
               <a:spcBef>
-                <a:spcPts val="200"/>
+                <a:spcPts val="0"/>
               </a:spcBef>
               <a:buNone/>
             </a:pPr>
@@ -6028,7 +7124,7 @@
                 <a:spcPct val="100000"/>
               </a:lnSpc>
               <a:spcBef>
-                <a:spcPts val="200"/>
+                <a:spcPts val="0"/>
               </a:spcBef>
               <a:buNone/>
             </a:pPr>
@@ -6116,7 +7212,7 @@
                 <a:spcPct val="100000"/>
               </a:lnSpc>
               <a:spcBef>
-                <a:spcPts val="200"/>
+                <a:spcPts val="0"/>
               </a:spcBef>
               <a:buNone/>
             </a:pPr>
@@ -6163,7 +7259,7 @@
                 <a:spcPct val="100000"/>
               </a:lnSpc>
               <a:spcBef>
-                <a:spcPts val="200"/>
+                <a:spcPts val="0"/>
               </a:spcBef>
               <a:buNone/>
             </a:pPr>
@@ -6191,7 +7287,7 @@
                 <a:spcPct val="100000"/>
               </a:lnSpc>
               <a:spcBef>
-                <a:spcPts val="200"/>
+                <a:spcPts val="0"/>
               </a:spcBef>
               <a:buNone/>
             </a:pPr>
@@ -6219,7 +7315,7 @@
                 <a:spcPct val="100000"/>
               </a:lnSpc>
               <a:spcBef>
-                <a:spcPts val="200"/>
+                <a:spcPts val="0"/>
               </a:spcBef>
               <a:buNone/>
             </a:pPr>
@@ -6317,7 +7413,7 @@
                 <a:spcPct val="100000"/>
               </a:lnSpc>
               <a:spcBef>
-                <a:spcPts val="200"/>
+                <a:spcPts val="0"/>
               </a:spcBef>
               <a:buNone/>
             </a:pPr>
@@ -6385,7 +7481,7 @@
                 <a:spcPct val="100000"/>
               </a:lnSpc>
               <a:spcBef>
-                <a:spcPts val="200"/>
+                <a:spcPts val="0"/>
               </a:spcBef>
               <a:buNone/>
             </a:pPr>
@@ -6419,6 +7515,295 @@
               </a:rPr>
               <a:t>:</a:t>
             </a:r>
+            <a:endParaRPr lang="en-US" sz="1200" b="0" dirty="0">
+              <a:solidFill>
+                <a:srgbClr val="333333"/>
+              </a:solidFill>
+              <a:effectLst/>
+              <a:latin typeface="Consolas" panose="020B0609020204030204" pitchFamily="49" charset="0"/>
+            </a:endParaRPr>
+          </a:p>
+          <a:p>
+            <a:pPr marL="0" indent="0">
+              <a:lnSpc>
+                <a:spcPct val="100000"/>
+              </a:lnSpc>
+              <a:spcBef>
+                <a:spcPts val="0"/>
+              </a:spcBef>
+              <a:buNone/>
+            </a:pPr>
+            <a:r>
+              <a:rPr lang="en-US" sz="1200" b="0" i="1" dirty="0">
+                <a:solidFill>
+                  <a:srgbClr val="006400"/>
+                </a:solidFill>
+                <a:effectLst/>
+                <a:latin typeface="Consolas" panose="020B0609020204030204" pitchFamily="49" charset="0"/>
+              </a:rPr>
+              <a:t># Terraform template will run local registry</a:t>
+            </a:r>
+            <a:endParaRPr lang="en-US" sz="1200" b="0" dirty="0">
+              <a:solidFill>
+                <a:srgbClr val="333333"/>
+              </a:solidFill>
+              <a:effectLst/>
+              <a:latin typeface="Consolas" panose="020B0609020204030204" pitchFamily="49" charset="0"/>
+            </a:endParaRPr>
+          </a:p>
+          <a:p>
+            <a:pPr marL="0" indent="0">
+              <a:lnSpc>
+                <a:spcPct val="100000"/>
+              </a:lnSpc>
+              <a:spcBef>
+                <a:spcPts val="0"/>
+              </a:spcBef>
+              <a:buNone/>
+            </a:pPr>
+            <a:r>
+              <a:rPr lang="en-US" sz="1200" b="0" dirty="0">
+                <a:solidFill>
+                  <a:srgbClr val="000000"/>
+                </a:solidFill>
+                <a:effectLst/>
+                <a:latin typeface="Consolas" panose="020B0609020204030204" pitchFamily="49" charset="0"/>
+              </a:rPr>
+              <a:t>-</a:t>
+            </a:r>
+            <a:r>
+              <a:rPr lang="en-US" sz="1200" b="0" dirty="0">
+                <a:solidFill>
+                  <a:srgbClr val="333333"/>
+                </a:solidFill>
+                <a:effectLst/>
+                <a:latin typeface="Consolas" panose="020B0609020204030204" pitchFamily="49" charset="0"/>
+              </a:rPr>
+              <a:t> </a:t>
+            </a:r>
+            <a:r>
+              <a:rPr lang="en-US" sz="1200" b="0" dirty="0">
+                <a:solidFill>
+                  <a:srgbClr val="8B0000"/>
+                </a:solidFill>
+                <a:effectLst/>
+                <a:latin typeface="Consolas" panose="020B0609020204030204" pitchFamily="49" charset="0"/>
+              </a:rPr>
+              <a:t>name</a:t>
+            </a:r>
+            <a:r>
+              <a:rPr lang="en-US" sz="1200" b="0" dirty="0">
+                <a:solidFill>
+                  <a:srgbClr val="000000"/>
+                </a:solidFill>
+                <a:effectLst/>
+                <a:latin typeface="Consolas" panose="020B0609020204030204" pitchFamily="49" charset="0"/>
+              </a:rPr>
+              <a:t>:</a:t>
+            </a:r>
+            <a:r>
+              <a:rPr lang="en-US" sz="1200" b="0" dirty="0">
+                <a:solidFill>
+                  <a:srgbClr val="333333"/>
+                </a:solidFill>
+                <a:effectLst/>
+                <a:latin typeface="Consolas" panose="020B0609020204030204" pitchFamily="49" charset="0"/>
+              </a:rPr>
+              <a:t>             </a:t>
+            </a:r>
+            <a:r>
+              <a:rPr lang="en-US" sz="1200" b="0" dirty="0">
+                <a:solidFill>
+                  <a:srgbClr val="000000"/>
+                </a:solidFill>
+                <a:effectLst/>
+                <a:latin typeface="Consolas" panose="020B0609020204030204" pitchFamily="49" charset="0"/>
+              </a:rPr>
+              <a:t>"</a:t>
+            </a:r>
+            <a:r>
+              <a:rPr lang="en-US" sz="1200" b="0" dirty="0">
+                <a:solidFill>
+                  <a:srgbClr val="8B0000"/>
+                </a:solidFill>
+                <a:effectLst/>
+                <a:latin typeface="Consolas" panose="020B0609020204030204" pitchFamily="49" charset="0"/>
+              </a:rPr>
+              <a:t>localhost-registry</a:t>
+            </a:r>
+            <a:r>
+              <a:rPr lang="en-US" sz="1200" b="0" dirty="0">
+                <a:solidFill>
+                  <a:srgbClr val="000000"/>
+                </a:solidFill>
+                <a:effectLst/>
+                <a:latin typeface="Consolas" panose="020B0609020204030204" pitchFamily="49" charset="0"/>
+              </a:rPr>
+              <a:t>"</a:t>
+            </a:r>
+            <a:endParaRPr lang="en-US" sz="1200" b="0" dirty="0">
+              <a:solidFill>
+                <a:srgbClr val="333333"/>
+              </a:solidFill>
+              <a:effectLst/>
+              <a:latin typeface="Consolas" panose="020B0609020204030204" pitchFamily="49" charset="0"/>
+            </a:endParaRPr>
+          </a:p>
+          <a:p>
+            <a:pPr marL="0" indent="0">
+              <a:lnSpc>
+                <a:spcPct val="100000"/>
+              </a:lnSpc>
+              <a:spcBef>
+                <a:spcPts val="0"/>
+              </a:spcBef>
+              <a:buNone/>
+            </a:pPr>
+            <a:r>
+              <a:rPr lang="en-US" sz="1200" b="0" dirty="0">
+                <a:solidFill>
+                  <a:srgbClr val="333333"/>
+                </a:solidFill>
+                <a:effectLst/>
+                <a:latin typeface="Consolas" panose="020B0609020204030204" pitchFamily="49" charset="0"/>
+              </a:rPr>
+              <a:t>  </a:t>
+            </a:r>
+            <a:r>
+              <a:rPr lang="en-US" sz="1200" b="0" dirty="0">
+                <a:solidFill>
+                  <a:srgbClr val="8B0000"/>
+                </a:solidFill>
+                <a:effectLst/>
+                <a:latin typeface="Consolas" panose="020B0609020204030204" pitchFamily="49" charset="0"/>
+              </a:rPr>
+              <a:t>template</a:t>
+            </a:r>
+            <a:r>
+              <a:rPr lang="en-US" sz="1200" b="0" dirty="0">
+                <a:solidFill>
+                  <a:srgbClr val="000000"/>
+                </a:solidFill>
+                <a:effectLst/>
+                <a:latin typeface="Consolas" panose="020B0609020204030204" pitchFamily="49" charset="0"/>
+              </a:rPr>
+              <a:t>:</a:t>
+            </a:r>
+            <a:r>
+              <a:rPr lang="en-US" sz="1200" b="0" dirty="0">
+                <a:solidFill>
+                  <a:srgbClr val="333333"/>
+                </a:solidFill>
+                <a:effectLst/>
+                <a:latin typeface="Consolas" panose="020B0609020204030204" pitchFamily="49" charset="0"/>
+              </a:rPr>
+              <a:t>         </a:t>
+            </a:r>
+            <a:r>
+              <a:rPr lang="en-US" sz="1200" b="0" dirty="0">
+                <a:solidFill>
+                  <a:srgbClr val="000000"/>
+                </a:solidFill>
+                <a:effectLst/>
+                <a:latin typeface="Consolas" panose="020B0609020204030204" pitchFamily="49" charset="0"/>
+              </a:rPr>
+              <a:t>"</a:t>
+            </a:r>
+            <a:r>
+              <a:rPr lang="en-US" sz="1200" b="0" dirty="0">
+                <a:solidFill>
+                  <a:srgbClr val="8B0000"/>
+                </a:solidFill>
+                <a:effectLst/>
+                <a:latin typeface="Consolas" panose="020B0609020204030204" pitchFamily="49" charset="0"/>
+              </a:rPr>
+              <a:t>localhost-registry</a:t>
+            </a:r>
+            <a:r>
+              <a:rPr lang="en-US" sz="1200" b="0" dirty="0">
+                <a:solidFill>
+                  <a:srgbClr val="000000"/>
+                </a:solidFill>
+                <a:effectLst/>
+                <a:latin typeface="Consolas" panose="020B0609020204030204" pitchFamily="49" charset="0"/>
+              </a:rPr>
+              <a:t>"</a:t>
+            </a:r>
+            <a:endParaRPr lang="en-US" sz="1200" b="0" dirty="0">
+              <a:solidFill>
+                <a:srgbClr val="333333"/>
+              </a:solidFill>
+              <a:effectLst/>
+              <a:latin typeface="Consolas" panose="020B0609020204030204" pitchFamily="49" charset="0"/>
+            </a:endParaRPr>
+          </a:p>
+          <a:p>
+            <a:pPr marL="0" indent="0">
+              <a:lnSpc>
+                <a:spcPct val="100000"/>
+              </a:lnSpc>
+              <a:spcBef>
+                <a:spcPts val="0"/>
+              </a:spcBef>
+              <a:buNone/>
+            </a:pPr>
+            <a:r>
+              <a:rPr lang="en-US" sz="1200" b="0" dirty="0">
+                <a:solidFill>
+                  <a:srgbClr val="333333"/>
+                </a:solidFill>
+                <a:effectLst/>
+                <a:latin typeface="Consolas" panose="020B0609020204030204" pitchFamily="49" charset="0"/>
+              </a:rPr>
+              <a:t>  </a:t>
+            </a:r>
+            <a:r>
+              <a:rPr lang="en-US" sz="1200" b="0" dirty="0">
+                <a:solidFill>
+                  <a:srgbClr val="8B0000"/>
+                </a:solidFill>
+                <a:effectLst/>
+                <a:latin typeface="Consolas" panose="020B0609020204030204" pitchFamily="49" charset="0"/>
+              </a:rPr>
+              <a:t>variables</a:t>
+            </a:r>
+            <a:r>
+              <a:rPr lang="en-US" sz="1200" b="0" dirty="0">
+                <a:solidFill>
+                  <a:srgbClr val="000000"/>
+                </a:solidFill>
+                <a:effectLst/>
+                <a:latin typeface="Consolas" panose="020B0609020204030204" pitchFamily="49" charset="0"/>
+              </a:rPr>
+              <a:t>:</a:t>
+            </a:r>
+            <a:endParaRPr lang="en-US" sz="1200" b="0" dirty="0">
+              <a:solidFill>
+                <a:srgbClr val="333333"/>
+              </a:solidFill>
+              <a:effectLst/>
+              <a:latin typeface="Consolas" panose="020B0609020204030204" pitchFamily="49" charset="0"/>
+            </a:endParaRPr>
+          </a:p>
+          <a:p>
+            <a:pPr marL="0" indent="0">
+              <a:lnSpc>
+                <a:spcPct val="100000"/>
+              </a:lnSpc>
+              <a:spcBef>
+                <a:spcPts val="0"/>
+              </a:spcBef>
+              <a:buNone/>
+            </a:pPr>
+            <a:br>
+              <a:rPr lang="en-US" sz="1200" b="0" dirty="0">
+                <a:solidFill>
+                  <a:srgbClr val="333333"/>
+                </a:solidFill>
+                <a:effectLst/>
+                <a:latin typeface="Consolas" panose="020B0609020204030204" pitchFamily="49" charset="0"/>
+              </a:rPr>
+            </a:br>
             <a:endParaRPr lang="en-US" sz="1200" b="0" dirty="0">
               <a:solidFill>
                 <a:srgbClr val="333333"/>
@@ -6442,7 +7827,7 @@
 </p:sld>
 </file>
 
-<file path=ppt/slides/slide14.xml><?xml version="1.0" encoding="utf-8"?>
+<file path=ppt/slides/slide15.xml><?xml version="1.0" encoding="utf-8"?>
 <p:sld xmlns:a="http://schemas.openxmlformats.org/drawingml/2006/main" xmlns:r="http://schemas.openxmlformats.org/officeDocument/2006/relationships" xmlns:p="http://schemas.openxmlformats.org/presentationml/2006/main">
   <p:cSld>
     <p:spTree>
@@ -6516,7 +7901,7 @@
                 <a:spcPct val="100000"/>
               </a:lnSpc>
               <a:spcBef>
-                <a:spcPts val="200"/>
+                <a:spcPts val="0"/>
               </a:spcBef>
               <a:buNone/>
             </a:pPr>
@@ -6528,7 +7913,7 @@
                 <a:effectLst/>
                 <a:latin typeface="Consolas" panose="020B0609020204030204" pitchFamily="49" charset="0"/>
               </a:rPr>
-              <a:t># Components information</a:t>
+              <a:t># Components information - localhost</a:t>
             </a:r>
             <a:endParaRPr lang="en-US" sz="1200" b="0" dirty="0">
               <a:solidFill>
@@ -6544,7 +7929,7 @@
                 <a:spcPct val="100000"/>
               </a:lnSpc>
               <a:spcBef>
-                <a:spcPts val="200"/>
+                <a:spcPts val="0"/>
               </a:spcBef>
               <a:buNone/>
             </a:pPr>
@@ -6565,7 +7950,7 @@
                 <a:spcPct val="100000"/>
               </a:lnSpc>
               <a:spcBef>
-                <a:spcPts val="200"/>
+                <a:spcPts val="0"/>
               </a:spcBef>
               <a:buNone/>
             </a:pPr>
@@ -6603,7 +7988,7 @@
                 <a:spcPct val="100000"/>
               </a:lnSpc>
               <a:spcBef>
-                <a:spcPts val="200"/>
+                <a:spcPts val="0"/>
               </a:spcBef>
               <a:buNone/>
             </a:pPr>
@@ -6691,7 +8076,7 @@
                 <a:spcPct val="100000"/>
               </a:lnSpc>
               <a:spcBef>
-                <a:spcPts val="200"/>
+                <a:spcPts val="0"/>
               </a:spcBef>
               <a:buNone/>
             </a:pPr>
@@ -6779,7 +8164,7 @@
                 <a:spcPct val="100000"/>
               </a:lnSpc>
               <a:spcBef>
-                <a:spcPts val="200"/>
+                <a:spcPts val="0"/>
               </a:spcBef>
               <a:buNone/>
             </a:pPr>
@@ -6867,7 +8252,7 @@
                 <a:spcPct val="100000"/>
               </a:lnSpc>
               <a:spcBef>
-                <a:spcPts val="200"/>
+                <a:spcPts val="0"/>
               </a:spcBef>
               <a:buNone/>
             </a:pPr>
@@ -6919,7 +8304,7 @@
                 <a:effectLst/>
                 <a:latin typeface="Consolas" panose="020B0609020204030204" pitchFamily="49" charset="0"/>
               </a:rPr>
-              <a:t>docker build --rm -f $</a:t>
+              <a:t>docker build --rm -f ${</a:t>
             </a:r>
             <a:r>
               <a:rPr lang="en-US" sz="1200" b="0" dirty="0" err="1">
@@ -6929,17 +8314,17 @@
                 <a:effectLst/>
                 <a:latin typeface="Consolas" panose="020B0609020204030204" pitchFamily="49" charset="0"/>
               </a:rPr>
-              <a:t>dockerfile</a:t>
-            </a:r>
-            <a:r>
-              <a:rPr lang="en-US" sz="1200" b="0" dirty="0">
-                <a:solidFill>
-                  <a:srgbClr val="8B0000"/>
-                </a:solidFill>
-                <a:effectLst/>
-                <a:latin typeface="Consolas" panose="020B0609020204030204" pitchFamily="49" charset="0"/>
-              </a:rPr>
-              <a:t> -t "${</a:t>
+              <a:t>env:dockerfile</a:t>
+            </a:r>
+            <a:r>
+              <a:rPr lang="en-US" sz="1200" b="0" dirty="0">
+                <a:solidFill>
+                  <a:srgbClr val="8B0000"/>
+                </a:solidFill>
+                <a:effectLst/>
+                <a:latin typeface="Consolas" panose="020B0609020204030204" pitchFamily="49" charset="0"/>
+              </a:rPr>
+              <a:t>} -t "${</a:t>
             </a:r>
             <a:r>
               <a:rPr lang="en-US" sz="1200" b="0" dirty="0" err="1">
@@ -6949,17 +8334,17 @@
                 <a:effectLst/>
                 <a:latin typeface="Consolas" panose="020B0609020204030204" pitchFamily="49" charset="0"/>
               </a:rPr>
-              <a:t>containerPrefix</a:t>
-            </a:r>
-            <a:r>
-              <a:rPr lang="en-US" sz="1200" b="0" dirty="0">
-                <a:solidFill>
-                  <a:srgbClr val="8B0000"/>
-                </a:solidFill>
-                <a:effectLst/>
-                <a:latin typeface="Consolas" panose="020B0609020204030204" pitchFamily="49" charset="0"/>
-              </a:rPr>
-              <a:t>}/${project}:latest" "$</a:t>
+              <a:t>env:containerPrefix</a:t>
+            </a:r>
+            <a:r>
+              <a:rPr lang="en-US" sz="1200" b="0" dirty="0">
+                <a:solidFill>
+                  <a:srgbClr val="8B0000"/>
+                </a:solidFill>
+                <a:effectLst/>
+                <a:latin typeface="Consolas" panose="020B0609020204030204" pitchFamily="49" charset="0"/>
+              </a:rPr>
+              <a:t>}/${</a:t>
             </a:r>
             <a:r>
               <a:rPr lang="en-US" sz="1200" b="0" dirty="0" err="1">
@@ -6969,17 +8354,37 @@
                 <a:effectLst/>
                 <a:latin typeface="Consolas" panose="020B0609020204030204" pitchFamily="49" charset="0"/>
               </a:rPr>
-              <a:t>buildPath</a:t>
-            </a:r>
-            <a:r>
-              <a:rPr lang="en-US" sz="1200" b="0" dirty="0">
-                <a:solidFill>
-                  <a:srgbClr val="8B0000"/>
-                </a:solidFill>
-                <a:effectLst/>
-                <a:latin typeface="Consolas" panose="020B0609020204030204" pitchFamily="49" charset="0"/>
-              </a:rPr>
-              <a:t>"</a:t>
+              <a:t>env:project</a:t>
+            </a:r>
+            <a:r>
+              <a:rPr lang="en-US" sz="1200" b="0" dirty="0">
+                <a:solidFill>
+                  <a:srgbClr val="8B0000"/>
+                </a:solidFill>
+                <a:effectLst/>
+                <a:latin typeface="Consolas" panose="020B0609020204030204" pitchFamily="49" charset="0"/>
+              </a:rPr>
+              <a:t>}:latest" "${</a:t>
+            </a:r>
+            <a:r>
+              <a:rPr lang="en-US" sz="1200" b="0" dirty="0" err="1">
+                <a:solidFill>
+                  <a:srgbClr val="8B0000"/>
+                </a:solidFill>
+                <a:effectLst/>
+                <a:latin typeface="Consolas" panose="020B0609020204030204" pitchFamily="49" charset="0"/>
+              </a:rPr>
+              <a:t>env:buildPath</a:t>
+            </a:r>
+            <a:r>
+              <a:rPr lang="en-US" sz="1200" b="0" dirty="0">
+                <a:solidFill>
+                  <a:srgbClr val="8B0000"/>
+                </a:solidFill>
+                <a:effectLst/>
+                <a:latin typeface="Consolas" panose="020B0609020204030204" pitchFamily="49" charset="0"/>
+              </a:rPr>
+              <a:t>}"</a:t>
             </a:r>
             <a:endParaRPr lang="en-US" sz="1200" b="0" dirty="0">
               <a:solidFill>
@@ -6995,7 +8400,7 @@
                 <a:spcPct val="100000"/>
               </a:lnSpc>
               <a:spcBef>
-                <a:spcPts val="200"/>
+                <a:spcPts val="0"/>
               </a:spcBef>
               <a:buNone/>
             </a:pPr>
@@ -7057,17 +8462,17 @@
                 <a:effectLst/>
                 <a:latin typeface="Consolas" panose="020B0609020204030204" pitchFamily="49" charset="0"/>
               </a:rPr>
-              <a:t>containerPrefix</a:t>
-            </a:r>
-            <a:r>
-              <a:rPr lang="en-US" sz="1200" b="0" dirty="0">
-                <a:solidFill>
-                  <a:srgbClr val="8B0000"/>
-                </a:solidFill>
-                <a:effectLst/>
-                <a:latin typeface="Consolas" panose="020B0609020204030204" pitchFamily="49" charset="0"/>
-              </a:rPr>
-              <a:t>}/${project}:latest" "${</a:t>
+              <a:t>env:containerPrefix</a:t>
+            </a:r>
+            <a:r>
+              <a:rPr lang="en-US" sz="1200" b="0" dirty="0">
+                <a:solidFill>
+                  <a:srgbClr val="8B0000"/>
+                </a:solidFill>
+                <a:effectLst/>
+                <a:latin typeface="Consolas" panose="020B0609020204030204" pitchFamily="49" charset="0"/>
+              </a:rPr>
+              <a:t>}/${</a:t>
             </a:r>
             <a:r>
               <a:rPr lang="en-US" sz="1200" b="0" dirty="0" err="1">
@@ -7077,7 +8482,27 @@
                 <a:effectLst/>
                 <a:latin typeface="Consolas" panose="020B0609020204030204" pitchFamily="49" charset="0"/>
               </a:rPr>
-              <a:t>registryLocation</a:t>
+              <a:t>env:project</a:t>
+            </a:r>
+            <a:r>
+              <a:rPr lang="en-US" sz="1200" b="0" dirty="0">
+                <a:solidFill>
+                  <a:srgbClr val="8B0000"/>
+                </a:solidFill>
+                <a:effectLst/>
+                <a:latin typeface="Consolas" panose="020B0609020204030204" pitchFamily="49" charset="0"/>
+              </a:rPr>
+              <a:t>}:latest" "${</a:t>
+            </a:r>
+            <a:r>
+              <a:rPr lang="en-US" sz="1200" b="0" dirty="0" err="1">
+                <a:solidFill>
+                  <a:srgbClr val="8B0000"/>
+                </a:solidFill>
+                <a:effectLst/>
+                <a:latin typeface="Consolas" panose="020B0609020204030204" pitchFamily="49" charset="0"/>
+              </a:rPr>
+              <a:t>env:registryLocation</a:t>
             </a:r>
             <a:r>
               <a:rPr lang="en-US" sz="1200" b="0" dirty="0">
@@ -7097,17 +8522,37 @@
                 <a:effectLst/>
                 <a:latin typeface="Consolas" panose="020B0609020204030204" pitchFamily="49" charset="0"/>
               </a:rPr>
-              <a:t>containerPrefix</a:t>
-            </a:r>
-            <a:r>
-              <a:rPr lang="en-US" sz="1200" b="0" dirty="0">
-                <a:solidFill>
-                  <a:srgbClr val="8B0000"/>
-                </a:solidFill>
-                <a:effectLst/>
-                <a:latin typeface="Consolas" panose="020B0609020204030204" pitchFamily="49" charset="0"/>
-              </a:rPr>
-              <a:t>}/${project}:latest"</a:t>
+              <a:t>env:containerPrefix</a:t>
+            </a:r>
+            <a:r>
+              <a:rPr lang="en-US" sz="1200" b="0" dirty="0">
+                <a:solidFill>
+                  <a:srgbClr val="8B0000"/>
+                </a:solidFill>
+                <a:effectLst/>
+                <a:latin typeface="Consolas" panose="020B0609020204030204" pitchFamily="49" charset="0"/>
+              </a:rPr>
+              <a:t>}/${</a:t>
+            </a:r>
+            <a:r>
+              <a:rPr lang="en-US" sz="1200" b="0" dirty="0" err="1">
+                <a:solidFill>
+                  <a:srgbClr val="8B0000"/>
+                </a:solidFill>
+                <a:effectLst/>
+                <a:latin typeface="Consolas" panose="020B0609020204030204" pitchFamily="49" charset="0"/>
+              </a:rPr>
+              <a:t>env:project</a:t>
+            </a:r>
+            <a:r>
+              <a:rPr lang="en-US" sz="1200" b="0" dirty="0">
+                <a:solidFill>
+                  <a:srgbClr val="8B0000"/>
+                </a:solidFill>
+                <a:effectLst/>
+                <a:latin typeface="Consolas" panose="020B0609020204030204" pitchFamily="49" charset="0"/>
+              </a:rPr>
+              <a:t>}:latest"</a:t>
             </a:r>
             <a:endParaRPr lang="en-US" sz="1200" b="0" dirty="0">
               <a:solidFill>
@@ -7123,7 +8568,7 @@
                 <a:spcPct val="100000"/>
               </a:lnSpc>
               <a:spcBef>
-                <a:spcPts val="200"/>
+                <a:spcPts val="0"/>
               </a:spcBef>
               <a:buNone/>
             </a:pPr>
@@ -7185,7 +8630,7 @@
                 <a:effectLst/>
                 <a:latin typeface="Consolas" panose="020B0609020204030204" pitchFamily="49" charset="0"/>
               </a:rPr>
-              <a:t>registryLocation</a:t>
+              <a:t>env:registryLocation</a:t>
             </a:r>
             <a:r>
               <a:rPr lang="en-US" sz="1200" b="0" dirty="0">
@@ -7205,17 +8650,37 @@
                 <a:effectLst/>
                 <a:latin typeface="Consolas" panose="020B0609020204030204" pitchFamily="49" charset="0"/>
               </a:rPr>
-              <a:t>containerPrefix</a:t>
-            </a:r>
-            <a:r>
-              <a:rPr lang="en-US" sz="1200" b="0" dirty="0">
-                <a:solidFill>
-                  <a:srgbClr val="8B0000"/>
-                </a:solidFill>
-                <a:effectLst/>
-                <a:latin typeface="Consolas" panose="020B0609020204030204" pitchFamily="49" charset="0"/>
-              </a:rPr>
-              <a:t>}/${project}:latest"</a:t>
+              <a:t>env:containerPrefix</a:t>
+            </a:r>
+            <a:r>
+              <a:rPr lang="en-US" sz="1200" b="0" dirty="0">
+                <a:solidFill>
+                  <a:srgbClr val="8B0000"/>
+                </a:solidFill>
+                <a:effectLst/>
+                <a:latin typeface="Consolas" panose="020B0609020204030204" pitchFamily="49" charset="0"/>
+              </a:rPr>
+              <a:t>}/${</a:t>
+            </a:r>
+            <a:r>
+              <a:rPr lang="en-US" sz="1200" b="0" dirty="0" err="1">
+                <a:solidFill>
+                  <a:srgbClr val="8B0000"/>
+                </a:solidFill>
+                <a:effectLst/>
+                <a:latin typeface="Consolas" panose="020B0609020204030204" pitchFamily="49" charset="0"/>
+              </a:rPr>
+              <a:t>env:project</a:t>
+            </a:r>
+            <a:r>
+              <a:rPr lang="en-US" sz="1200" b="0" dirty="0">
+                <a:solidFill>
+                  <a:srgbClr val="8B0000"/>
+                </a:solidFill>
+                <a:effectLst/>
+                <a:latin typeface="Consolas" panose="020B0609020204030204" pitchFamily="49" charset="0"/>
+              </a:rPr>
+              <a:t>}:latest"</a:t>
             </a:r>
             <a:endParaRPr lang="en-US" sz="1200" b="0" dirty="0">
               <a:solidFill>
@@ -7231,7 +8696,7 @@
                 <a:spcPct val="100000"/>
               </a:lnSpc>
               <a:spcBef>
-                <a:spcPts val="200"/>
+                <a:spcPts val="0"/>
               </a:spcBef>
               <a:buNone/>
             </a:pPr>
@@ -7278,7 +8743,7 @@
                 <a:spcPct val="100000"/>
               </a:lnSpc>
               <a:spcBef>
-                <a:spcPts val="200"/>
+                <a:spcPts val="0"/>
               </a:spcBef>
               <a:buNone/>
             </a:pPr>
@@ -7376,7 +8841,7 @@
                 <a:spcPct val="100000"/>
               </a:lnSpc>
               <a:spcBef>
-                <a:spcPts val="200"/>
+                <a:spcPts val="0"/>
               </a:spcBef>
               <a:buNone/>
             </a:pPr>
@@ -7464,10 +8929,40 @@
                 <a:spcPct val="100000"/>
               </a:lnSpc>
               <a:spcBef>
-                <a:spcPts val="200"/>
+                <a:spcPts val="0"/>
               </a:spcBef>
               <a:buNone/>
             </a:pPr>
+            <a:r>
+              <a:rPr lang="en-US" sz="1200" b="0" dirty="0">
+                <a:solidFill>
+                  <a:srgbClr val="333333"/>
+                </a:solidFill>
+                <a:effectLst/>
+                <a:latin typeface="Consolas" panose="020B0609020204030204" pitchFamily="49" charset="0"/>
+              </a:rPr>
+              <a:t>  </a:t>
+            </a:r>
+            <a:r>
+              <a:rPr lang="en-US" sz="1200" b="0" dirty="0">
+                <a:solidFill>
+                  <a:srgbClr val="8B0000"/>
+                </a:solidFill>
+                <a:effectLst/>
+                <a:latin typeface="Consolas" panose="020B0609020204030204" pitchFamily="49" charset="0"/>
+              </a:rPr>
+              <a:t>variables</a:t>
+            </a:r>
+            <a:r>
+              <a:rPr lang="en-US" sz="1200" b="0" dirty="0">
+                <a:solidFill>
+                  <a:srgbClr val="000000"/>
+                </a:solidFill>
+                <a:effectLst/>
+                <a:latin typeface="Consolas" panose="020B0609020204030204" pitchFamily="49" charset="0"/>
+              </a:rPr>
+              <a:t>:</a:t>
+            </a:r>
             <a:endParaRPr lang="en-US" sz="1200" b="0" dirty="0">
               <a:solidFill>
                 <a:srgbClr val="333333"/>
@@ -7476,112 +8971,25 @@
               <a:latin typeface="Consolas" panose="020B0609020204030204" pitchFamily="49" charset="0"/>
             </a:endParaRPr>
           </a:p>
-        </p:txBody>
-      </p:sp>
-    </p:spTree>
-    <p:extLst>
-      <p:ext uri="{BB962C8B-B14F-4D97-AF65-F5344CB8AC3E}">
-        <p14:creationId xmlns:p14="http://schemas.microsoft.com/office/powerpoint/2010/main" val="4061545061"/>
-      </p:ext>
-    </p:extLst>
-  </p:cSld>
-  <p:clrMapOvr>
-    <a:masterClrMapping/>
-  </p:clrMapOvr>
-</p:sld>
-</file>
-
-<file path=ppt/slides/slide15.xml><?xml version="1.0" encoding="utf-8"?>
-<p:sld xmlns:a="http://schemas.openxmlformats.org/drawingml/2006/main" xmlns:r="http://schemas.openxmlformats.org/officeDocument/2006/relationships" xmlns:p="http://schemas.openxmlformats.org/presentationml/2006/main">
-  <p:cSld>
-    <p:spTree>
-      <p:nvGrpSpPr>
-        <p:cNvPr id="1" name=""/>
-        <p:cNvGrpSpPr/>
-        <p:nvPr/>
-      </p:nvGrpSpPr>
-      <p:grpSpPr>
-        <a:xfrm>
-          <a:off x="0" y="0"/>
-          <a:ext cx="0" cy="0"/>
-          <a:chOff x="0" y="0"/>
-          <a:chExt cx="0" cy="0"/>
-        </a:xfrm>
-      </p:grpSpPr>
-      <p:sp>
-        <p:nvSpPr>
-          <p:cNvPr id="2" name="Title 1">
-            <a:extLst>
-              <a:ext uri="{FF2B5EF4-FFF2-40B4-BE49-F238E27FC236}">
-                <a16:creationId xmlns:a16="http://schemas.microsoft.com/office/drawing/2014/main" id="{5DEE7C8A-2602-4ED0-AC64-5837AE41ACCE}"/>
-              </a:ext>
-            </a:extLst>
-          </p:cNvPr>
-          <p:cNvSpPr>
-            <a:spLocks noGrp="1"/>
-          </p:cNvSpPr>
-          <p:nvPr>
-            <p:ph type="title"/>
-          </p:nvPr>
-        </p:nvSpPr>
-        <p:spPr/>
-        <p:txBody>
-          <a:bodyPr/>
-          <a:lstStyle/>
-          <a:p>
-            <a:r>
-              <a:rPr lang="en-US" dirty="0" err="1"/>
-              <a:t>Workloads.yml</a:t>
-            </a:r>
-            <a:r>
-              <a:rPr lang="en-US" dirty="0"/>
-              <a:t> (part 1)</a:t>
-            </a:r>
-          </a:p>
-        </p:txBody>
-      </p:sp>
-      <p:sp>
-        <p:nvSpPr>
-          <p:cNvPr id="3" name="Content Placeholder 2">
-            <a:extLst>
-              <a:ext uri="{FF2B5EF4-FFF2-40B4-BE49-F238E27FC236}">
-                <a16:creationId xmlns:a16="http://schemas.microsoft.com/office/drawing/2014/main" id="{2461758E-2B27-4574-8BE5-D36CF022597C}"/>
-              </a:ext>
-            </a:extLst>
-          </p:cNvPr>
-          <p:cNvSpPr>
-            <a:spLocks noGrp="1"/>
-          </p:cNvSpPr>
-          <p:nvPr>
-            <p:ph idx="1"/>
-          </p:nvPr>
-        </p:nvSpPr>
-        <p:spPr/>
-        <p:txBody>
-          <a:bodyPr>
-            <a:noAutofit/>
-          </a:bodyPr>
-          <a:lstStyle/>
           <a:p>
             <a:pPr marL="0" indent="0">
               <a:lnSpc>
                 <a:spcPct val="100000"/>
               </a:lnSpc>
               <a:spcBef>
-                <a:spcPts val="200"/>
+                <a:spcPts val="0"/>
               </a:spcBef>
               <a:buNone/>
             </a:pPr>
-            <a:r>
-              <a:rPr lang="en-US" sz="1200" b="0" i="1" dirty="0">
-                <a:solidFill>
-                  <a:srgbClr val="006400"/>
-                </a:solidFill>
-                <a:effectLst/>
-                <a:latin typeface="Consolas" panose="020B0609020204030204" pitchFamily="49" charset="0"/>
-              </a:rPr>
-              <a:t># Workloads information</a:t>
-            </a:r>
+            <a:br>
+              <a:rPr lang="en-US" sz="1200" b="0" dirty="0">
+                <a:solidFill>
+                  <a:srgbClr val="333333"/>
+                </a:solidFill>
+                <a:effectLst/>
+                <a:latin typeface="Consolas" panose="020B0609020204030204" pitchFamily="49" charset="0"/>
+              </a:rPr>
+            </a:br>
             <a:endParaRPr lang="en-US" sz="1200" b="0" dirty="0">
               <a:solidFill>
                 <a:srgbClr val="333333"/>
@@ -7590,951 +8998,12 @@
               <a:latin typeface="Consolas" panose="020B0609020204030204" pitchFamily="49" charset="0"/>
             </a:endParaRPr>
           </a:p>
-          <a:p>
-            <a:pPr marL="0" indent="0">
-              <a:lnSpc>
-                <a:spcPct val="100000"/>
-              </a:lnSpc>
-              <a:spcBef>
-                <a:spcPts val="200"/>
-              </a:spcBef>
-              <a:buNone/>
-            </a:pPr>
-            <a:r>
-              <a:rPr lang="en-US" sz="1200" b="0" dirty="0">
-                <a:solidFill>
-                  <a:srgbClr val="333333"/>
-                </a:solidFill>
-                <a:effectLst/>
-                <a:latin typeface="Consolas" panose="020B0609020204030204" pitchFamily="49" charset="0"/>
-              </a:rPr>
-              <a:t>---</a:t>
-            </a:r>
-          </a:p>
-          <a:p>
-            <a:pPr marL="0" indent="0">
-              <a:lnSpc>
-                <a:spcPct val="100000"/>
-              </a:lnSpc>
-              <a:spcBef>
-                <a:spcPts val="200"/>
-              </a:spcBef>
-              <a:buNone/>
-            </a:pPr>
-            <a:r>
-              <a:rPr lang="en-US" sz="1200" b="0" dirty="0" err="1">
-                <a:solidFill>
-                  <a:srgbClr val="8B0000"/>
-                </a:solidFill>
-                <a:effectLst/>
-                <a:latin typeface="Consolas" panose="020B0609020204030204" pitchFamily="49" charset="0"/>
-              </a:rPr>
-              <a:t>globalVariables</a:t>
-            </a:r>
-            <a:r>
-              <a:rPr lang="en-US" sz="1200" b="0" dirty="0">
-                <a:solidFill>
-                  <a:srgbClr val="000000"/>
-                </a:solidFill>
-                <a:effectLst/>
-                <a:latin typeface="Consolas" panose="020B0609020204030204" pitchFamily="49" charset="0"/>
-              </a:rPr>
-              <a:t>:</a:t>
-            </a:r>
-            <a:endParaRPr lang="en-US" sz="1200" b="0" dirty="0">
-              <a:solidFill>
-                <a:srgbClr val="333333"/>
-              </a:solidFill>
-              <a:effectLst/>
-              <a:latin typeface="Consolas" panose="020B0609020204030204" pitchFamily="49" charset="0"/>
-            </a:endParaRPr>
-          </a:p>
-          <a:p>
-            <a:pPr marL="0" indent="0">
-              <a:lnSpc>
-                <a:spcPct val="100000"/>
-              </a:lnSpc>
-              <a:spcBef>
-                <a:spcPts val="200"/>
-              </a:spcBef>
-              <a:buNone/>
-            </a:pPr>
-            <a:r>
-              <a:rPr lang="en-US" sz="1200" b="0" dirty="0">
-                <a:solidFill>
-                  <a:srgbClr val="333333"/>
-                </a:solidFill>
-                <a:effectLst/>
-                <a:latin typeface="Consolas" panose="020B0609020204030204" pitchFamily="49" charset="0"/>
-              </a:rPr>
-              <a:t>  </a:t>
-            </a:r>
-            <a:r>
-              <a:rPr lang="en-US" sz="1200" b="0" dirty="0">
-                <a:solidFill>
-                  <a:srgbClr val="8B0000"/>
-                </a:solidFill>
-                <a:effectLst/>
-                <a:latin typeface="Consolas" panose="020B0609020204030204" pitchFamily="49" charset="0"/>
-              </a:rPr>
-              <a:t>namespace</a:t>
-            </a:r>
-            <a:r>
-              <a:rPr lang="en-US" sz="1200" b="0" dirty="0">
-                <a:solidFill>
-                  <a:srgbClr val="000000"/>
-                </a:solidFill>
-                <a:effectLst/>
-                <a:latin typeface="Consolas" panose="020B0609020204030204" pitchFamily="49" charset="0"/>
-              </a:rPr>
-              <a:t>:</a:t>
-            </a:r>
-            <a:r>
-              <a:rPr lang="en-US" sz="1200" b="0" dirty="0">
-                <a:solidFill>
-                  <a:srgbClr val="333333"/>
-                </a:solidFill>
-                <a:effectLst/>
-                <a:latin typeface="Consolas" panose="020B0609020204030204" pitchFamily="49" charset="0"/>
-              </a:rPr>
-              <a:t>        </a:t>
-            </a:r>
-            <a:r>
-              <a:rPr lang="en-US" sz="1200" b="0" dirty="0">
-                <a:solidFill>
-                  <a:srgbClr val="000000"/>
-                </a:solidFill>
-                <a:effectLst/>
-                <a:latin typeface="Consolas" panose="020B0609020204030204" pitchFamily="49" charset="0"/>
-              </a:rPr>
-              <a:t>"</a:t>
-            </a:r>
-            <a:r>
-              <a:rPr lang="en-US" sz="1200" b="0" dirty="0" err="1">
-                <a:solidFill>
-                  <a:srgbClr val="8B0000"/>
-                </a:solidFill>
-                <a:effectLst/>
-                <a:latin typeface="Consolas" panose="020B0609020204030204" pitchFamily="49" charset="0"/>
-              </a:rPr>
-              <a:t>yuruna</a:t>
-            </a:r>
-            <a:r>
-              <a:rPr lang="en-US" sz="1200" b="0" dirty="0">
-                <a:solidFill>
-                  <a:srgbClr val="000000"/>
-                </a:solidFill>
-                <a:effectLst/>
-                <a:latin typeface="Consolas" panose="020B0609020204030204" pitchFamily="49" charset="0"/>
-              </a:rPr>
-              <a:t>"</a:t>
-            </a:r>
-            <a:endParaRPr lang="en-US" sz="1200" b="0" dirty="0">
-              <a:solidFill>
-                <a:srgbClr val="333333"/>
-              </a:solidFill>
-              <a:effectLst/>
-              <a:latin typeface="Consolas" panose="020B0609020204030204" pitchFamily="49" charset="0"/>
-            </a:endParaRPr>
-          </a:p>
-          <a:p>
-            <a:pPr marL="0" indent="0">
-              <a:lnSpc>
-                <a:spcPct val="100000"/>
-              </a:lnSpc>
-              <a:spcBef>
-                <a:spcPts val="200"/>
-              </a:spcBef>
-              <a:buNone/>
-            </a:pPr>
-            <a:r>
-              <a:rPr lang="en-US" sz="1200" b="0" dirty="0">
-                <a:solidFill>
-                  <a:srgbClr val="333333"/>
-                </a:solidFill>
-                <a:effectLst/>
-                <a:latin typeface="Consolas" panose="020B0609020204030204" pitchFamily="49" charset="0"/>
-              </a:rPr>
-              <a:t>  </a:t>
-            </a:r>
-            <a:r>
-              <a:rPr lang="en-US" sz="1200" b="0" dirty="0" err="1">
-                <a:solidFill>
-                  <a:srgbClr val="8B0000"/>
-                </a:solidFill>
-                <a:effectLst/>
-                <a:latin typeface="Consolas" panose="020B0609020204030204" pitchFamily="49" charset="0"/>
-              </a:rPr>
-              <a:t>containerPrefix</a:t>
-            </a:r>
-            <a:r>
-              <a:rPr lang="en-US" sz="1200" b="0" dirty="0">
-                <a:solidFill>
-                  <a:srgbClr val="000000"/>
-                </a:solidFill>
-                <a:effectLst/>
-                <a:latin typeface="Consolas" panose="020B0609020204030204" pitchFamily="49" charset="0"/>
-              </a:rPr>
-              <a:t>:</a:t>
-            </a:r>
-            <a:r>
-              <a:rPr lang="en-US" sz="1200" b="0" dirty="0">
-                <a:solidFill>
-                  <a:srgbClr val="333333"/>
-                </a:solidFill>
-                <a:effectLst/>
-                <a:latin typeface="Consolas" panose="020B0609020204030204" pitchFamily="49" charset="0"/>
-              </a:rPr>
-              <a:t>  </a:t>
-            </a:r>
-            <a:r>
-              <a:rPr lang="en-US" sz="1200" b="0" dirty="0">
-                <a:solidFill>
-                  <a:srgbClr val="000000"/>
-                </a:solidFill>
-                <a:effectLst/>
-                <a:latin typeface="Consolas" panose="020B0609020204030204" pitchFamily="49" charset="0"/>
-              </a:rPr>
-              <a:t>"</a:t>
-            </a:r>
-            <a:r>
-              <a:rPr lang="en-US" sz="1200" b="0" dirty="0" err="1">
-                <a:solidFill>
-                  <a:srgbClr val="8B0000"/>
-                </a:solidFill>
-                <a:effectLst/>
-                <a:latin typeface="Consolas" panose="020B0609020204030204" pitchFamily="49" charset="0"/>
-              </a:rPr>
-              <a:t>yuruna</a:t>
-            </a:r>
-            <a:r>
-              <a:rPr lang="en-US" sz="1200" b="0" dirty="0">
-                <a:solidFill>
-                  <a:srgbClr val="000000"/>
-                </a:solidFill>
-                <a:effectLst/>
-                <a:latin typeface="Consolas" panose="020B0609020204030204" pitchFamily="49" charset="0"/>
-              </a:rPr>
-              <a:t>"</a:t>
-            </a:r>
-            <a:endParaRPr lang="en-US" sz="1200" b="0" dirty="0">
-              <a:solidFill>
-                <a:srgbClr val="333333"/>
-              </a:solidFill>
-              <a:effectLst/>
-              <a:latin typeface="Consolas" panose="020B0609020204030204" pitchFamily="49" charset="0"/>
-            </a:endParaRPr>
-          </a:p>
-          <a:p>
-            <a:pPr marL="0" indent="0">
-              <a:lnSpc>
-                <a:spcPct val="100000"/>
-              </a:lnSpc>
-              <a:spcBef>
-                <a:spcPts val="200"/>
-              </a:spcBef>
-              <a:buNone/>
-            </a:pPr>
-            <a:r>
-              <a:rPr lang="en-US" sz="1200" b="0" dirty="0">
-                <a:solidFill>
-                  <a:srgbClr val="333333"/>
-                </a:solidFill>
-                <a:effectLst/>
-                <a:latin typeface="Consolas" panose="020B0609020204030204" pitchFamily="49" charset="0"/>
-              </a:rPr>
-              <a:t>  </a:t>
-            </a:r>
-            <a:r>
-              <a:rPr lang="en-US" sz="1200" b="0" dirty="0" err="1">
-                <a:solidFill>
-                  <a:srgbClr val="8B0000"/>
-                </a:solidFill>
-                <a:effectLst/>
-                <a:latin typeface="Consolas" panose="020B0609020204030204" pitchFamily="49" charset="0"/>
-              </a:rPr>
-              <a:t>registryLocation</a:t>
-            </a:r>
-            <a:r>
-              <a:rPr lang="en-US" sz="1200" b="0" dirty="0">
-                <a:solidFill>
-                  <a:srgbClr val="000000"/>
-                </a:solidFill>
-                <a:effectLst/>
-                <a:latin typeface="Consolas" panose="020B0609020204030204" pitchFamily="49" charset="0"/>
-              </a:rPr>
-              <a:t>:</a:t>
-            </a:r>
-            <a:r>
-              <a:rPr lang="en-US" sz="1200" b="0" dirty="0">
-                <a:solidFill>
-                  <a:srgbClr val="333333"/>
-                </a:solidFill>
-                <a:effectLst/>
-                <a:latin typeface="Consolas" panose="020B0609020204030204" pitchFamily="49" charset="0"/>
-              </a:rPr>
-              <a:t> </a:t>
-            </a:r>
-            <a:r>
-              <a:rPr lang="en-US" sz="1200" b="0" dirty="0">
-                <a:solidFill>
-                  <a:srgbClr val="000000"/>
-                </a:solidFill>
-                <a:effectLst/>
-                <a:latin typeface="Consolas" panose="020B0609020204030204" pitchFamily="49" charset="0"/>
-              </a:rPr>
-              <a:t>"</a:t>
-            </a:r>
-            <a:r>
-              <a:rPr lang="en-US" sz="1200" b="0" dirty="0">
-                <a:solidFill>
-                  <a:srgbClr val="8B0000"/>
-                </a:solidFill>
-                <a:effectLst/>
-                <a:latin typeface="Consolas" panose="020B0609020204030204" pitchFamily="49" charset="0"/>
-              </a:rPr>
-              <a:t>localhost:5000</a:t>
-            </a:r>
-            <a:r>
-              <a:rPr lang="en-US" sz="1200" b="0" dirty="0">
-                <a:solidFill>
-                  <a:srgbClr val="000000"/>
-                </a:solidFill>
-                <a:effectLst/>
-                <a:latin typeface="Consolas" panose="020B0609020204030204" pitchFamily="49" charset="0"/>
-              </a:rPr>
-              <a:t>"</a:t>
-            </a:r>
-            <a:endParaRPr lang="en-US" sz="1200" b="0" dirty="0">
-              <a:solidFill>
-                <a:srgbClr val="333333"/>
-              </a:solidFill>
-              <a:effectLst/>
-              <a:latin typeface="Consolas" panose="020B0609020204030204" pitchFamily="49" charset="0"/>
-            </a:endParaRPr>
-          </a:p>
-          <a:p>
-            <a:pPr marL="0" indent="0">
-              <a:lnSpc>
-                <a:spcPct val="100000"/>
-              </a:lnSpc>
-              <a:spcBef>
-                <a:spcPts val="200"/>
-              </a:spcBef>
-              <a:buNone/>
-            </a:pPr>
-            <a:r>
-              <a:rPr lang="en-US" sz="1200" b="0" dirty="0">
-                <a:solidFill>
-                  <a:srgbClr val="333333"/>
-                </a:solidFill>
-                <a:effectLst/>
-                <a:latin typeface="Consolas" panose="020B0609020204030204" pitchFamily="49" charset="0"/>
-              </a:rPr>
-              <a:t>  </a:t>
-            </a:r>
-            <a:r>
-              <a:rPr lang="en-US" sz="1200" b="0" dirty="0" err="1">
-                <a:solidFill>
-                  <a:srgbClr val="8B0000"/>
-                </a:solidFill>
-                <a:effectLst/>
-                <a:latin typeface="Consolas" panose="020B0609020204030204" pitchFamily="49" charset="0"/>
-              </a:rPr>
-              <a:t>registryName</a:t>
-            </a:r>
-            <a:r>
-              <a:rPr lang="en-US" sz="1200" b="0" dirty="0">
-                <a:solidFill>
-                  <a:srgbClr val="000000"/>
-                </a:solidFill>
-                <a:effectLst/>
-                <a:latin typeface="Consolas" panose="020B0609020204030204" pitchFamily="49" charset="0"/>
-              </a:rPr>
-              <a:t>:</a:t>
-            </a:r>
-            <a:r>
-              <a:rPr lang="en-US" sz="1200" b="0" dirty="0">
-                <a:solidFill>
-                  <a:srgbClr val="333333"/>
-                </a:solidFill>
-                <a:effectLst/>
-                <a:latin typeface="Consolas" panose="020B0609020204030204" pitchFamily="49" charset="0"/>
-              </a:rPr>
-              <a:t>     </a:t>
-            </a:r>
-            <a:r>
-              <a:rPr lang="en-US" sz="1200" b="0" dirty="0">
-                <a:solidFill>
-                  <a:srgbClr val="000000"/>
-                </a:solidFill>
-                <a:effectLst/>
-                <a:latin typeface="Consolas" panose="020B0609020204030204" pitchFamily="49" charset="0"/>
-              </a:rPr>
-              <a:t>"</a:t>
-            </a:r>
-            <a:r>
-              <a:rPr lang="en-US" sz="1200" b="0" dirty="0">
-                <a:solidFill>
-                  <a:srgbClr val="8B0000"/>
-                </a:solidFill>
-                <a:effectLst/>
-                <a:latin typeface="Consolas" panose="020B0609020204030204" pitchFamily="49" charset="0"/>
-              </a:rPr>
-              <a:t>localhost</a:t>
-            </a:r>
-            <a:r>
-              <a:rPr lang="en-US" sz="1200" b="0" dirty="0">
-                <a:solidFill>
-                  <a:srgbClr val="000000"/>
-                </a:solidFill>
-                <a:effectLst/>
-                <a:latin typeface="Consolas" panose="020B0609020204030204" pitchFamily="49" charset="0"/>
-              </a:rPr>
-              <a:t>"</a:t>
-            </a:r>
-            <a:endParaRPr lang="en-US" sz="1200" b="0" dirty="0">
-              <a:solidFill>
-                <a:srgbClr val="333333"/>
-              </a:solidFill>
-              <a:effectLst/>
-              <a:latin typeface="Consolas" panose="020B0609020204030204" pitchFamily="49" charset="0"/>
-            </a:endParaRPr>
-          </a:p>
-          <a:p>
-            <a:pPr marL="0" indent="0">
-              <a:lnSpc>
-                <a:spcPct val="100000"/>
-              </a:lnSpc>
-              <a:spcBef>
-                <a:spcPts val="200"/>
-              </a:spcBef>
-              <a:buNone/>
-            </a:pPr>
-            <a:r>
-              <a:rPr lang="en-US" sz="1200" b="0" dirty="0">
-                <a:solidFill>
-                  <a:srgbClr val="333333"/>
-                </a:solidFill>
-                <a:effectLst/>
-                <a:latin typeface="Consolas" panose="020B0609020204030204" pitchFamily="49" charset="0"/>
-              </a:rPr>
-              <a:t>  </a:t>
-            </a:r>
-            <a:r>
-              <a:rPr lang="en-US" sz="1200" b="0" dirty="0" err="1">
-                <a:solidFill>
-                  <a:srgbClr val="8B0000"/>
-                </a:solidFill>
-                <a:effectLst/>
-                <a:latin typeface="Consolas" panose="020B0609020204030204" pitchFamily="49" charset="0"/>
-              </a:rPr>
-              <a:t>ipName</a:t>
-            </a:r>
-            <a:r>
-              <a:rPr lang="en-US" sz="1200" b="0" dirty="0">
-                <a:solidFill>
-                  <a:srgbClr val="000000"/>
-                </a:solidFill>
-                <a:effectLst/>
-                <a:latin typeface="Consolas" panose="020B0609020204030204" pitchFamily="49" charset="0"/>
-              </a:rPr>
-              <a:t>:</a:t>
-            </a:r>
-            <a:r>
-              <a:rPr lang="en-US" sz="1200" b="0" dirty="0">
-                <a:solidFill>
-                  <a:srgbClr val="333333"/>
-                </a:solidFill>
-                <a:effectLst/>
-                <a:latin typeface="Consolas" panose="020B0609020204030204" pitchFamily="49" charset="0"/>
-              </a:rPr>
-              <a:t>           </a:t>
-            </a:r>
-            <a:r>
-              <a:rPr lang="en-US" sz="1200" b="0" dirty="0">
-                <a:solidFill>
-                  <a:srgbClr val="000000"/>
-                </a:solidFill>
-                <a:effectLst/>
-                <a:latin typeface="Consolas" panose="020B0609020204030204" pitchFamily="49" charset="0"/>
-              </a:rPr>
-              <a:t>"</a:t>
-            </a:r>
-            <a:r>
-              <a:rPr lang="en-US" sz="1200" b="0" dirty="0">
-                <a:solidFill>
-                  <a:srgbClr val="8B0000"/>
-                </a:solidFill>
-                <a:effectLst/>
-                <a:latin typeface="Consolas" panose="020B0609020204030204" pitchFamily="49" charset="0"/>
-              </a:rPr>
-              <a:t>localhost</a:t>
-            </a:r>
-            <a:r>
-              <a:rPr lang="en-US" sz="1200" b="0" dirty="0">
-                <a:solidFill>
-                  <a:srgbClr val="000000"/>
-                </a:solidFill>
-                <a:effectLst/>
-                <a:latin typeface="Consolas" panose="020B0609020204030204" pitchFamily="49" charset="0"/>
-              </a:rPr>
-              <a:t>"</a:t>
-            </a:r>
-            <a:endParaRPr lang="en-US" sz="1200" b="0" dirty="0">
-              <a:solidFill>
-                <a:srgbClr val="333333"/>
-              </a:solidFill>
-              <a:effectLst/>
-              <a:latin typeface="Consolas" panose="020B0609020204030204" pitchFamily="49" charset="0"/>
-            </a:endParaRPr>
-          </a:p>
-          <a:p>
-            <a:pPr marL="0" indent="0">
-              <a:lnSpc>
-                <a:spcPct val="100000"/>
-              </a:lnSpc>
-              <a:spcBef>
-                <a:spcPts val="200"/>
-              </a:spcBef>
-              <a:buNone/>
-            </a:pPr>
-            <a:r>
-              <a:rPr lang="en-US" sz="1200" b="0" dirty="0">
-                <a:solidFill>
-                  <a:srgbClr val="333333"/>
-                </a:solidFill>
-                <a:effectLst/>
-                <a:latin typeface="Consolas" panose="020B0609020204030204" pitchFamily="49" charset="0"/>
-              </a:rPr>
-              <a:t>  </a:t>
-            </a:r>
-            <a:r>
-              <a:rPr lang="en-US" sz="1200" b="0" dirty="0" err="1">
-                <a:solidFill>
-                  <a:srgbClr val="8B0000"/>
-                </a:solidFill>
-                <a:effectLst/>
-                <a:latin typeface="Consolas" panose="020B0609020204030204" pitchFamily="49" charset="0"/>
-              </a:rPr>
-              <a:t>ipAddres</a:t>
-            </a:r>
-            <a:r>
-              <a:rPr lang="en-US" sz="1200" b="0" dirty="0">
-                <a:solidFill>
-                  <a:srgbClr val="000000"/>
-                </a:solidFill>
-                <a:effectLst/>
-                <a:latin typeface="Consolas" panose="020B0609020204030204" pitchFamily="49" charset="0"/>
-              </a:rPr>
-              <a:t>:</a:t>
-            </a:r>
-            <a:r>
-              <a:rPr lang="en-US" sz="1200" b="0" dirty="0">
-                <a:solidFill>
-                  <a:srgbClr val="333333"/>
-                </a:solidFill>
-                <a:effectLst/>
-                <a:latin typeface="Consolas" panose="020B0609020204030204" pitchFamily="49" charset="0"/>
-              </a:rPr>
-              <a:t>         </a:t>
-            </a:r>
-            <a:r>
-              <a:rPr lang="en-US" sz="1200" b="0" dirty="0">
-                <a:solidFill>
-                  <a:srgbClr val="000000"/>
-                </a:solidFill>
-                <a:effectLst/>
-                <a:latin typeface="Consolas" panose="020B0609020204030204" pitchFamily="49" charset="0"/>
-              </a:rPr>
-              <a:t>"</a:t>
-            </a:r>
-            <a:r>
-              <a:rPr lang="en-US" sz="1200" b="0" dirty="0">
-                <a:solidFill>
-                  <a:srgbClr val="8B0000"/>
-                </a:solidFill>
-                <a:effectLst/>
-                <a:latin typeface="Consolas" panose="020B0609020204030204" pitchFamily="49" charset="0"/>
-              </a:rPr>
-              <a:t>127.0.0.1</a:t>
-            </a:r>
-            <a:r>
-              <a:rPr lang="en-US" sz="1200" b="0" dirty="0">
-                <a:solidFill>
-                  <a:srgbClr val="000000"/>
-                </a:solidFill>
-                <a:effectLst/>
-                <a:latin typeface="Consolas" panose="020B0609020204030204" pitchFamily="49" charset="0"/>
-              </a:rPr>
-              <a:t>"</a:t>
-            </a:r>
-            <a:endParaRPr lang="en-US" sz="1200" b="0" dirty="0">
-              <a:solidFill>
-                <a:srgbClr val="333333"/>
-              </a:solidFill>
-              <a:effectLst/>
-              <a:latin typeface="Consolas" panose="020B0609020204030204" pitchFamily="49" charset="0"/>
-            </a:endParaRPr>
-          </a:p>
-          <a:p>
-            <a:pPr marL="0" indent="0">
-              <a:lnSpc>
-                <a:spcPct val="100000"/>
-              </a:lnSpc>
-              <a:spcBef>
-                <a:spcPts val="200"/>
-              </a:spcBef>
-              <a:buNone/>
-            </a:pPr>
-            <a:r>
-              <a:rPr lang="en-US" sz="1200" b="0" dirty="0">
-                <a:solidFill>
-                  <a:srgbClr val="333333"/>
-                </a:solidFill>
-                <a:effectLst/>
-                <a:latin typeface="Consolas" panose="020B0609020204030204" pitchFamily="49" charset="0"/>
-              </a:rPr>
-              <a:t>  </a:t>
-            </a:r>
-            <a:r>
-              <a:rPr lang="en-US" sz="1200" b="0" dirty="0">
-                <a:solidFill>
-                  <a:srgbClr val="8B0000"/>
-                </a:solidFill>
-                <a:effectLst/>
-                <a:latin typeface="Consolas" panose="020B0609020204030204" pitchFamily="49" charset="0"/>
-              </a:rPr>
-              <a:t>site</a:t>
-            </a:r>
-            <a:r>
-              <a:rPr lang="en-US" sz="1200" b="0" dirty="0">
-                <a:solidFill>
-                  <a:srgbClr val="000000"/>
-                </a:solidFill>
-                <a:effectLst/>
-                <a:latin typeface="Consolas" panose="020B0609020204030204" pitchFamily="49" charset="0"/>
-              </a:rPr>
-              <a:t>:</a:t>
-            </a:r>
-            <a:r>
-              <a:rPr lang="en-US" sz="1200" b="0" dirty="0">
-                <a:solidFill>
-                  <a:srgbClr val="333333"/>
-                </a:solidFill>
-                <a:effectLst/>
-                <a:latin typeface="Consolas" panose="020B0609020204030204" pitchFamily="49" charset="0"/>
-              </a:rPr>
-              <a:t>             </a:t>
-            </a:r>
-            <a:r>
-              <a:rPr lang="en-US" sz="1200" b="0" dirty="0">
-                <a:solidFill>
-                  <a:srgbClr val="000000"/>
-                </a:solidFill>
-                <a:effectLst/>
-                <a:latin typeface="Consolas" panose="020B0609020204030204" pitchFamily="49" charset="0"/>
-              </a:rPr>
-              <a:t>"</a:t>
-            </a:r>
-            <a:r>
-              <a:rPr lang="en-US" sz="1200" b="0" dirty="0">
-                <a:solidFill>
-                  <a:srgbClr val="8B0000"/>
-                </a:solidFill>
-                <a:effectLst/>
-                <a:latin typeface="Consolas" panose="020B0609020204030204" pitchFamily="49" charset="0"/>
-              </a:rPr>
-              <a:t>localhost</a:t>
-            </a:r>
-            <a:r>
-              <a:rPr lang="en-US" sz="1200" b="0" dirty="0">
-                <a:solidFill>
-                  <a:srgbClr val="000000"/>
-                </a:solidFill>
-                <a:effectLst/>
-                <a:latin typeface="Consolas" panose="020B0609020204030204" pitchFamily="49" charset="0"/>
-              </a:rPr>
-              <a:t>"</a:t>
-            </a:r>
-            <a:endParaRPr lang="en-US" sz="1200" b="0" dirty="0">
-              <a:solidFill>
-                <a:srgbClr val="333333"/>
-              </a:solidFill>
-              <a:effectLst/>
-              <a:latin typeface="Consolas" panose="020B0609020204030204" pitchFamily="49" charset="0"/>
-            </a:endParaRPr>
-          </a:p>
-          <a:p>
-            <a:pPr marL="0" indent="0">
-              <a:lnSpc>
-                <a:spcPct val="100000"/>
-              </a:lnSpc>
-              <a:spcBef>
-                <a:spcPts val="200"/>
-              </a:spcBef>
-              <a:buNone/>
-            </a:pPr>
-            <a:r>
-              <a:rPr lang="en-US" sz="1200" b="0" dirty="0">
-                <a:solidFill>
-                  <a:srgbClr val="333333"/>
-                </a:solidFill>
-                <a:effectLst/>
-                <a:latin typeface="Consolas" panose="020B0609020204030204" pitchFamily="49" charset="0"/>
-              </a:rPr>
-              <a:t>  </a:t>
-            </a:r>
-            <a:r>
-              <a:rPr lang="en-US" sz="1200" b="0" dirty="0" err="1">
-                <a:solidFill>
-                  <a:srgbClr val="8B0000"/>
-                </a:solidFill>
-                <a:effectLst/>
-                <a:latin typeface="Consolas" panose="020B0609020204030204" pitchFamily="49" charset="0"/>
-              </a:rPr>
-              <a:t>certManagerIssuerEmail</a:t>
-            </a:r>
-            <a:r>
-              <a:rPr lang="en-US" sz="1200" b="0" dirty="0">
-                <a:solidFill>
-                  <a:srgbClr val="000000"/>
-                </a:solidFill>
-                <a:effectLst/>
-                <a:latin typeface="Consolas" panose="020B0609020204030204" pitchFamily="49" charset="0"/>
-              </a:rPr>
-              <a:t>:</a:t>
-            </a:r>
-            <a:r>
-              <a:rPr lang="en-US" sz="1200" b="0" dirty="0">
-                <a:solidFill>
-                  <a:srgbClr val="333333"/>
-                </a:solidFill>
-                <a:effectLst/>
-                <a:latin typeface="Consolas" panose="020B0609020204030204" pitchFamily="49" charset="0"/>
-              </a:rPr>
-              <a:t> </a:t>
-            </a:r>
-            <a:r>
-              <a:rPr lang="en-US" sz="1200" b="0" dirty="0">
-                <a:solidFill>
-                  <a:srgbClr val="000000"/>
-                </a:solidFill>
-                <a:effectLst/>
-                <a:latin typeface="Consolas" panose="020B0609020204030204" pitchFamily="49" charset="0"/>
-              </a:rPr>
-              <a:t>"</a:t>
-            </a:r>
-            <a:r>
-              <a:rPr lang="en-US" sz="1200" b="0" dirty="0">
-                <a:solidFill>
-                  <a:srgbClr val="8B0000"/>
-                </a:solidFill>
-                <a:effectLst/>
-                <a:latin typeface="Consolas" panose="020B0609020204030204" pitchFamily="49" charset="0"/>
-              </a:rPr>
-              <a:t>certificates@yuruna.com</a:t>
-            </a:r>
-            <a:r>
-              <a:rPr lang="en-US" sz="1200" b="0" dirty="0">
-                <a:solidFill>
-                  <a:srgbClr val="000000"/>
-                </a:solidFill>
-                <a:effectLst/>
-                <a:latin typeface="Consolas" panose="020B0609020204030204" pitchFamily="49" charset="0"/>
-              </a:rPr>
-              <a:t>"</a:t>
-            </a:r>
-            <a:endParaRPr lang="en-US" sz="1200" b="0" dirty="0">
-              <a:solidFill>
-                <a:srgbClr val="333333"/>
-              </a:solidFill>
-              <a:effectLst/>
-              <a:latin typeface="Consolas" panose="020B0609020204030204" pitchFamily="49" charset="0"/>
-            </a:endParaRPr>
-          </a:p>
-          <a:p>
-            <a:pPr marL="0" indent="0">
-              <a:lnSpc>
-                <a:spcPct val="100000"/>
-              </a:lnSpc>
-              <a:spcBef>
-                <a:spcPts val="200"/>
-              </a:spcBef>
-              <a:buNone/>
-            </a:pPr>
-            <a:r>
-              <a:rPr lang="en-US" sz="1200" b="0" dirty="0">
-                <a:solidFill>
-                  <a:srgbClr val="333333"/>
-                </a:solidFill>
-                <a:effectLst/>
-                <a:latin typeface="Consolas" panose="020B0609020204030204" pitchFamily="49" charset="0"/>
-              </a:rPr>
-              <a:t>  </a:t>
-            </a:r>
-            <a:r>
-              <a:rPr lang="en-US" sz="1200" b="0" dirty="0" err="1">
-                <a:solidFill>
-                  <a:srgbClr val="8B0000"/>
-                </a:solidFill>
-                <a:effectLst/>
-                <a:latin typeface="Consolas" panose="020B0609020204030204" pitchFamily="49" charset="0"/>
-              </a:rPr>
-              <a:t>dockerUsername</a:t>
-            </a:r>
-            <a:r>
-              <a:rPr lang="en-US" sz="1200" b="0" dirty="0">
-                <a:solidFill>
-                  <a:srgbClr val="000000"/>
-                </a:solidFill>
-                <a:effectLst/>
-                <a:latin typeface="Consolas" panose="020B0609020204030204" pitchFamily="49" charset="0"/>
-              </a:rPr>
-              <a:t>:</a:t>
-            </a:r>
-            <a:r>
-              <a:rPr lang="en-US" sz="1200" b="0" dirty="0">
-                <a:solidFill>
-                  <a:srgbClr val="333333"/>
-                </a:solidFill>
-                <a:effectLst/>
-                <a:latin typeface="Consolas" panose="020B0609020204030204" pitchFamily="49" charset="0"/>
-              </a:rPr>
-              <a:t>   </a:t>
-            </a:r>
-            <a:r>
-              <a:rPr lang="en-US" sz="1200" b="0" dirty="0">
-                <a:solidFill>
-                  <a:srgbClr val="000000"/>
-                </a:solidFill>
-                <a:effectLst/>
-                <a:latin typeface="Consolas" panose="020B0609020204030204" pitchFamily="49" charset="0"/>
-              </a:rPr>
-              <a:t>"</a:t>
-            </a:r>
-            <a:r>
-              <a:rPr lang="en-US" sz="1200" b="0" dirty="0">
-                <a:solidFill>
-                  <a:srgbClr val="8B0000"/>
-                </a:solidFill>
-                <a:effectLst/>
-                <a:latin typeface="Consolas" panose="020B0609020204030204" pitchFamily="49" charset="0"/>
-              </a:rPr>
-              <a:t>dummy</a:t>
-            </a:r>
-            <a:r>
-              <a:rPr lang="en-US" sz="1200" b="0" dirty="0">
-                <a:solidFill>
-                  <a:srgbClr val="000000"/>
-                </a:solidFill>
-                <a:effectLst/>
-                <a:latin typeface="Consolas" panose="020B0609020204030204" pitchFamily="49" charset="0"/>
-              </a:rPr>
-              <a:t>"</a:t>
-            </a:r>
-            <a:endParaRPr lang="en-US" sz="1200" b="0" dirty="0">
-              <a:solidFill>
-                <a:srgbClr val="333333"/>
-              </a:solidFill>
-              <a:effectLst/>
-              <a:latin typeface="Consolas" panose="020B0609020204030204" pitchFamily="49" charset="0"/>
-            </a:endParaRPr>
-          </a:p>
-          <a:p>
-            <a:pPr marL="0" indent="0">
-              <a:lnSpc>
-                <a:spcPct val="100000"/>
-              </a:lnSpc>
-              <a:spcBef>
-                <a:spcPts val="200"/>
-              </a:spcBef>
-              <a:buNone/>
-            </a:pPr>
-            <a:r>
-              <a:rPr lang="en-US" sz="1200" b="0" dirty="0">
-                <a:solidFill>
-                  <a:srgbClr val="333333"/>
-                </a:solidFill>
-                <a:effectLst/>
-                <a:latin typeface="Consolas" panose="020B0609020204030204" pitchFamily="49" charset="0"/>
-              </a:rPr>
-              <a:t>  </a:t>
-            </a:r>
-            <a:r>
-              <a:rPr lang="en-US" sz="1200" b="0" dirty="0" err="1">
-                <a:solidFill>
-                  <a:srgbClr val="8B0000"/>
-                </a:solidFill>
-                <a:effectLst/>
-                <a:latin typeface="Consolas" panose="020B0609020204030204" pitchFamily="49" charset="0"/>
-              </a:rPr>
-              <a:t>dockerPassword</a:t>
-            </a:r>
-            <a:r>
-              <a:rPr lang="en-US" sz="1200" b="0" dirty="0">
-                <a:solidFill>
-                  <a:srgbClr val="000000"/>
-                </a:solidFill>
-                <a:effectLst/>
-                <a:latin typeface="Consolas" panose="020B0609020204030204" pitchFamily="49" charset="0"/>
-              </a:rPr>
-              <a:t>:</a:t>
-            </a:r>
-            <a:r>
-              <a:rPr lang="en-US" sz="1200" b="0" dirty="0">
-                <a:solidFill>
-                  <a:srgbClr val="333333"/>
-                </a:solidFill>
-                <a:effectLst/>
-                <a:latin typeface="Consolas" panose="020B0609020204030204" pitchFamily="49" charset="0"/>
-              </a:rPr>
-              <a:t>   </a:t>
-            </a:r>
-            <a:r>
-              <a:rPr lang="en-US" sz="1200" b="0" dirty="0">
-                <a:solidFill>
-                  <a:srgbClr val="000000"/>
-                </a:solidFill>
-                <a:effectLst/>
-                <a:latin typeface="Consolas" panose="020B0609020204030204" pitchFamily="49" charset="0"/>
-              </a:rPr>
-              <a:t>"</a:t>
-            </a:r>
-            <a:r>
-              <a:rPr lang="en-US" sz="1200" b="0" dirty="0">
-                <a:solidFill>
-                  <a:srgbClr val="8B0000"/>
-                </a:solidFill>
-                <a:effectLst/>
-                <a:latin typeface="Consolas" panose="020B0609020204030204" pitchFamily="49" charset="0"/>
-              </a:rPr>
-              <a:t>dummy</a:t>
-            </a:r>
-            <a:r>
-              <a:rPr lang="en-US" sz="1200" b="0" dirty="0">
-                <a:solidFill>
-                  <a:srgbClr val="000000"/>
-                </a:solidFill>
-                <a:effectLst/>
-                <a:latin typeface="Consolas" panose="020B0609020204030204" pitchFamily="49" charset="0"/>
-              </a:rPr>
-              <a:t>"</a:t>
-            </a:r>
-            <a:endParaRPr lang="en-US" sz="1200" b="0" dirty="0">
-              <a:solidFill>
-                <a:srgbClr val="333333"/>
-              </a:solidFill>
-              <a:effectLst/>
-              <a:latin typeface="Consolas" panose="020B0609020204030204" pitchFamily="49" charset="0"/>
-            </a:endParaRPr>
-          </a:p>
         </p:txBody>
       </p:sp>
     </p:spTree>
     <p:extLst>
       <p:ext uri="{BB962C8B-B14F-4D97-AF65-F5344CB8AC3E}">
-        <p14:creationId xmlns:p14="http://schemas.microsoft.com/office/powerpoint/2010/main" val="93223580"/>
+        <p14:creationId xmlns:p14="http://schemas.microsoft.com/office/powerpoint/2010/main" val="4061545061"/>
       </p:ext>
     </p:extLst>
   </p:cSld>
@@ -8588,6 +9057,1194 @@
             </a:r>
             <a:r>
               <a:rPr lang="en-US" dirty="0"/>
+              <a:t> (part 1)</a:t>
+            </a:r>
+          </a:p>
+        </p:txBody>
+      </p:sp>
+      <p:sp>
+        <p:nvSpPr>
+          <p:cNvPr id="3" name="Content Placeholder 2">
+            <a:extLst>
+              <a:ext uri="{FF2B5EF4-FFF2-40B4-BE49-F238E27FC236}">
+                <a16:creationId xmlns:a16="http://schemas.microsoft.com/office/drawing/2014/main" id="{2461758E-2B27-4574-8BE5-D36CF022597C}"/>
+              </a:ext>
+            </a:extLst>
+          </p:cNvPr>
+          <p:cNvSpPr>
+            <a:spLocks noGrp="1"/>
+          </p:cNvSpPr>
+          <p:nvPr>
+            <p:ph idx="1"/>
+          </p:nvPr>
+        </p:nvSpPr>
+        <p:spPr/>
+        <p:txBody>
+          <a:bodyPr>
+            <a:noAutofit/>
+          </a:bodyPr>
+          <a:lstStyle/>
+          <a:p>
+            <a:pPr marL="0" indent="0">
+              <a:lnSpc>
+                <a:spcPct val="100000"/>
+              </a:lnSpc>
+              <a:spcBef>
+                <a:spcPts val="0"/>
+              </a:spcBef>
+              <a:buNone/>
+            </a:pPr>
+            <a:r>
+              <a:rPr lang="en-US" sz="1200" b="0" i="1" dirty="0">
+                <a:solidFill>
+                  <a:srgbClr val="006400"/>
+                </a:solidFill>
+                <a:effectLst/>
+                <a:latin typeface="Consolas" panose="020B0609020204030204" pitchFamily="49" charset="0"/>
+              </a:rPr>
+              <a:t># Workloads information - localhost</a:t>
+            </a:r>
+            <a:endParaRPr lang="en-US" sz="1200" b="0" dirty="0">
+              <a:solidFill>
+                <a:srgbClr val="333333"/>
+              </a:solidFill>
+              <a:effectLst/>
+              <a:latin typeface="Consolas" panose="020B0609020204030204" pitchFamily="49" charset="0"/>
+            </a:endParaRPr>
+          </a:p>
+          <a:p>
+            <a:pPr marL="0" indent="0">
+              <a:lnSpc>
+                <a:spcPct val="100000"/>
+              </a:lnSpc>
+              <a:spcBef>
+                <a:spcPts val="0"/>
+              </a:spcBef>
+              <a:buNone/>
+            </a:pPr>
+            <a:r>
+              <a:rPr lang="en-US" sz="1200" b="0" dirty="0">
+                <a:solidFill>
+                  <a:srgbClr val="333333"/>
+                </a:solidFill>
+                <a:effectLst/>
+                <a:latin typeface="Consolas" panose="020B0609020204030204" pitchFamily="49" charset="0"/>
+              </a:rPr>
+              <a:t>---</a:t>
+            </a:r>
+          </a:p>
+          <a:p>
+            <a:pPr marL="0" indent="0">
+              <a:lnSpc>
+                <a:spcPct val="100000"/>
+              </a:lnSpc>
+              <a:spcBef>
+                <a:spcPts val="0"/>
+              </a:spcBef>
+              <a:buNone/>
+            </a:pPr>
+            <a:r>
+              <a:rPr lang="en-US" sz="1200" b="0" dirty="0" err="1">
+                <a:solidFill>
+                  <a:srgbClr val="8B0000"/>
+                </a:solidFill>
+                <a:effectLst/>
+                <a:latin typeface="Consolas" panose="020B0609020204030204" pitchFamily="49" charset="0"/>
+              </a:rPr>
+              <a:t>globalVariables</a:t>
+            </a:r>
+            <a:r>
+              <a:rPr lang="en-US" sz="1200" b="0" dirty="0">
+                <a:solidFill>
+                  <a:srgbClr val="000000"/>
+                </a:solidFill>
+                <a:effectLst/>
+                <a:latin typeface="Consolas" panose="020B0609020204030204" pitchFamily="49" charset="0"/>
+              </a:rPr>
+              <a:t>:</a:t>
+            </a:r>
+            <a:endParaRPr lang="en-US" sz="1200" b="0" dirty="0">
+              <a:solidFill>
+                <a:srgbClr val="333333"/>
+              </a:solidFill>
+              <a:effectLst/>
+              <a:latin typeface="Consolas" panose="020B0609020204030204" pitchFamily="49" charset="0"/>
+            </a:endParaRPr>
+          </a:p>
+          <a:p>
+            <a:pPr marL="0" indent="0">
+              <a:lnSpc>
+                <a:spcPct val="100000"/>
+              </a:lnSpc>
+              <a:spcBef>
+                <a:spcPts val="0"/>
+              </a:spcBef>
+              <a:buNone/>
+            </a:pPr>
+            <a:r>
+              <a:rPr lang="en-US" sz="1200" b="0" dirty="0">
+                <a:solidFill>
+                  <a:srgbClr val="333333"/>
+                </a:solidFill>
+                <a:effectLst/>
+                <a:latin typeface="Consolas" panose="020B0609020204030204" pitchFamily="49" charset="0"/>
+              </a:rPr>
+              <a:t>  </a:t>
+            </a:r>
+            <a:r>
+              <a:rPr lang="en-US" sz="1200" b="0" dirty="0">
+                <a:solidFill>
+                  <a:srgbClr val="8B0000"/>
+                </a:solidFill>
+                <a:effectLst/>
+                <a:latin typeface="Consolas" panose="020B0609020204030204" pitchFamily="49" charset="0"/>
+              </a:rPr>
+              <a:t>namespace</a:t>
+            </a:r>
+            <a:r>
+              <a:rPr lang="en-US" sz="1200" b="0" dirty="0">
+                <a:solidFill>
+                  <a:srgbClr val="000000"/>
+                </a:solidFill>
+                <a:effectLst/>
+                <a:latin typeface="Consolas" panose="020B0609020204030204" pitchFamily="49" charset="0"/>
+              </a:rPr>
+              <a:t>:</a:t>
+            </a:r>
+            <a:r>
+              <a:rPr lang="en-US" sz="1200" b="0" dirty="0">
+                <a:solidFill>
+                  <a:srgbClr val="333333"/>
+                </a:solidFill>
+                <a:effectLst/>
+                <a:latin typeface="Consolas" panose="020B0609020204030204" pitchFamily="49" charset="0"/>
+              </a:rPr>
+              <a:t>         </a:t>
+            </a:r>
+            <a:r>
+              <a:rPr lang="en-US" sz="1200" b="0" dirty="0">
+                <a:solidFill>
+                  <a:srgbClr val="000000"/>
+                </a:solidFill>
+                <a:effectLst/>
+                <a:latin typeface="Consolas" panose="020B0609020204030204" pitchFamily="49" charset="0"/>
+              </a:rPr>
+              <a:t>"</a:t>
+            </a:r>
+            <a:r>
+              <a:rPr lang="en-US" sz="1200" b="0" dirty="0" err="1">
+                <a:solidFill>
+                  <a:srgbClr val="8B0000"/>
+                </a:solidFill>
+                <a:effectLst/>
+                <a:latin typeface="Consolas" panose="020B0609020204030204" pitchFamily="49" charset="0"/>
+              </a:rPr>
+              <a:t>yuruna</a:t>
+            </a:r>
+            <a:r>
+              <a:rPr lang="en-US" sz="1200" b="0" dirty="0">
+                <a:solidFill>
+                  <a:srgbClr val="000000"/>
+                </a:solidFill>
+                <a:effectLst/>
+                <a:latin typeface="Consolas" panose="020B0609020204030204" pitchFamily="49" charset="0"/>
+              </a:rPr>
+              <a:t>"</a:t>
+            </a:r>
+            <a:endParaRPr lang="en-US" sz="1200" b="0" dirty="0">
+              <a:solidFill>
+                <a:srgbClr val="333333"/>
+              </a:solidFill>
+              <a:effectLst/>
+              <a:latin typeface="Consolas" panose="020B0609020204030204" pitchFamily="49" charset="0"/>
+            </a:endParaRPr>
+          </a:p>
+          <a:p>
+            <a:pPr marL="0" indent="0">
+              <a:lnSpc>
+                <a:spcPct val="100000"/>
+              </a:lnSpc>
+              <a:spcBef>
+                <a:spcPts val="0"/>
+              </a:spcBef>
+              <a:buNone/>
+            </a:pPr>
+            <a:r>
+              <a:rPr lang="en-US" sz="1200" b="0" dirty="0">
+                <a:solidFill>
+                  <a:srgbClr val="333333"/>
+                </a:solidFill>
+                <a:effectLst/>
+                <a:latin typeface="Consolas" panose="020B0609020204030204" pitchFamily="49" charset="0"/>
+              </a:rPr>
+              <a:t>  </a:t>
+            </a:r>
+            <a:r>
+              <a:rPr lang="en-US" sz="1200" b="0" dirty="0" err="1">
+                <a:solidFill>
+                  <a:srgbClr val="8B0000"/>
+                </a:solidFill>
+                <a:effectLst/>
+                <a:latin typeface="Consolas" panose="020B0609020204030204" pitchFamily="49" charset="0"/>
+              </a:rPr>
+              <a:t>containerPrefix</a:t>
+            </a:r>
+            <a:r>
+              <a:rPr lang="en-US" sz="1200" b="0" dirty="0">
+                <a:solidFill>
+                  <a:srgbClr val="000000"/>
+                </a:solidFill>
+                <a:effectLst/>
+                <a:latin typeface="Consolas" panose="020B0609020204030204" pitchFamily="49" charset="0"/>
+              </a:rPr>
+              <a:t>:</a:t>
+            </a:r>
+            <a:r>
+              <a:rPr lang="en-US" sz="1200" b="0" dirty="0">
+                <a:solidFill>
+                  <a:srgbClr val="333333"/>
+                </a:solidFill>
+                <a:effectLst/>
+                <a:latin typeface="Consolas" panose="020B0609020204030204" pitchFamily="49" charset="0"/>
+              </a:rPr>
+              <a:t>   </a:t>
+            </a:r>
+            <a:r>
+              <a:rPr lang="en-US" sz="1200" b="0" dirty="0">
+                <a:solidFill>
+                  <a:srgbClr val="000000"/>
+                </a:solidFill>
+                <a:effectLst/>
+                <a:latin typeface="Consolas" panose="020B0609020204030204" pitchFamily="49" charset="0"/>
+              </a:rPr>
+              <a:t>"</a:t>
+            </a:r>
+            <a:r>
+              <a:rPr lang="en-US" sz="1200" b="0" dirty="0" err="1">
+                <a:solidFill>
+                  <a:srgbClr val="8B0000"/>
+                </a:solidFill>
+                <a:effectLst/>
+                <a:latin typeface="Consolas" panose="020B0609020204030204" pitchFamily="49" charset="0"/>
+              </a:rPr>
+              <a:t>yuruna</a:t>
+            </a:r>
+            <a:r>
+              <a:rPr lang="en-US" sz="1200" b="0" dirty="0">
+                <a:solidFill>
+                  <a:srgbClr val="000000"/>
+                </a:solidFill>
+                <a:effectLst/>
+                <a:latin typeface="Consolas" panose="020B0609020204030204" pitchFamily="49" charset="0"/>
+              </a:rPr>
+              <a:t>"</a:t>
+            </a:r>
+            <a:endParaRPr lang="en-US" sz="1200" b="0" dirty="0">
+              <a:solidFill>
+                <a:srgbClr val="333333"/>
+              </a:solidFill>
+              <a:effectLst/>
+              <a:latin typeface="Consolas" panose="020B0609020204030204" pitchFamily="49" charset="0"/>
+            </a:endParaRPr>
+          </a:p>
+          <a:p>
+            <a:pPr marL="0" indent="0">
+              <a:lnSpc>
+                <a:spcPct val="100000"/>
+              </a:lnSpc>
+              <a:spcBef>
+                <a:spcPts val="0"/>
+              </a:spcBef>
+              <a:buNone/>
+            </a:pPr>
+            <a:r>
+              <a:rPr lang="en-US" sz="1200" b="0" dirty="0">
+                <a:solidFill>
+                  <a:srgbClr val="333333"/>
+                </a:solidFill>
+                <a:effectLst/>
+                <a:latin typeface="Consolas" panose="020B0609020204030204" pitchFamily="49" charset="0"/>
+              </a:rPr>
+              <a:t>  </a:t>
+            </a:r>
+            <a:r>
+              <a:rPr lang="en-US" sz="1200" b="0" dirty="0" err="1">
+                <a:solidFill>
+                  <a:srgbClr val="8B0000"/>
+                </a:solidFill>
+                <a:effectLst/>
+                <a:latin typeface="Consolas" panose="020B0609020204030204" pitchFamily="49" charset="0"/>
+              </a:rPr>
+              <a:t>registryLocation</a:t>
+            </a:r>
+            <a:r>
+              <a:rPr lang="en-US" sz="1200" b="0" dirty="0">
+                <a:solidFill>
+                  <a:srgbClr val="000000"/>
+                </a:solidFill>
+                <a:effectLst/>
+                <a:latin typeface="Consolas" panose="020B0609020204030204" pitchFamily="49" charset="0"/>
+              </a:rPr>
+              <a:t>:</a:t>
+            </a:r>
+            <a:r>
+              <a:rPr lang="en-US" sz="1200" b="0" dirty="0">
+                <a:solidFill>
+                  <a:srgbClr val="333333"/>
+                </a:solidFill>
+                <a:effectLst/>
+                <a:latin typeface="Consolas" panose="020B0609020204030204" pitchFamily="49" charset="0"/>
+              </a:rPr>
+              <a:t>  </a:t>
+            </a:r>
+            <a:r>
+              <a:rPr lang="en-US" sz="1200" b="0" dirty="0">
+                <a:solidFill>
+                  <a:srgbClr val="000000"/>
+                </a:solidFill>
+                <a:effectLst/>
+                <a:latin typeface="Consolas" panose="020B0609020204030204" pitchFamily="49" charset="0"/>
+              </a:rPr>
+              <a:t>"</a:t>
+            </a:r>
+            <a:r>
+              <a:rPr lang="en-US" sz="1200" b="0" dirty="0">
+                <a:solidFill>
+                  <a:srgbClr val="8B0000"/>
+                </a:solidFill>
+                <a:effectLst/>
+                <a:latin typeface="Consolas" panose="020B0609020204030204" pitchFamily="49" charset="0"/>
+              </a:rPr>
+              <a:t>localhost:5000</a:t>
+            </a:r>
+            <a:r>
+              <a:rPr lang="en-US" sz="1200" b="0" dirty="0">
+                <a:solidFill>
+                  <a:srgbClr val="000000"/>
+                </a:solidFill>
+                <a:effectLst/>
+                <a:latin typeface="Consolas" panose="020B0609020204030204" pitchFamily="49" charset="0"/>
+              </a:rPr>
+              <a:t>"</a:t>
+            </a:r>
+            <a:endParaRPr lang="en-US" sz="1200" b="0" dirty="0">
+              <a:solidFill>
+                <a:srgbClr val="333333"/>
+              </a:solidFill>
+              <a:effectLst/>
+              <a:latin typeface="Consolas" panose="020B0609020204030204" pitchFamily="49" charset="0"/>
+            </a:endParaRPr>
+          </a:p>
+          <a:p>
+            <a:pPr marL="0" indent="0">
+              <a:lnSpc>
+                <a:spcPct val="100000"/>
+              </a:lnSpc>
+              <a:spcBef>
+                <a:spcPts val="0"/>
+              </a:spcBef>
+              <a:buNone/>
+            </a:pPr>
+            <a:r>
+              <a:rPr lang="en-US" sz="1200" b="0" dirty="0">
+                <a:solidFill>
+                  <a:srgbClr val="333333"/>
+                </a:solidFill>
+                <a:effectLst/>
+                <a:latin typeface="Consolas" panose="020B0609020204030204" pitchFamily="49" charset="0"/>
+              </a:rPr>
+              <a:t>  </a:t>
+            </a:r>
+            <a:r>
+              <a:rPr lang="en-US" sz="1200" b="0" dirty="0" err="1">
+                <a:solidFill>
+                  <a:srgbClr val="8B0000"/>
+                </a:solidFill>
+                <a:effectLst/>
+                <a:latin typeface="Consolas" panose="020B0609020204030204" pitchFamily="49" charset="0"/>
+              </a:rPr>
+              <a:t>registryName</a:t>
+            </a:r>
+            <a:r>
+              <a:rPr lang="en-US" sz="1200" b="0" dirty="0">
+                <a:solidFill>
+                  <a:srgbClr val="000000"/>
+                </a:solidFill>
+                <a:effectLst/>
+                <a:latin typeface="Consolas" panose="020B0609020204030204" pitchFamily="49" charset="0"/>
+              </a:rPr>
+              <a:t>:</a:t>
+            </a:r>
+            <a:r>
+              <a:rPr lang="en-US" sz="1200" b="0" dirty="0">
+                <a:solidFill>
+                  <a:srgbClr val="333333"/>
+                </a:solidFill>
+                <a:effectLst/>
+                <a:latin typeface="Consolas" panose="020B0609020204030204" pitchFamily="49" charset="0"/>
+              </a:rPr>
+              <a:t>      </a:t>
+            </a:r>
+            <a:r>
+              <a:rPr lang="en-US" sz="1200" b="0" dirty="0">
+                <a:solidFill>
+                  <a:srgbClr val="000000"/>
+                </a:solidFill>
+                <a:effectLst/>
+                <a:latin typeface="Consolas" panose="020B0609020204030204" pitchFamily="49" charset="0"/>
+              </a:rPr>
+              <a:t>"</a:t>
+            </a:r>
+            <a:r>
+              <a:rPr lang="en-US" sz="1200" b="0" dirty="0">
+                <a:solidFill>
+                  <a:srgbClr val="8B0000"/>
+                </a:solidFill>
+                <a:effectLst/>
+                <a:latin typeface="Consolas" panose="020B0609020204030204" pitchFamily="49" charset="0"/>
+              </a:rPr>
+              <a:t>localhost</a:t>
+            </a:r>
+            <a:r>
+              <a:rPr lang="en-US" sz="1200" b="0" dirty="0">
+                <a:solidFill>
+                  <a:srgbClr val="000000"/>
+                </a:solidFill>
+                <a:effectLst/>
+                <a:latin typeface="Consolas" panose="020B0609020204030204" pitchFamily="49" charset="0"/>
+              </a:rPr>
+              <a:t>"</a:t>
+            </a:r>
+            <a:endParaRPr lang="en-US" sz="1200" b="0" dirty="0">
+              <a:solidFill>
+                <a:srgbClr val="333333"/>
+              </a:solidFill>
+              <a:effectLst/>
+              <a:latin typeface="Consolas" panose="020B0609020204030204" pitchFamily="49" charset="0"/>
+            </a:endParaRPr>
+          </a:p>
+          <a:p>
+            <a:pPr marL="0" indent="0">
+              <a:lnSpc>
+                <a:spcPct val="100000"/>
+              </a:lnSpc>
+              <a:spcBef>
+                <a:spcPts val="0"/>
+              </a:spcBef>
+              <a:buNone/>
+            </a:pPr>
+            <a:r>
+              <a:rPr lang="en-US" sz="1200" b="0" dirty="0">
+                <a:solidFill>
+                  <a:srgbClr val="333333"/>
+                </a:solidFill>
+                <a:effectLst/>
+                <a:latin typeface="Consolas" panose="020B0609020204030204" pitchFamily="49" charset="0"/>
+              </a:rPr>
+              <a:t>  </a:t>
+            </a:r>
+            <a:r>
+              <a:rPr lang="en-US" sz="1200" b="0" dirty="0" err="1">
+                <a:solidFill>
+                  <a:srgbClr val="8B0000"/>
+                </a:solidFill>
+                <a:effectLst/>
+                <a:latin typeface="Consolas" panose="020B0609020204030204" pitchFamily="49" charset="0"/>
+              </a:rPr>
+              <a:t>frontendIpName</a:t>
+            </a:r>
+            <a:r>
+              <a:rPr lang="en-US" sz="1200" b="0" dirty="0">
+                <a:solidFill>
+                  <a:srgbClr val="000000"/>
+                </a:solidFill>
+                <a:effectLst/>
+                <a:latin typeface="Consolas" panose="020B0609020204030204" pitchFamily="49" charset="0"/>
+              </a:rPr>
+              <a:t>:</a:t>
+            </a:r>
+            <a:r>
+              <a:rPr lang="en-US" sz="1200" b="0" dirty="0">
+                <a:solidFill>
+                  <a:srgbClr val="333333"/>
+                </a:solidFill>
+                <a:effectLst/>
+                <a:latin typeface="Consolas" panose="020B0609020204030204" pitchFamily="49" charset="0"/>
+              </a:rPr>
+              <a:t>    </a:t>
+            </a:r>
+            <a:r>
+              <a:rPr lang="en-US" sz="1200" b="0" dirty="0">
+                <a:solidFill>
+                  <a:srgbClr val="000000"/>
+                </a:solidFill>
+                <a:effectLst/>
+                <a:latin typeface="Consolas" panose="020B0609020204030204" pitchFamily="49" charset="0"/>
+              </a:rPr>
+              <a:t>"</a:t>
+            </a:r>
+            <a:r>
+              <a:rPr lang="en-US" sz="1200" b="0" dirty="0">
+                <a:solidFill>
+                  <a:srgbClr val="8B0000"/>
+                </a:solidFill>
+                <a:effectLst/>
+                <a:latin typeface="Consolas" panose="020B0609020204030204" pitchFamily="49" charset="0"/>
+              </a:rPr>
+              <a:t>localhost</a:t>
+            </a:r>
+            <a:r>
+              <a:rPr lang="en-US" sz="1200" b="0" dirty="0">
+                <a:solidFill>
+                  <a:srgbClr val="000000"/>
+                </a:solidFill>
+                <a:effectLst/>
+                <a:latin typeface="Consolas" panose="020B0609020204030204" pitchFamily="49" charset="0"/>
+              </a:rPr>
+              <a:t>"</a:t>
+            </a:r>
+            <a:endParaRPr lang="en-US" sz="1200" b="0" dirty="0">
+              <a:solidFill>
+                <a:srgbClr val="333333"/>
+              </a:solidFill>
+              <a:effectLst/>
+              <a:latin typeface="Consolas" panose="020B0609020204030204" pitchFamily="49" charset="0"/>
+            </a:endParaRPr>
+          </a:p>
+          <a:p>
+            <a:pPr marL="0" indent="0">
+              <a:lnSpc>
+                <a:spcPct val="100000"/>
+              </a:lnSpc>
+              <a:spcBef>
+                <a:spcPts val="0"/>
+              </a:spcBef>
+              <a:buNone/>
+            </a:pPr>
+            <a:r>
+              <a:rPr lang="en-US" sz="1200" b="0" dirty="0">
+                <a:solidFill>
+                  <a:srgbClr val="333333"/>
+                </a:solidFill>
+                <a:effectLst/>
+                <a:latin typeface="Consolas" panose="020B0609020204030204" pitchFamily="49" charset="0"/>
+              </a:rPr>
+              <a:t>  </a:t>
+            </a:r>
+            <a:r>
+              <a:rPr lang="en-US" sz="1200" b="0" dirty="0" err="1">
+                <a:solidFill>
+                  <a:srgbClr val="8B0000"/>
+                </a:solidFill>
+                <a:effectLst/>
+                <a:latin typeface="Consolas" panose="020B0609020204030204" pitchFamily="49" charset="0"/>
+              </a:rPr>
+              <a:t>frontendIpAddress</a:t>
+            </a:r>
+            <a:r>
+              <a:rPr lang="en-US" sz="1200" b="0" dirty="0">
+                <a:solidFill>
+                  <a:srgbClr val="000000"/>
+                </a:solidFill>
+                <a:effectLst/>
+                <a:latin typeface="Consolas" panose="020B0609020204030204" pitchFamily="49" charset="0"/>
+              </a:rPr>
+              <a:t>:</a:t>
+            </a:r>
+            <a:r>
+              <a:rPr lang="en-US" sz="1200" b="0" dirty="0">
+                <a:solidFill>
+                  <a:srgbClr val="333333"/>
+                </a:solidFill>
+                <a:effectLst/>
+                <a:latin typeface="Consolas" panose="020B0609020204030204" pitchFamily="49" charset="0"/>
+              </a:rPr>
+              <a:t> </a:t>
+            </a:r>
+            <a:r>
+              <a:rPr lang="en-US" sz="1200" b="0" dirty="0">
+                <a:solidFill>
+                  <a:srgbClr val="000000"/>
+                </a:solidFill>
+                <a:effectLst/>
+                <a:latin typeface="Consolas" panose="020B0609020204030204" pitchFamily="49" charset="0"/>
+              </a:rPr>
+              <a:t>"</a:t>
+            </a:r>
+            <a:r>
+              <a:rPr lang="en-US" sz="1200" b="0" dirty="0">
+                <a:solidFill>
+                  <a:srgbClr val="8B0000"/>
+                </a:solidFill>
+                <a:effectLst/>
+                <a:latin typeface="Consolas" panose="020B0609020204030204" pitchFamily="49" charset="0"/>
+              </a:rPr>
+              <a:t>127.0.0.1</a:t>
+            </a:r>
+            <a:r>
+              <a:rPr lang="en-US" sz="1200" b="0" dirty="0">
+                <a:solidFill>
+                  <a:srgbClr val="000000"/>
+                </a:solidFill>
+                <a:effectLst/>
+                <a:latin typeface="Consolas" panose="020B0609020204030204" pitchFamily="49" charset="0"/>
+              </a:rPr>
+              <a:t>"</a:t>
+            </a:r>
+            <a:endParaRPr lang="en-US" sz="1200" b="0" dirty="0">
+              <a:solidFill>
+                <a:srgbClr val="333333"/>
+              </a:solidFill>
+              <a:effectLst/>
+              <a:latin typeface="Consolas" panose="020B0609020204030204" pitchFamily="49" charset="0"/>
+            </a:endParaRPr>
+          </a:p>
+          <a:p>
+            <a:pPr marL="0" indent="0">
+              <a:lnSpc>
+                <a:spcPct val="100000"/>
+              </a:lnSpc>
+              <a:spcBef>
+                <a:spcPts val="0"/>
+              </a:spcBef>
+              <a:buNone/>
+            </a:pPr>
+            <a:r>
+              <a:rPr lang="en-US" sz="1200" b="0" dirty="0">
+                <a:solidFill>
+                  <a:srgbClr val="333333"/>
+                </a:solidFill>
+                <a:effectLst/>
+                <a:latin typeface="Consolas" panose="020B0609020204030204" pitchFamily="49" charset="0"/>
+              </a:rPr>
+              <a:t>  </a:t>
+            </a:r>
+            <a:r>
+              <a:rPr lang="en-US" sz="1200" b="0" dirty="0">
+                <a:solidFill>
+                  <a:srgbClr val="8B0000"/>
+                </a:solidFill>
+                <a:effectLst/>
+                <a:latin typeface="Consolas" panose="020B0609020204030204" pitchFamily="49" charset="0"/>
+              </a:rPr>
+              <a:t>site</a:t>
+            </a:r>
+            <a:r>
+              <a:rPr lang="en-US" sz="1200" b="0" dirty="0">
+                <a:solidFill>
+                  <a:srgbClr val="000000"/>
+                </a:solidFill>
+                <a:effectLst/>
+                <a:latin typeface="Consolas" panose="020B0609020204030204" pitchFamily="49" charset="0"/>
+              </a:rPr>
+              <a:t>:</a:t>
+            </a:r>
+            <a:r>
+              <a:rPr lang="en-US" sz="1200" b="0" dirty="0">
+                <a:solidFill>
+                  <a:srgbClr val="333333"/>
+                </a:solidFill>
+                <a:effectLst/>
+                <a:latin typeface="Consolas" panose="020B0609020204030204" pitchFamily="49" charset="0"/>
+              </a:rPr>
+              <a:t>              </a:t>
+            </a:r>
+            <a:r>
+              <a:rPr lang="en-US" sz="1200" b="0" dirty="0">
+                <a:solidFill>
+                  <a:srgbClr val="000000"/>
+                </a:solidFill>
+                <a:effectLst/>
+                <a:latin typeface="Consolas" panose="020B0609020204030204" pitchFamily="49" charset="0"/>
+              </a:rPr>
+              <a:t>"</a:t>
+            </a:r>
+            <a:r>
+              <a:rPr lang="en-US" sz="1200" b="0" dirty="0">
+                <a:solidFill>
+                  <a:srgbClr val="8B0000"/>
+                </a:solidFill>
+                <a:effectLst/>
+                <a:latin typeface="Consolas" panose="020B0609020204030204" pitchFamily="49" charset="0"/>
+              </a:rPr>
+              <a:t>localhost</a:t>
+            </a:r>
+            <a:r>
+              <a:rPr lang="en-US" sz="1200" b="0" dirty="0">
+                <a:solidFill>
+                  <a:srgbClr val="000000"/>
+                </a:solidFill>
+                <a:effectLst/>
+                <a:latin typeface="Consolas" panose="020B0609020204030204" pitchFamily="49" charset="0"/>
+              </a:rPr>
+              <a:t>"</a:t>
+            </a:r>
+            <a:endParaRPr lang="en-US" sz="1200" b="0" dirty="0">
+              <a:solidFill>
+                <a:srgbClr val="333333"/>
+              </a:solidFill>
+              <a:effectLst/>
+              <a:latin typeface="Consolas" panose="020B0609020204030204" pitchFamily="49" charset="0"/>
+            </a:endParaRPr>
+          </a:p>
+          <a:p>
+            <a:pPr marL="0" indent="0">
+              <a:lnSpc>
+                <a:spcPct val="100000"/>
+              </a:lnSpc>
+              <a:spcBef>
+                <a:spcPts val="0"/>
+              </a:spcBef>
+              <a:buNone/>
+            </a:pPr>
+            <a:r>
+              <a:rPr lang="en-US" sz="1200" b="0" dirty="0">
+                <a:solidFill>
+                  <a:srgbClr val="333333"/>
+                </a:solidFill>
+                <a:effectLst/>
+                <a:latin typeface="Consolas" panose="020B0609020204030204" pitchFamily="49" charset="0"/>
+              </a:rPr>
+              <a:t>  </a:t>
+            </a:r>
+            <a:r>
+              <a:rPr lang="en-US" sz="1200" b="0" dirty="0" err="1">
+                <a:solidFill>
+                  <a:srgbClr val="8B0000"/>
+                </a:solidFill>
+                <a:effectLst/>
+                <a:latin typeface="Consolas" panose="020B0609020204030204" pitchFamily="49" charset="0"/>
+              </a:rPr>
+              <a:t>dockerUsername</a:t>
+            </a:r>
+            <a:r>
+              <a:rPr lang="en-US" sz="1200" b="0" dirty="0">
+                <a:solidFill>
+                  <a:srgbClr val="000000"/>
+                </a:solidFill>
+                <a:effectLst/>
+                <a:latin typeface="Consolas" panose="020B0609020204030204" pitchFamily="49" charset="0"/>
+              </a:rPr>
+              <a:t>:</a:t>
+            </a:r>
+            <a:r>
+              <a:rPr lang="en-US" sz="1200" b="0" dirty="0">
+                <a:solidFill>
+                  <a:srgbClr val="333333"/>
+                </a:solidFill>
+                <a:effectLst/>
+                <a:latin typeface="Consolas" panose="020B0609020204030204" pitchFamily="49" charset="0"/>
+              </a:rPr>
+              <a:t>    </a:t>
+            </a:r>
+            <a:r>
+              <a:rPr lang="en-US" sz="1200" b="0" dirty="0">
+                <a:solidFill>
+                  <a:srgbClr val="000000"/>
+                </a:solidFill>
+                <a:effectLst/>
+                <a:latin typeface="Consolas" panose="020B0609020204030204" pitchFamily="49" charset="0"/>
+              </a:rPr>
+              <a:t>"</a:t>
+            </a:r>
+            <a:r>
+              <a:rPr lang="en-US" sz="1200" b="0" dirty="0">
+                <a:solidFill>
+                  <a:srgbClr val="8B0000"/>
+                </a:solidFill>
+                <a:effectLst/>
+                <a:latin typeface="Consolas" panose="020B0609020204030204" pitchFamily="49" charset="0"/>
+              </a:rPr>
+              <a:t>dummy</a:t>
+            </a:r>
+            <a:r>
+              <a:rPr lang="en-US" sz="1200" b="0" dirty="0">
+                <a:solidFill>
+                  <a:srgbClr val="000000"/>
+                </a:solidFill>
+                <a:effectLst/>
+                <a:latin typeface="Consolas" panose="020B0609020204030204" pitchFamily="49" charset="0"/>
+              </a:rPr>
+              <a:t>"</a:t>
+            </a:r>
+            <a:endParaRPr lang="en-US" sz="1200" b="0" dirty="0">
+              <a:solidFill>
+                <a:srgbClr val="333333"/>
+              </a:solidFill>
+              <a:effectLst/>
+              <a:latin typeface="Consolas" panose="020B0609020204030204" pitchFamily="49" charset="0"/>
+            </a:endParaRPr>
+          </a:p>
+          <a:p>
+            <a:pPr marL="0" indent="0">
+              <a:lnSpc>
+                <a:spcPct val="100000"/>
+              </a:lnSpc>
+              <a:spcBef>
+                <a:spcPts val="0"/>
+              </a:spcBef>
+              <a:buNone/>
+            </a:pPr>
+            <a:r>
+              <a:rPr lang="en-US" sz="1200" b="0" dirty="0">
+                <a:solidFill>
+                  <a:srgbClr val="333333"/>
+                </a:solidFill>
+                <a:effectLst/>
+                <a:latin typeface="Consolas" panose="020B0609020204030204" pitchFamily="49" charset="0"/>
+              </a:rPr>
+              <a:t>  </a:t>
+            </a:r>
+            <a:r>
+              <a:rPr lang="en-US" sz="1200" b="0" dirty="0" err="1">
+                <a:solidFill>
+                  <a:srgbClr val="8B0000"/>
+                </a:solidFill>
+                <a:effectLst/>
+                <a:latin typeface="Consolas" panose="020B0609020204030204" pitchFamily="49" charset="0"/>
+              </a:rPr>
+              <a:t>dockerPassword</a:t>
+            </a:r>
+            <a:r>
+              <a:rPr lang="en-US" sz="1200" b="0" dirty="0">
+                <a:solidFill>
+                  <a:srgbClr val="000000"/>
+                </a:solidFill>
+                <a:effectLst/>
+                <a:latin typeface="Consolas" panose="020B0609020204030204" pitchFamily="49" charset="0"/>
+              </a:rPr>
+              <a:t>:</a:t>
+            </a:r>
+            <a:r>
+              <a:rPr lang="en-US" sz="1200" b="0" dirty="0">
+                <a:solidFill>
+                  <a:srgbClr val="333333"/>
+                </a:solidFill>
+                <a:effectLst/>
+                <a:latin typeface="Consolas" panose="020B0609020204030204" pitchFamily="49" charset="0"/>
+              </a:rPr>
+              <a:t>    </a:t>
+            </a:r>
+            <a:r>
+              <a:rPr lang="en-US" sz="1200" b="0" dirty="0">
+                <a:solidFill>
+                  <a:srgbClr val="000000"/>
+                </a:solidFill>
+                <a:effectLst/>
+                <a:latin typeface="Consolas" panose="020B0609020204030204" pitchFamily="49" charset="0"/>
+              </a:rPr>
+              <a:t>"</a:t>
+            </a:r>
+            <a:r>
+              <a:rPr lang="en-US" sz="1200" b="0" dirty="0">
+                <a:solidFill>
+                  <a:srgbClr val="8B0000"/>
+                </a:solidFill>
+                <a:effectLst/>
+                <a:latin typeface="Consolas" panose="020B0609020204030204" pitchFamily="49" charset="0"/>
+              </a:rPr>
+              <a:t>dummy</a:t>
+            </a:r>
+            <a:r>
+              <a:rPr lang="en-US" sz="1200" b="0" dirty="0">
+                <a:solidFill>
+                  <a:srgbClr val="000000"/>
+                </a:solidFill>
+                <a:effectLst/>
+                <a:latin typeface="Consolas" panose="020B0609020204030204" pitchFamily="49" charset="0"/>
+              </a:rPr>
+              <a:t>"</a:t>
+            </a:r>
+            <a:endParaRPr lang="en-US" sz="1200" b="0" dirty="0">
+              <a:solidFill>
+                <a:srgbClr val="333333"/>
+              </a:solidFill>
+              <a:effectLst/>
+              <a:latin typeface="Consolas" panose="020B0609020204030204" pitchFamily="49" charset="0"/>
+            </a:endParaRPr>
+          </a:p>
+          <a:p>
+            <a:pPr marL="0" indent="0">
+              <a:lnSpc>
+                <a:spcPct val="100000"/>
+              </a:lnSpc>
+              <a:spcBef>
+                <a:spcPts val="0"/>
+              </a:spcBef>
+              <a:buNone/>
+            </a:pPr>
+            <a:r>
+              <a:rPr lang="en-US" sz="1200" b="0" dirty="0">
+                <a:solidFill>
+                  <a:srgbClr val="333333"/>
+                </a:solidFill>
+                <a:effectLst/>
+                <a:latin typeface="Consolas" panose="020B0609020204030204" pitchFamily="49" charset="0"/>
+              </a:rPr>
+              <a:t>  </a:t>
+            </a:r>
+            <a:r>
+              <a:rPr lang="en-US" sz="1200" b="0" dirty="0" err="1">
+                <a:solidFill>
+                  <a:srgbClr val="8B0000"/>
+                </a:solidFill>
+                <a:effectLst/>
+                <a:latin typeface="Consolas" panose="020B0609020204030204" pitchFamily="49" charset="0"/>
+              </a:rPr>
+              <a:t>certManagerIssuerEmail</a:t>
+            </a:r>
+            <a:r>
+              <a:rPr lang="en-US" sz="1200" b="0" dirty="0">
+                <a:solidFill>
+                  <a:srgbClr val="000000"/>
+                </a:solidFill>
+                <a:effectLst/>
+                <a:latin typeface="Consolas" panose="020B0609020204030204" pitchFamily="49" charset="0"/>
+              </a:rPr>
+              <a:t>:</a:t>
+            </a:r>
+            <a:r>
+              <a:rPr lang="en-US" sz="1200" b="0" dirty="0">
+                <a:solidFill>
+                  <a:srgbClr val="333333"/>
+                </a:solidFill>
+                <a:effectLst/>
+                <a:latin typeface="Consolas" panose="020B0609020204030204" pitchFamily="49" charset="0"/>
+              </a:rPr>
+              <a:t> </a:t>
+            </a:r>
+            <a:r>
+              <a:rPr lang="en-US" sz="1200" b="0" dirty="0">
+                <a:solidFill>
+                  <a:srgbClr val="000000"/>
+                </a:solidFill>
+                <a:effectLst/>
+                <a:latin typeface="Consolas" panose="020B0609020204030204" pitchFamily="49" charset="0"/>
+              </a:rPr>
+              <a:t>"</a:t>
+            </a:r>
+            <a:r>
+              <a:rPr lang="en-US" sz="1200" b="0" dirty="0">
+                <a:solidFill>
+                  <a:srgbClr val="8B0000"/>
+                </a:solidFill>
+                <a:effectLst/>
+                <a:latin typeface="Consolas" panose="020B0609020204030204" pitchFamily="49" charset="0"/>
+              </a:rPr>
+              <a:t>certificates@yuruna.com</a:t>
+            </a:r>
+            <a:r>
+              <a:rPr lang="en-US" sz="1200" b="0" dirty="0">
+                <a:solidFill>
+                  <a:srgbClr val="000000"/>
+                </a:solidFill>
+                <a:effectLst/>
+                <a:latin typeface="Consolas" panose="020B0609020204030204" pitchFamily="49" charset="0"/>
+              </a:rPr>
+              <a:t>"</a:t>
+            </a:r>
+            <a:endParaRPr lang="en-US" sz="1200" b="0" dirty="0">
+              <a:solidFill>
+                <a:srgbClr val="333333"/>
+              </a:solidFill>
+              <a:effectLst/>
+              <a:latin typeface="Consolas" panose="020B0609020204030204" pitchFamily="49" charset="0"/>
+            </a:endParaRPr>
+          </a:p>
+          <a:p>
+            <a:pPr marL="0" indent="0">
+              <a:lnSpc>
+                <a:spcPct val="100000"/>
+              </a:lnSpc>
+              <a:spcBef>
+                <a:spcPts val="0"/>
+              </a:spcBef>
+              <a:buNone/>
+            </a:pPr>
+            <a:r>
+              <a:rPr lang="en-US" sz="1200" b="0" dirty="0">
+                <a:solidFill>
+                  <a:srgbClr val="333333"/>
+                </a:solidFill>
+                <a:effectLst/>
+                <a:latin typeface="Consolas" panose="020B0609020204030204" pitchFamily="49" charset="0"/>
+              </a:rPr>
+              <a:t>  </a:t>
+            </a:r>
+            <a:r>
+              <a:rPr lang="en-US" sz="1200" b="0" dirty="0" err="1">
+                <a:solidFill>
+                  <a:srgbClr val="8B0000"/>
+                </a:solidFill>
+                <a:effectLst/>
+                <a:latin typeface="Consolas" panose="020B0609020204030204" pitchFamily="49" charset="0"/>
+              </a:rPr>
+              <a:t>websiteTlsSecret</a:t>
+            </a:r>
+            <a:r>
+              <a:rPr lang="en-US" sz="1200" b="0" dirty="0">
+                <a:solidFill>
+                  <a:srgbClr val="000000"/>
+                </a:solidFill>
+                <a:effectLst/>
+                <a:latin typeface="Consolas" panose="020B0609020204030204" pitchFamily="49" charset="0"/>
+              </a:rPr>
+              <a:t>:</a:t>
+            </a:r>
+            <a:r>
+              <a:rPr lang="en-US" sz="1200" b="0" dirty="0">
+                <a:solidFill>
+                  <a:srgbClr val="333333"/>
+                </a:solidFill>
+                <a:effectLst/>
+                <a:latin typeface="Consolas" panose="020B0609020204030204" pitchFamily="49" charset="0"/>
+              </a:rPr>
+              <a:t>  </a:t>
+            </a:r>
+            <a:r>
+              <a:rPr lang="en-US" sz="1200" b="0" dirty="0">
+                <a:solidFill>
+                  <a:srgbClr val="000000"/>
+                </a:solidFill>
+                <a:effectLst/>
+                <a:latin typeface="Consolas" panose="020B0609020204030204" pitchFamily="49" charset="0"/>
+              </a:rPr>
+              <a:t>"</a:t>
+            </a:r>
+            <a:r>
+              <a:rPr lang="en-US" sz="1200" b="0" dirty="0">
+                <a:solidFill>
+                  <a:srgbClr val="8B0000"/>
+                </a:solidFill>
+                <a:effectLst/>
+                <a:latin typeface="Consolas" panose="020B0609020204030204" pitchFamily="49" charset="0"/>
+              </a:rPr>
+              <a:t>website-</a:t>
+            </a:r>
+            <a:r>
+              <a:rPr lang="en-US" sz="1200" b="0" dirty="0" err="1">
+                <a:solidFill>
+                  <a:srgbClr val="8B0000"/>
+                </a:solidFill>
+                <a:effectLst/>
+                <a:latin typeface="Consolas" panose="020B0609020204030204" pitchFamily="49" charset="0"/>
+              </a:rPr>
+              <a:t>tls</a:t>
+            </a:r>
+            <a:r>
+              <a:rPr lang="en-US" sz="1200" b="0" dirty="0">
+                <a:solidFill>
+                  <a:srgbClr val="8B0000"/>
+                </a:solidFill>
+                <a:effectLst/>
+                <a:latin typeface="Consolas" panose="020B0609020204030204" pitchFamily="49" charset="0"/>
+              </a:rPr>
+              <a:t>-secret</a:t>
+            </a:r>
+            <a:r>
+              <a:rPr lang="en-US" sz="1200" b="0" dirty="0">
+                <a:solidFill>
+                  <a:srgbClr val="000000"/>
+                </a:solidFill>
+                <a:effectLst/>
+                <a:latin typeface="Consolas" panose="020B0609020204030204" pitchFamily="49" charset="0"/>
+              </a:rPr>
+              <a:t>"</a:t>
+            </a:r>
+            <a:endParaRPr lang="en-US" sz="1200" b="0" dirty="0">
+              <a:solidFill>
+                <a:srgbClr val="333333"/>
+              </a:solidFill>
+              <a:effectLst/>
+              <a:latin typeface="Consolas" panose="020B0609020204030204" pitchFamily="49" charset="0"/>
+            </a:endParaRPr>
+          </a:p>
+          <a:p>
+            <a:pPr marL="0" indent="0">
+              <a:lnSpc>
+                <a:spcPct val="100000"/>
+              </a:lnSpc>
+              <a:spcBef>
+                <a:spcPts val="0"/>
+              </a:spcBef>
+              <a:buNone/>
+            </a:pPr>
+            <a:br>
+              <a:rPr lang="en-US" sz="1200" b="0" dirty="0">
+                <a:solidFill>
+                  <a:srgbClr val="333333"/>
+                </a:solidFill>
+                <a:effectLst/>
+                <a:latin typeface="Consolas" panose="020B0609020204030204" pitchFamily="49" charset="0"/>
+              </a:rPr>
+            </a:br>
+            <a:endParaRPr lang="en-US" sz="1200" b="0" dirty="0">
+              <a:solidFill>
+                <a:srgbClr val="333333"/>
+              </a:solidFill>
+              <a:effectLst/>
+              <a:latin typeface="Consolas" panose="020B0609020204030204" pitchFamily="49" charset="0"/>
+            </a:endParaRPr>
+          </a:p>
+        </p:txBody>
+      </p:sp>
+    </p:spTree>
+    <p:extLst>
+      <p:ext uri="{BB962C8B-B14F-4D97-AF65-F5344CB8AC3E}">
+        <p14:creationId xmlns:p14="http://schemas.microsoft.com/office/powerpoint/2010/main" val="93223580"/>
+      </p:ext>
+    </p:extLst>
+  </p:cSld>
+  <p:clrMapOvr>
+    <a:masterClrMapping/>
+  </p:clrMapOvr>
+</p:sld>
+</file>
+
+<file path=ppt/slides/slide17.xml><?xml version="1.0" encoding="utf-8"?>
+<p:sld xmlns:a="http://schemas.openxmlformats.org/drawingml/2006/main" xmlns:r="http://schemas.openxmlformats.org/officeDocument/2006/relationships" xmlns:p="http://schemas.openxmlformats.org/presentationml/2006/main">
+  <p:cSld>
+    <p:spTree>
+      <p:nvGrpSpPr>
+        <p:cNvPr id="1" name=""/>
+        <p:cNvGrpSpPr/>
+        <p:nvPr/>
+      </p:nvGrpSpPr>
+      <p:grpSpPr>
+        <a:xfrm>
+          <a:off x="0" y="0"/>
+          <a:ext cx="0" cy="0"/>
+          <a:chOff x="0" y="0"/>
+          <a:chExt cx="0" cy="0"/>
+        </a:xfrm>
+      </p:grpSpPr>
+      <p:sp>
+        <p:nvSpPr>
+          <p:cNvPr id="2" name="Title 1">
+            <a:extLst>
+              <a:ext uri="{FF2B5EF4-FFF2-40B4-BE49-F238E27FC236}">
+                <a16:creationId xmlns:a16="http://schemas.microsoft.com/office/drawing/2014/main" id="{5DEE7C8A-2602-4ED0-AC64-5837AE41ACCE}"/>
+              </a:ext>
+            </a:extLst>
+          </p:cNvPr>
+          <p:cNvSpPr>
+            <a:spLocks noGrp="1"/>
+          </p:cNvSpPr>
+          <p:nvPr>
+            <p:ph type="title"/>
+          </p:nvPr>
+        </p:nvSpPr>
+        <p:spPr/>
+        <p:txBody>
+          <a:bodyPr/>
+          <a:lstStyle/>
+          <a:p>
+            <a:r>
+              <a:rPr lang="en-US" dirty="0" err="1"/>
+              <a:t>Workloads.yml</a:t>
+            </a:r>
+            <a:r>
+              <a:rPr lang="en-US" dirty="0"/>
               <a:t> (part 2)</a:t>
             </a:r>
           </a:p>
@@ -8626,12 +10283,12 @@
                 <a:spcPct val="100000"/>
               </a:lnSpc>
               <a:spcBef>
-                <a:spcPts val="200"/>
+                <a:spcPts val="0"/>
               </a:spcBef>
               <a:buNone/>
             </a:pPr>
             <a:r>
-              <a:rPr lang="en-US" sz="1200" b="0" dirty="0">
+              <a:rPr lang="en-US" sz="1100" b="0" dirty="0">
                 <a:solidFill>
                   <a:srgbClr val="8B0000"/>
                 </a:solidFill>
@@ -8641,7 +10298,7 @@
               <a:t>workloads</a:t>
             </a:r>
             <a:r>
-              <a:rPr lang="en-US" sz="1200" b="0" dirty="0">
+              <a:rPr lang="en-US" sz="1100" b="0" dirty="0">
                 <a:solidFill>
                   <a:srgbClr val="000000"/>
                 </a:solidFill>
@@ -8650,7 +10307,7 @@
               </a:rPr>
               <a:t>:</a:t>
             </a:r>
-            <a:endParaRPr lang="en-US" sz="1200" b="0" dirty="0">
+            <a:endParaRPr lang="en-US" sz="1100" b="0" dirty="0">
               <a:solidFill>
                 <a:srgbClr val="333333"/>
               </a:solidFill>
@@ -8664,12 +10321,12 @@
                 <a:spcPct val="100000"/>
               </a:lnSpc>
               <a:spcBef>
-                <a:spcPts val="200"/>
+                <a:spcPts val="0"/>
               </a:spcBef>
               <a:buNone/>
             </a:pPr>
             <a:r>
-              <a:rPr lang="en-US" sz="1200" b="0" dirty="0">
+              <a:rPr lang="en-US" sz="1100" b="0" dirty="0">
                 <a:solidFill>
                   <a:srgbClr val="000000"/>
                 </a:solidFill>
@@ -8679,7 +10336,7 @@
               <a:t>-</a:t>
             </a:r>
             <a:r>
-              <a:rPr lang="en-US" sz="1200" b="0" dirty="0">
+              <a:rPr lang="en-US" sz="1100" b="0" dirty="0">
                 <a:solidFill>
                   <a:srgbClr val="333333"/>
                 </a:solidFill>
@@ -8689,7 +10346,7 @@
               <a:t> </a:t>
             </a:r>
             <a:r>
-              <a:rPr lang="en-US" sz="1200" b="0" dirty="0">
+              <a:rPr lang="en-US" sz="1100" b="0" dirty="0">
                 <a:solidFill>
                   <a:srgbClr val="8B0000"/>
                 </a:solidFill>
@@ -8699,7 +10356,7 @@
               <a:t>context</a:t>
             </a:r>
             <a:r>
-              <a:rPr lang="en-US" sz="1200" b="0" dirty="0">
+              <a:rPr lang="en-US" sz="1100" b="0" dirty="0">
                 <a:solidFill>
                   <a:srgbClr val="000000"/>
                 </a:solidFill>
@@ -8709,7 +10366,7 @@
               <a:t>:</a:t>
             </a:r>
             <a:r>
-              <a:rPr lang="en-US" sz="1200" b="0" dirty="0">
+              <a:rPr lang="en-US" sz="1100" b="0" dirty="0">
                 <a:solidFill>
                   <a:srgbClr val="333333"/>
                 </a:solidFill>
@@ -8719,7 +10376,7 @@
               <a:t> </a:t>
             </a:r>
             <a:r>
-              <a:rPr lang="en-US" sz="1200" b="0" dirty="0">
+              <a:rPr lang="en-US" sz="1100" b="0" dirty="0">
                 <a:solidFill>
                   <a:srgbClr val="000000"/>
                 </a:solidFill>
@@ -8729,7 +10386,7 @@
               <a:t>"</a:t>
             </a:r>
             <a:r>
-              <a:rPr lang="en-US" sz="1200" b="0" dirty="0">
+              <a:rPr lang="en-US" sz="1100" b="0" dirty="0">
                 <a:solidFill>
                   <a:srgbClr val="8B0000"/>
                 </a:solidFill>
@@ -8739,7 +10396,7 @@
               <a:t>docker-desktop</a:t>
             </a:r>
             <a:r>
-              <a:rPr lang="en-US" sz="1200" b="0" dirty="0">
+              <a:rPr lang="en-US" sz="1100" b="0" dirty="0">
                 <a:solidFill>
                   <a:srgbClr val="000000"/>
                 </a:solidFill>
@@ -8748,7 +10405,7 @@
               </a:rPr>
               <a:t>"</a:t>
             </a:r>
-            <a:endParaRPr lang="en-US" sz="1200" b="0" dirty="0">
+            <a:endParaRPr lang="en-US" sz="1100" b="0" dirty="0">
               <a:solidFill>
                 <a:srgbClr val="333333"/>
               </a:solidFill>
@@ -8762,12 +10419,12 @@
                 <a:spcPct val="100000"/>
               </a:lnSpc>
               <a:spcBef>
-                <a:spcPts val="200"/>
+                <a:spcPts val="0"/>
               </a:spcBef>
               <a:buNone/>
             </a:pPr>
             <a:r>
-              <a:rPr lang="en-US" sz="1200" b="0" dirty="0">
+              <a:rPr lang="en-US" sz="1100" b="0" dirty="0">
                 <a:solidFill>
                   <a:srgbClr val="333333"/>
                 </a:solidFill>
@@ -8777,7 +10434,7 @@
               <a:t>  </a:t>
             </a:r>
             <a:r>
-              <a:rPr lang="en-US" sz="1200" b="0" dirty="0">
+              <a:rPr lang="en-US" sz="1100" b="0" dirty="0">
                 <a:solidFill>
                   <a:srgbClr val="8B0000"/>
                 </a:solidFill>
@@ -8787,7 +10444,7 @@
               <a:t>deployments</a:t>
             </a:r>
             <a:r>
-              <a:rPr lang="en-US" sz="1200" b="0" dirty="0">
+              <a:rPr lang="en-US" sz="1100" b="0" dirty="0">
                 <a:solidFill>
                   <a:srgbClr val="000000"/>
                 </a:solidFill>
@@ -8796,7 +10453,7 @@
               </a:rPr>
               <a:t>:</a:t>
             </a:r>
-            <a:endParaRPr lang="en-US" sz="1200" b="0" dirty="0">
+            <a:endParaRPr lang="en-US" sz="1100" b="0" dirty="0">
               <a:solidFill>
                 <a:srgbClr val="333333"/>
               </a:solidFill>
@@ -8810,12 +10467,12 @@
                 <a:spcPct val="100000"/>
               </a:lnSpc>
               <a:spcBef>
-                <a:spcPts val="200"/>
+                <a:spcPts val="0"/>
               </a:spcBef>
               <a:buNone/>
             </a:pPr>
             <a:r>
-              <a:rPr lang="en-US" sz="1200" b="0" dirty="0">
+              <a:rPr lang="en-US" sz="1100" b="0" dirty="0">
                 <a:solidFill>
                   <a:srgbClr val="333333"/>
                 </a:solidFill>
@@ -8825,7 +10482,7 @@
               <a:t>  </a:t>
             </a:r>
             <a:r>
-              <a:rPr lang="en-US" sz="1200" b="0" dirty="0">
+              <a:rPr lang="en-US" sz="1100" b="0" dirty="0">
                 <a:solidFill>
                   <a:srgbClr val="000000"/>
                 </a:solidFill>
@@ -8835,7 +10492,7 @@
               <a:t>-</a:t>
             </a:r>
             <a:r>
-              <a:rPr lang="en-US" sz="1200" b="0" dirty="0">
+              <a:rPr lang="en-US" sz="1100" b="0" dirty="0">
                 <a:solidFill>
                   <a:srgbClr val="333333"/>
                 </a:solidFill>
@@ -8845,7 +10502,7 @@
               <a:t> </a:t>
             </a:r>
             <a:r>
-              <a:rPr lang="en-US" sz="1200" b="0" dirty="0" err="1">
+              <a:rPr lang="en-US" sz="1100" b="0" dirty="0" err="1">
                 <a:solidFill>
                   <a:srgbClr val="8B0000"/>
                 </a:solidFill>
@@ -8855,7 +10512,7 @@
               <a:t>kubectl</a:t>
             </a:r>
             <a:r>
-              <a:rPr lang="en-US" sz="1200" b="0" dirty="0">
+              <a:rPr lang="en-US" sz="1100" b="0" dirty="0">
                 <a:solidFill>
                   <a:srgbClr val="000000"/>
                 </a:solidFill>
@@ -8865,7 +10522,7 @@
               <a:t>:</a:t>
             </a:r>
             <a:r>
-              <a:rPr lang="en-US" sz="1200" b="0" dirty="0">
+              <a:rPr lang="en-US" sz="1100" b="0" dirty="0">
                 <a:solidFill>
                   <a:srgbClr val="333333"/>
                 </a:solidFill>
@@ -8875,7 +10532,7 @@
               <a:t> </a:t>
             </a:r>
             <a:r>
-              <a:rPr lang="en-US" sz="1200" b="0" dirty="0">
+              <a:rPr lang="en-US" sz="1100" b="0" dirty="0">
                 <a:solidFill>
                   <a:srgbClr val="000000"/>
                 </a:solidFill>
@@ -8885,7 +10542,7 @@
               <a:t>"</a:t>
             </a:r>
             <a:r>
-              <a:rPr lang="en-US" sz="1200" b="0" dirty="0">
+              <a:rPr lang="en-US" sz="1100" b="0" dirty="0">
                 <a:solidFill>
                   <a:srgbClr val="8B0000"/>
                 </a:solidFill>
@@ -8895,7 +10552,7 @@
               <a:t>create namespace ${</a:t>
             </a:r>
             <a:r>
-              <a:rPr lang="en-US" sz="1200" b="0" dirty="0" err="1">
+              <a:rPr lang="en-US" sz="1100" b="0" dirty="0" err="1">
                 <a:solidFill>
                   <a:srgbClr val="8B0000"/>
                 </a:solidFill>
@@ -8905,7 +10562,7 @@
               <a:t>env:namespace</a:t>
             </a:r>
             <a:r>
-              <a:rPr lang="en-US" sz="1200" b="0" dirty="0">
+              <a:rPr lang="en-US" sz="1100" b="0" dirty="0">
                 <a:solidFill>
                   <a:srgbClr val="8B0000"/>
                 </a:solidFill>
@@ -8915,7 +10572,7 @@
               <a:t>}</a:t>
             </a:r>
             <a:r>
-              <a:rPr lang="en-US" sz="1200" b="0" dirty="0">
+              <a:rPr lang="en-US" sz="1100" b="0" dirty="0">
                 <a:solidFill>
                   <a:srgbClr val="000000"/>
                 </a:solidFill>
@@ -8924,7 +10581,7 @@
               </a:rPr>
               <a:t>"</a:t>
             </a:r>
-            <a:endParaRPr lang="en-US" sz="1200" b="0" dirty="0">
+            <a:endParaRPr lang="en-US" sz="1100" b="0" dirty="0">
               <a:solidFill>
                 <a:srgbClr val="333333"/>
               </a:solidFill>
@@ -8938,12 +10595,12 @@
                 <a:spcPct val="100000"/>
               </a:lnSpc>
               <a:spcBef>
-                <a:spcPts val="200"/>
+                <a:spcPts val="0"/>
               </a:spcBef>
               <a:buNone/>
             </a:pPr>
             <a:r>
-              <a:rPr lang="en-US" sz="1200" b="0" dirty="0">
+              <a:rPr lang="en-US" sz="1100" b="0" dirty="0">
                 <a:solidFill>
                   <a:srgbClr val="333333"/>
                 </a:solidFill>
@@ -8953,7 +10610,7 @@
               <a:t>  </a:t>
             </a:r>
             <a:r>
-              <a:rPr lang="en-US" sz="1200" b="0" dirty="0">
+              <a:rPr lang="en-US" sz="1100" b="0" dirty="0">
                 <a:solidFill>
                   <a:srgbClr val="000000"/>
                 </a:solidFill>
@@ -8963,7 +10620,7 @@
               <a:t>-</a:t>
             </a:r>
             <a:r>
-              <a:rPr lang="en-US" sz="1200" b="0" dirty="0">
+              <a:rPr lang="en-US" sz="1100" b="0" dirty="0">
                 <a:solidFill>
                   <a:srgbClr val="333333"/>
                 </a:solidFill>
@@ -8973,7 +10630,7 @@
               <a:t> </a:t>
             </a:r>
             <a:r>
-              <a:rPr lang="en-US" sz="1200" b="0" dirty="0" err="1">
+              <a:rPr lang="en-US" sz="1100" b="0" dirty="0" err="1">
                 <a:solidFill>
                   <a:srgbClr val="8B0000"/>
                 </a:solidFill>
@@ -8983,7 +10640,7 @@
               <a:t>kubectl</a:t>
             </a:r>
             <a:r>
-              <a:rPr lang="en-US" sz="1200" b="0" dirty="0">
+              <a:rPr lang="en-US" sz="1100" b="0" dirty="0">
                 <a:solidFill>
                   <a:srgbClr val="000000"/>
                 </a:solidFill>
@@ -8993,7 +10650,7 @@
               <a:t>:</a:t>
             </a:r>
             <a:r>
-              <a:rPr lang="en-US" sz="1200" b="0" dirty="0">
+              <a:rPr lang="en-US" sz="1100" b="0" dirty="0">
                 <a:solidFill>
                   <a:srgbClr val="333333"/>
                 </a:solidFill>
@@ -9003,7 +10660,7 @@
               <a:t> </a:t>
             </a:r>
             <a:r>
-              <a:rPr lang="en-US" sz="1200" b="0" dirty="0">
+              <a:rPr lang="en-US" sz="1100" b="0" dirty="0">
                 <a:solidFill>
                   <a:srgbClr val="000000"/>
                 </a:solidFill>
@@ -9013,7 +10670,7 @@
               <a:t>"</a:t>
             </a:r>
             <a:r>
-              <a:rPr lang="en-US" sz="1200" b="0" dirty="0">
+              <a:rPr lang="en-US" sz="1100" b="0" dirty="0">
                 <a:solidFill>
                   <a:srgbClr val="8B0000"/>
                 </a:solidFill>
@@ -9023,7 +10680,7 @@
               <a:t>config set-context --current --namespace=${</a:t>
             </a:r>
             <a:r>
-              <a:rPr lang="en-US" sz="1200" b="0" dirty="0" err="1">
+              <a:rPr lang="en-US" sz="1100" b="0" dirty="0" err="1">
                 <a:solidFill>
                   <a:srgbClr val="8B0000"/>
                 </a:solidFill>
@@ -9033,7 +10690,7 @@
               <a:t>env:namespace</a:t>
             </a:r>
             <a:r>
-              <a:rPr lang="en-US" sz="1200" b="0" dirty="0">
+              <a:rPr lang="en-US" sz="1100" b="0" dirty="0">
                 <a:solidFill>
                   <a:srgbClr val="8B0000"/>
                 </a:solidFill>
@@ -9043,7 +10700,7 @@
               <a:t>}</a:t>
             </a:r>
             <a:r>
-              <a:rPr lang="en-US" sz="1200" b="0" dirty="0">
+              <a:rPr lang="en-US" sz="1100" b="0" dirty="0">
                 <a:solidFill>
                   <a:srgbClr val="000000"/>
                 </a:solidFill>
@@ -9052,7 +10709,7 @@
               </a:rPr>
               <a:t>"</a:t>
             </a:r>
-            <a:endParaRPr lang="en-US" sz="1200" b="0" dirty="0">
+            <a:endParaRPr lang="en-US" sz="1100" b="0" dirty="0">
               <a:solidFill>
                 <a:srgbClr val="333333"/>
               </a:solidFill>
@@ -9066,12 +10723,12 @@
                 <a:spcPct val="100000"/>
               </a:lnSpc>
               <a:spcBef>
-                <a:spcPts val="200"/>
+                <a:spcPts val="0"/>
               </a:spcBef>
               <a:buNone/>
             </a:pPr>
             <a:r>
-              <a:rPr lang="en-US" sz="1200" b="0" dirty="0">
+              <a:rPr lang="en-US" sz="1100" b="0" dirty="0">
                 <a:solidFill>
                   <a:srgbClr val="333333"/>
                 </a:solidFill>
@@ -9081,7 +10738,7 @@
               <a:t>  </a:t>
             </a:r>
             <a:r>
-              <a:rPr lang="en-US" sz="1200" b="0" dirty="0">
+              <a:rPr lang="en-US" sz="1100" b="0" dirty="0">
                 <a:solidFill>
                   <a:srgbClr val="000000"/>
                 </a:solidFill>
@@ -9091,7 +10748,7 @@
               <a:t>-</a:t>
             </a:r>
             <a:r>
-              <a:rPr lang="en-US" sz="1200" b="0" dirty="0">
+              <a:rPr lang="en-US" sz="1100" b="0" dirty="0">
                 <a:solidFill>
                   <a:srgbClr val="333333"/>
                 </a:solidFill>
@@ -9101,7 +10758,7 @@
               <a:t> </a:t>
             </a:r>
             <a:r>
-              <a:rPr lang="en-US" sz="1200" b="0" dirty="0" err="1">
+              <a:rPr lang="en-US" sz="1100" b="0" dirty="0" err="1">
                 <a:solidFill>
                   <a:srgbClr val="8B0000"/>
                 </a:solidFill>
@@ -9111,7 +10768,7 @@
               <a:t>kubectl</a:t>
             </a:r>
             <a:r>
-              <a:rPr lang="en-US" sz="1200" b="0" dirty="0">
+              <a:rPr lang="en-US" sz="1100" b="0" dirty="0">
                 <a:solidFill>
                   <a:srgbClr val="000000"/>
                 </a:solidFill>
@@ -9121,7 +10778,7 @@
               <a:t>:</a:t>
             </a:r>
             <a:r>
-              <a:rPr lang="en-US" sz="1200" b="0" dirty="0">
+              <a:rPr lang="en-US" sz="1100" b="0" dirty="0">
                 <a:solidFill>
                   <a:srgbClr val="333333"/>
                 </a:solidFill>
@@ -9131,7 +10788,7 @@
               <a:t> </a:t>
             </a:r>
             <a:r>
-              <a:rPr lang="en-US" sz="1200" b="0" dirty="0">
+              <a:rPr lang="en-US" sz="1100" b="0" dirty="0">
                 <a:solidFill>
                   <a:srgbClr val="000000"/>
                 </a:solidFill>
@@ -9141,7 +10798,7 @@
               <a:t>"</a:t>
             </a:r>
             <a:r>
-              <a:rPr lang="en-US" sz="1200" b="0" dirty="0">
+              <a:rPr lang="en-US" sz="1100" b="0" dirty="0">
                 <a:solidFill>
                   <a:srgbClr val="8B0000"/>
                 </a:solidFill>
@@ -9151,7 +10808,7 @@
               <a:t>delete secret registry-credential</a:t>
             </a:r>
             <a:r>
-              <a:rPr lang="en-US" sz="1200" b="0" dirty="0">
+              <a:rPr lang="en-US" sz="1100" b="0" dirty="0">
                 <a:solidFill>
                   <a:srgbClr val="000000"/>
                 </a:solidFill>
@@ -9160,7 +10817,7 @@
               </a:rPr>
               <a:t>"</a:t>
             </a:r>
-            <a:endParaRPr lang="en-US" sz="1200" b="0" dirty="0">
+            <a:endParaRPr lang="en-US" sz="1100" b="0" dirty="0">
               <a:solidFill>
                 <a:srgbClr val="333333"/>
               </a:solidFill>
@@ -9174,12 +10831,12 @@
                 <a:spcPct val="100000"/>
               </a:lnSpc>
               <a:spcBef>
-                <a:spcPts val="200"/>
+                <a:spcPts val="0"/>
               </a:spcBef>
               <a:buNone/>
             </a:pPr>
             <a:r>
-              <a:rPr lang="en-US" sz="1200" b="0" dirty="0">
+              <a:rPr lang="en-US" sz="1100" b="0" dirty="0">
                 <a:solidFill>
                   <a:srgbClr val="333333"/>
                 </a:solidFill>
@@ -9189,7 +10846,7 @@
               <a:t>  </a:t>
             </a:r>
             <a:r>
-              <a:rPr lang="en-US" sz="1200" b="0" dirty="0">
+              <a:rPr lang="en-US" sz="1100" b="0" dirty="0">
                 <a:solidFill>
                   <a:srgbClr val="000000"/>
                 </a:solidFill>
@@ -9199,7 +10856,7 @@
               <a:t>-</a:t>
             </a:r>
             <a:r>
-              <a:rPr lang="en-US" sz="1200" b="0" dirty="0">
+              <a:rPr lang="en-US" sz="1100" b="0" dirty="0">
                 <a:solidFill>
                   <a:srgbClr val="333333"/>
                 </a:solidFill>
@@ -9209,7 +10866,7 @@
               <a:t> </a:t>
             </a:r>
             <a:r>
-              <a:rPr lang="en-US" sz="1200" b="0" dirty="0" err="1">
+              <a:rPr lang="en-US" sz="1100" b="0" dirty="0" err="1">
                 <a:solidFill>
                   <a:srgbClr val="8B0000"/>
                 </a:solidFill>
@@ -9219,7 +10876,7 @@
               <a:t>kubectl</a:t>
             </a:r>
             <a:r>
-              <a:rPr lang="en-US" sz="1200" b="0" dirty="0">
+              <a:rPr lang="en-US" sz="1100" b="0" dirty="0">
                 <a:solidFill>
                   <a:srgbClr val="000000"/>
                 </a:solidFill>
@@ -9229,7 +10886,7 @@
               <a:t>:</a:t>
             </a:r>
             <a:r>
-              <a:rPr lang="en-US" sz="1200" b="0" dirty="0">
+              <a:rPr lang="en-US" sz="1100" b="0" dirty="0">
                 <a:solidFill>
                   <a:srgbClr val="333333"/>
                 </a:solidFill>
@@ -9239,7 +10896,7 @@
               <a:t> </a:t>
             </a:r>
             <a:r>
-              <a:rPr lang="en-US" sz="1200" b="0" dirty="0">
+              <a:rPr lang="en-US" sz="1100" b="0" dirty="0">
                 <a:solidFill>
                   <a:srgbClr val="000000"/>
                 </a:solidFill>
@@ -9249,7 +10906,7 @@
               <a:t>"</a:t>
             </a:r>
             <a:r>
-              <a:rPr lang="en-US" sz="1200" b="0" dirty="0">
+              <a:rPr lang="en-US" sz="1100" b="0" dirty="0">
                 <a:solidFill>
                   <a:srgbClr val="8B0000"/>
                 </a:solidFill>
@@ -9259,7 +10916,7 @@
               <a:t>create secret docker-registry registry-credential --docker-server=http://${env:registryLocation} --docker-username=${</a:t>
             </a:r>
             <a:r>
-              <a:rPr lang="en-US" sz="1200" b="0" dirty="0" err="1">
+              <a:rPr lang="en-US" sz="1100" b="0" dirty="0" err="1">
                 <a:solidFill>
                   <a:srgbClr val="8B0000"/>
                 </a:solidFill>
@@ -9269,7 +10926,7 @@
               <a:t>env:dockerUsername</a:t>
             </a:r>
             <a:r>
-              <a:rPr lang="en-US" sz="1200" b="0" dirty="0">
+              <a:rPr lang="en-US" sz="1100" b="0" dirty="0">
                 <a:solidFill>
                   <a:srgbClr val="8B0000"/>
                 </a:solidFill>
@@ -9279,7 +10936,7 @@
               <a:t>} --docker-password=${</a:t>
             </a:r>
             <a:r>
-              <a:rPr lang="en-US" sz="1200" b="0" dirty="0" err="1">
+              <a:rPr lang="en-US" sz="1100" b="0" dirty="0" err="1">
                 <a:solidFill>
                   <a:srgbClr val="8B0000"/>
                 </a:solidFill>
@@ -9289,7 +10946,7 @@
               <a:t>env:dockerPassword</a:t>
             </a:r>
             <a:r>
-              <a:rPr lang="en-US" sz="1200" b="0" dirty="0">
+              <a:rPr lang="en-US" sz="1100" b="0" dirty="0">
                 <a:solidFill>
                   <a:srgbClr val="8B0000"/>
                 </a:solidFill>
@@ -9299,7 +10956,7 @@
               <a:t>}</a:t>
             </a:r>
             <a:r>
-              <a:rPr lang="en-US" sz="1200" b="0" dirty="0">
+              <a:rPr lang="en-US" sz="1100" b="0" dirty="0">
                 <a:solidFill>
                   <a:srgbClr val="000000"/>
                 </a:solidFill>
@@ -9308,7 +10965,7 @@
               </a:rPr>
               <a:t>"</a:t>
             </a:r>
-            <a:endParaRPr lang="en-US" sz="1200" b="0" dirty="0">
+            <a:endParaRPr lang="en-US" sz="1100" b="0" dirty="0">
               <a:solidFill>
                 <a:srgbClr val="333333"/>
               </a:solidFill>
@@ -9322,12 +10979,12 @@
                 <a:spcPct val="100000"/>
               </a:lnSpc>
               <a:spcBef>
-                <a:spcPts val="200"/>
+                <a:spcPts val="0"/>
               </a:spcBef>
               <a:buNone/>
             </a:pPr>
             <a:r>
-              <a:rPr lang="en-US" sz="1200" b="0" dirty="0">
+              <a:rPr lang="en-US" sz="1100" b="0" dirty="0">
                 <a:solidFill>
                   <a:srgbClr val="333333"/>
                 </a:solidFill>
@@ -9337,7 +10994,7 @@
               <a:t>  </a:t>
             </a:r>
             <a:r>
-              <a:rPr lang="en-US" sz="1200" b="0" dirty="0">
+              <a:rPr lang="en-US" sz="1100" b="0" dirty="0">
                 <a:solidFill>
                   <a:srgbClr val="000000"/>
                 </a:solidFill>
@@ -9347,7 +11004,7 @@
               <a:t>-</a:t>
             </a:r>
             <a:r>
-              <a:rPr lang="en-US" sz="1200" b="0" dirty="0">
+              <a:rPr lang="en-US" sz="1100" b="0" dirty="0">
                 <a:solidFill>
                   <a:srgbClr val="333333"/>
                 </a:solidFill>
@@ -9357,7 +11014,7 @@
               <a:t> </a:t>
             </a:r>
             <a:r>
-              <a:rPr lang="en-US" sz="1200" b="0" dirty="0">
+              <a:rPr lang="en-US" sz="1100" b="0" dirty="0">
                 <a:solidFill>
                   <a:srgbClr val="8B0000"/>
                 </a:solidFill>
@@ -9367,7 +11024,7 @@
               <a:t>helm</a:t>
             </a:r>
             <a:r>
-              <a:rPr lang="en-US" sz="1200" b="0" dirty="0">
+              <a:rPr lang="en-US" sz="1100" b="0" dirty="0">
                 <a:solidFill>
                   <a:srgbClr val="000000"/>
                 </a:solidFill>
@@ -9377,7 +11034,7 @@
               <a:t>:</a:t>
             </a:r>
             <a:r>
-              <a:rPr lang="en-US" sz="1200" b="0" dirty="0">
+              <a:rPr lang="en-US" sz="1100" b="0" dirty="0">
                 <a:solidFill>
                   <a:srgbClr val="333333"/>
                 </a:solidFill>
@@ -9387,7 +11044,7 @@
               <a:t> </a:t>
             </a:r>
             <a:r>
-              <a:rPr lang="en-US" sz="1200" b="0" dirty="0">
+              <a:rPr lang="en-US" sz="1100" b="0" dirty="0">
                 <a:solidFill>
                   <a:srgbClr val="000000"/>
                 </a:solidFill>
@@ -9397,7 +11054,7 @@
               <a:t>"</a:t>
             </a:r>
             <a:r>
-              <a:rPr lang="en-US" sz="1200" b="0" dirty="0">
+              <a:rPr lang="en-US" sz="1100" b="0" dirty="0">
                 <a:solidFill>
                   <a:srgbClr val="8B0000"/>
                 </a:solidFill>
@@ -9407,7 +11064,7 @@
               <a:t>repo add ingress-</a:t>
             </a:r>
             <a:r>
-              <a:rPr lang="en-US" sz="1200" b="0" dirty="0" err="1">
+              <a:rPr lang="en-US" sz="1100" b="0" dirty="0" err="1">
                 <a:solidFill>
                   <a:srgbClr val="8B0000"/>
                 </a:solidFill>
@@ -9417,7 +11074,7 @@
               <a:t>nginx</a:t>
             </a:r>
             <a:r>
-              <a:rPr lang="en-US" sz="1200" b="0" dirty="0">
+              <a:rPr lang="en-US" sz="1100" b="0" dirty="0">
                 <a:solidFill>
                   <a:srgbClr val="8B0000"/>
                 </a:solidFill>
@@ -9427,7 +11084,7 @@
               <a:t> https://kubernetes.github.io/ingress-nginx</a:t>
             </a:r>
             <a:r>
-              <a:rPr lang="en-US" sz="1200" b="0" dirty="0">
+              <a:rPr lang="en-US" sz="1100" b="0" dirty="0">
                 <a:solidFill>
                   <a:srgbClr val="000000"/>
                 </a:solidFill>
@@ -9436,7 +11093,7 @@
               </a:rPr>
               <a:t>"</a:t>
             </a:r>
-            <a:endParaRPr lang="en-US" sz="1200" b="0" dirty="0">
+            <a:endParaRPr lang="en-US" sz="1100" b="0" dirty="0">
               <a:solidFill>
                 <a:srgbClr val="333333"/>
               </a:solidFill>
@@ -9450,12 +11107,12 @@
                 <a:spcPct val="100000"/>
               </a:lnSpc>
               <a:spcBef>
-                <a:spcPts val="200"/>
+                <a:spcPts val="0"/>
               </a:spcBef>
               <a:buNone/>
             </a:pPr>
             <a:r>
-              <a:rPr lang="en-US" sz="1200" b="0" dirty="0">
+              <a:rPr lang="en-US" sz="1100" b="0" dirty="0">
                 <a:solidFill>
                   <a:srgbClr val="333333"/>
                 </a:solidFill>
@@ -9465,7 +11122,7 @@
               <a:t>  </a:t>
             </a:r>
             <a:r>
-              <a:rPr lang="en-US" sz="1200" b="0" dirty="0">
+              <a:rPr lang="en-US" sz="1100" b="0" dirty="0">
                 <a:solidFill>
                   <a:srgbClr val="000000"/>
                 </a:solidFill>
@@ -9475,7 +11132,7 @@
               <a:t>-</a:t>
             </a:r>
             <a:r>
-              <a:rPr lang="en-US" sz="1200" b="0" dirty="0">
+              <a:rPr lang="en-US" sz="1100" b="0" dirty="0">
                 <a:solidFill>
                   <a:srgbClr val="333333"/>
                 </a:solidFill>
@@ -9485,7 +11142,7 @@
               <a:t> </a:t>
             </a:r>
             <a:r>
-              <a:rPr lang="en-US" sz="1200" b="0" dirty="0">
+              <a:rPr lang="en-US" sz="1100" b="0" dirty="0">
                 <a:solidFill>
                   <a:srgbClr val="8B0000"/>
                 </a:solidFill>
@@ -9495,7 +11152,7 @@
               <a:t>helm</a:t>
             </a:r>
             <a:r>
-              <a:rPr lang="en-US" sz="1200" b="0" dirty="0">
+              <a:rPr lang="en-US" sz="1100" b="0" dirty="0">
                 <a:solidFill>
                   <a:srgbClr val="000000"/>
                 </a:solidFill>
@@ -9505,7 +11162,7 @@
               <a:t>:</a:t>
             </a:r>
             <a:r>
-              <a:rPr lang="en-US" sz="1200" b="0" dirty="0">
+              <a:rPr lang="en-US" sz="1100" b="0" dirty="0">
                 <a:solidFill>
                   <a:srgbClr val="333333"/>
                 </a:solidFill>
@@ -9515,7 +11172,7 @@
               <a:t> </a:t>
             </a:r>
             <a:r>
-              <a:rPr lang="en-US" sz="1200" b="0" dirty="0">
+              <a:rPr lang="en-US" sz="1100" b="0" dirty="0">
                 <a:solidFill>
                   <a:srgbClr val="000000"/>
                 </a:solidFill>
@@ -9525,7 +11182,7 @@
               <a:t>"</a:t>
             </a:r>
             <a:r>
-              <a:rPr lang="en-US" sz="1200" b="0" dirty="0">
+              <a:rPr lang="en-US" sz="1100" b="0" dirty="0">
                 <a:solidFill>
                   <a:srgbClr val="8B0000"/>
                 </a:solidFill>
@@ -9535,7 +11192,7 @@
               <a:t>repo update</a:t>
             </a:r>
             <a:r>
-              <a:rPr lang="en-US" sz="1200" b="0" dirty="0">
+              <a:rPr lang="en-US" sz="1100" b="0" dirty="0">
                 <a:solidFill>
                   <a:srgbClr val="000000"/>
                 </a:solidFill>
@@ -9544,7 +11201,7 @@
               </a:rPr>
               <a:t>"</a:t>
             </a:r>
-            <a:endParaRPr lang="en-US" sz="1200" b="0" dirty="0">
+            <a:endParaRPr lang="en-US" sz="1100" b="0" dirty="0">
               <a:solidFill>
                 <a:srgbClr val="333333"/>
               </a:solidFill>
@@ -9558,12 +11215,12 @@
                 <a:spcPct val="100000"/>
               </a:lnSpc>
               <a:spcBef>
-                <a:spcPts val="200"/>
+                <a:spcPts val="0"/>
               </a:spcBef>
               <a:buNone/>
             </a:pPr>
             <a:r>
-              <a:rPr lang="en-US" sz="1200" b="0" dirty="0">
+              <a:rPr lang="en-US" sz="1100" b="0" dirty="0">
                 <a:solidFill>
                   <a:srgbClr val="333333"/>
                 </a:solidFill>
@@ -9573,7 +11230,7 @@
               <a:t>  </a:t>
             </a:r>
             <a:r>
-              <a:rPr lang="en-US" sz="1200" b="0" dirty="0">
+              <a:rPr lang="en-US" sz="1100" b="0" dirty="0">
                 <a:solidFill>
                   <a:srgbClr val="000000"/>
                 </a:solidFill>
@@ -9583,7 +11240,7 @@
               <a:t>-</a:t>
             </a:r>
             <a:r>
-              <a:rPr lang="en-US" sz="1200" b="0" dirty="0">
+              <a:rPr lang="en-US" sz="1100" b="0" dirty="0">
                 <a:solidFill>
                   <a:srgbClr val="333333"/>
                 </a:solidFill>
@@ -9593,7 +11250,7 @@
               <a:t> </a:t>
             </a:r>
             <a:r>
-              <a:rPr lang="en-US" sz="1200" b="0" dirty="0">
+              <a:rPr lang="en-US" sz="1100" b="0" dirty="0">
                 <a:solidFill>
                   <a:srgbClr val="8B0000"/>
                 </a:solidFill>
@@ -9603,7 +11260,7 @@
               <a:t>helm</a:t>
             </a:r>
             <a:r>
-              <a:rPr lang="en-US" sz="1200" b="0" dirty="0">
+              <a:rPr lang="en-US" sz="1100" b="0" dirty="0">
                 <a:solidFill>
                   <a:srgbClr val="000000"/>
                 </a:solidFill>
@@ -9613,7 +11270,7 @@
               <a:t>:</a:t>
             </a:r>
             <a:r>
-              <a:rPr lang="en-US" sz="1200" b="0" dirty="0">
+              <a:rPr lang="en-US" sz="1100" b="0" dirty="0">
                 <a:solidFill>
                   <a:srgbClr val="333333"/>
                 </a:solidFill>
@@ -9623,7 +11280,7 @@
               <a:t> </a:t>
             </a:r>
             <a:r>
-              <a:rPr lang="en-US" sz="1200" b="0" dirty="0">
+              <a:rPr lang="en-US" sz="1100" b="0" dirty="0">
                 <a:solidFill>
                   <a:srgbClr val="000000"/>
                 </a:solidFill>
@@ -9633,7 +11290,7 @@
               <a:t>"</a:t>
             </a:r>
             <a:r>
-              <a:rPr lang="en-US" sz="1200" b="0" dirty="0">
+              <a:rPr lang="en-US" sz="1100" b="0" dirty="0">
                 <a:solidFill>
                   <a:srgbClr val="8B0000"/>
                 </a:solidFill>
@@ -9643,7 +11300,7 @@
               <a:t>uninstall </a:t>
             </a:r>
             <a:r>
-              <a:rPr lang="en-US" sz="1200" b="0" dirty="0" err="1">
+              <a:rPr lang="en-US" sz="1100" b="0" dirty="0" err="1">
                 <a:solidFill>
                   <a:srgbClr val="8B0000"/>
                 </a:solidFill>
@@ -9653,7 +11310,7 @@
               <a:t>nginx</a:t>
             </a:r>
             <a:r>
-              <a:rPr lang="en-US" sz="1200" b="0" dirty="0">
+              <a:rPr lang="en-US" sz="1100" b="0" dirty="0">
                 <a:solidFill>
                   <a:srgbClr val="8B0000"/>
                 </a:solidFill>
@@ -9663,7 +11320,7 @@
               <a:t>-ingress --namespace ${</a:t>
             </a:r>
             <a:r>
-              <a:rPr lang="en-US" sz="1200" b="0" dirty="0" err="1">
+              <a:rPr lang="en-US" sz="1100" b="0" dirty="0" err="1">
                 <a:solidFill>
                   <a:srgbClr val="8B0000"/>
                 </a:solidFill>
@@ -9673,7 +11330,7 @@
               <a:t>env:namespace</a:t>
             </a:r>
             <a:r>
-              <a:rPr lang="en-US" sz="1200" b="0" dirty="0">
+              <a:rPr lang="en-US" sz="1100" b="0" dirty="0">
                 <a:solidFill>
                   <a:srgbClr val="8B0000"/>
                 </a:solidFill>
@@ -9683,7 +11340,7 @@
               <a:t>}</a:t>
             </a:r>
             <a:r>
-              <a:rPr lang="en-US" sz="1200" b="0" dirty="0">
+              <a:rPr lang="en-US" sz="1100" b="0" dirty="0">
                 <a:solidFill>
                   <a:srgbClr val="000000"/>
                 </a:solidFill>
@@ -9692,7 +11349,7 @@
               </a:rPr>
               <a:t>"</a:t>
             </a:r>
-            <a:endParaRPr lang="en-US" sz="1200" b="0" dirty="0">
+            <a:endParaRPr lang="en-US" sz="1100" b="0" dirty="0">
               <a:solidFill>
                 <a:srgbClr val="333333"/>
               </a:solidFill>
@@ -9706,12 +11363,12 @@
                 <a:spcPct val="100000"/>
               </a:lnSpc>
               <a:spcBef>
-                <a:spcPts val="200"/>
+                <a:spcPts val="0"/>
               </a:spcBef>
               <a:buNone/>
             </a:pPr>
             <a:r>
-              <a:rPr lang="en-US" sz="1200" b="0" dirty="0">
+              <a:rPr lang="en-US" sz="1100" b="0" dirty="0">
                 <a:solidFill>
                   <a:srgbClr val="333333"/>
                 </a:solidFill>
@@ -9721,7 +11378,7 @@
               <a:t>  </a:t>
             </a:r>
             <a:r>
-              <a:rPr lang="en-US" sz="1200" b="0" dirty="0">
+              <a:rPr lang="en-US" sz="1100" b="0" dirty="0">
                 <a:solidFill>
                   <a:srgbClr val="000000"/>
                 </a:solidFill>
@@ -9731,7 +11388,7 @@
               <a:t>-</a:t>
             </a:r>
             <a:r>
-              <a:rPr lang="en-US" sz="1200" b="0" dirty="0">
+              <a:rPr lang="en-US" sz="1100" b="0" dirty="0">
                 <a:solidFill>
                   <a:srgbClr val="333333"/>
                 </a:solidFill>
@@ -9741,7 +11398,7 @@
               <a:t> </a:t>
             </a:r>
             <a:r>
-              <a:rPr lang="en-US" sz="1200" b="0" dirty="0">
+              <a:rPr lang="en-US" sz="1100" b="0" dirty="0">
                 <a:solidFill>
                   <a:srgbClr val="8B0000"/>
                 </a:solidFill>
@@ -9751,7 +11408,7 @@
               <a:t>helm</a:t>
             </a:r>
             <a:r>
-              <a:rPr lang="en-US" sz="1200" b="0" dirty="0">
+              <a:rPr lang="en-US" sz="1100" b="0" dirty="0">
                 <a:solidFill>
                   <a:srgbClr val="000000"/>
                 </a:solidFill>
@@ -9761,7 +11418,7 @@
               <a:t>:</a:t>
             </a:r>
             <a:r>
-              <a:rPr lang="en-US" sz="1200" b="0" dirty="0">
+              <a:rPr lang="en-US" sz="1100" b="0" dirty="0">
                 <a:solidFill>
                   <a:srgbClr val="333333"/>
                 </a:solidFill>
@@ -9771,7 +11428,7 @@
               <a:t> </a:t>
             </a:r>
             <a:r>
-              <a:rPr lang="en-US" sz="1200" b="0" dirty="0">
+              <a:rPr lang="en-US" sz="1100" b="0" dirty="0">
                 <a:solidFill>
                   <a:srgbClr val="00008B"/>
                 </a:solidFill>
@@ -9780,7 +11437,7 @@
               </a:rPr>
               <a:t>&gt;</a:t>
             </a:r>
-            <a:endParaRPr lang="en-US" sz="1200" b="0" dirty="0">
+            <a:endParaRPr lang="en-US" sz="1100" b="0" dirty="0">
               <a:solidFill>
                 <a:srgbClr val="333333"/>
               </a:solidFill>
@@ -9794,12 +11451,12 @@
                 <a:spcPct val="100000"/>
               </a:lnSpc>
               <a:spcBef>
-                <a:spcPts val="200"/>
+                <a:spcPts val="0"/>
               </a:spcBef>
               <a:buNone/>
             </a:pPr>
             <a:r>
-              <a:rPr lang="en-US" sz="1200" b="0" dirty="0">
+              <a:rPr lang="en-US" sz="1100" b="0" dirty="0">
                 <a:solidFill>
                   <a:srgbClr val="8B0000"/>
                 </a:solidFill>
@@ -9809,7 +11466,7 @@
               <a:t>      install </a:t>
             </a:r>
             <a:r>
-              <a:rPr lang="en-US" sz="1200" b="0" dirty="0" err="1">
+              <a:rPr lang="en-US" sz="1100" b="0" dirty="0" err="1">
                 <a:solidFill>
                   <a:srgbClr val="8B0000"/>
                 </a:solidFill>
@@ -9819,7 +11476,7 @@
               <a:t>nginx</a:t>
             </a:r>
             <a:r>
-              <a:rPr lang="en-US" sz="1200" b="0" dirty="0">
+              <a:rPr lang="en-US" sz="1100" b="0" dirty="0">
                 <a:solidFill>
                   <a:srgbClr val="8B0000"/>
                 </a:solidFill>
@@ -9829,7 +11486,7 @@
               <a:t>-ingress ingress-</a:t>
             </a:r>
             <a:r>
-              <a:rPr lang="en-US" sz="1200" b="0" dirty="0" err="1">
+              <a:rPr lang="en-US" sz="1100" b="0" dirty="0" err="1">
                 <a:solidFill>
                   <a:srgbClr val="8B0000"/>
                 </a:solidFill>
@@ -9839,7 +11496,7 @@
               <a:t>nginx</a:t>
             </a:r>
             <a:r>
-              <a:rPr lang="en-US" sz="1200" b="0" dirty="0">
+              <a:rPr lang="en-US" sz="1100" b="0" dirty="0">
                 <a:solidFill>
                   <a:srgbClr val="8B0000"/>
                 </a:solidFill>
@@ -9849,7 +11506,7 @@
               <a:t>/ingress-</a:t>
             </a:r>
             <a:r>
-              <a:rPr lang="en-US" sz="1200" b="0" dirty="0" err="1">
+              <a:rPr lang="en-US" sz="1100" b="0" dirty="0" err="1">
                 <a:solidFill>
                   <a:srgbClr val="8B0000"/>
                 </a:solidFill>
@@ -9858,7 +11515,7 @@
               </a:rPr>
               <a:t>nginx</a:t>
             </a:r>
-            <a:endParaRPr lang="en-US" sz="1200" b="0" dirty="0">
+            <a:endParaRPr lang="en-US" sz="1100" b="0" dirty="0">
               <a:solidFill>
                 <a:srgbClr val="333333"/>
               </a:solidFill>
@@ -9872,12 +11529,12 @@
                 <a:spcPct val="100000"/>
               </a:lnSpc>
               <a:spcBef>
-                <a:spcPts val="200"/>
+                <a:spcPts val="0"/>
               </a:spcBef>
               <a:buNone/>
             </a:pPr>
             <a:r>
-              <a:rPr lang="en-US" sz="1200" b="0" dirty="0">
+              <a:rPr lang="en-US" sz="1100" b="0" dirty="0">
                 <a:solidFill>
                   <a:srgbClr val="8B0000"/>
                 </a:solidFill>
@@ -9887,7 +11544,7 @@
               <a:t>      --namespace ${</a:t>
             </a:r>
             <a:r>
-              <a:rPr lang="en-US" sz="1200" b="0" dirty="0" err="1">
+              <a:rPr lang="en-US" sz="1100" b="0" dirty="0" err="1">
                 <a:solidFill>
                   <a:srgbClr val="8B0000"/>
                 </a:solidFill>
@@ -9897,7 +11554,7 @@
               <a:t>env:namespace</a:t>
             </a:r>
             <a:r>
-              <a:rPr lang="en-US" sz="1200" b="0" dirty="0">
+              <a:rPr lang="en-US" sz="1100" b="0" dirty="0">
                 <a:solidFill>
                   <a:srgbClr val="8B0000"/>
                 </a:solidFill>
@@ -9906,7 +11563,7 @@
               </a:rPr>
               <a:t>}</a:t>
             </a:r>
-            <a:endParaRPr lang="en-US" sz="1200" b="0" dirty="0">
+            <a:endParaRPr lang="en-US" sz="1100" b="0" dirty="0">
               <a:solidFill>
                 <a:srgbClr val="333333"/>
               </a:solidFill>
@@ -9920,12 +11577,12 @@
                 <a:spcPct val="100000"/>
               </a:lnSpc>
               <a:spcBef>
-                <a:spcPts val="200"/>
+                <a:spcPts val="0"/>
               </a:spcBef>
               <a:buNone/>
             </a:pPr>
             <a:r>
-              <a:rPr lang="en-US" sz="1200" b="0" dirty="0">
+              <a:rPr lang="en-US" sz="1100" b="0" dirty="0">
                 <a:solidFill>
                   <a:srgbClr val="8B0000"/>
                 </a:solidFill>
@@ -9935,7 +11592,7 @@
               <a:t>      --set </a:t>
             </a:r>
             <a:r>
-              <a:rPr lang="en-US" sz="1200" b="0" dirty="0" err="1">
+              <a:rPr lang="en-US" sz="1100" b="0" dirty="0" err="1">
                 <a:solidFill>
                   <a:srgbClr val="8B0000"/>
                 </a:solidFill>
@@ -9945,7 +11602,7 @@
               <a:t>controller.replicaCount</a:t>
             </a:r>
             <a:r>
-              <a:rPr lang="en-US" sz="1200" b="0" dirty="0">
+              <a:rPr lang="en-US" sz="1100" b="0" dirty="0">
                 <a:solidFill>
                   <a:srgbClr val="8B0000"/>
                 </a:solidFill>
@@ -9954,7 +11611,7 @@
               </a:rPr>
               <a:t>=2</a:t>
             </a:r>
-            <a:endParaRPr lang="en-US" sz="1200" b="0" dirty="0">
+            <a:endParaRPr lang="en-US" sz="1100" b="0" dirty="0">
               <a:solidFill>
                 <a:srgbClr val="333333"/>
               </a:solidFill>
@@ -9968,12 +11625,12 @@
                 <a:spcPct val="100000"/>
               </a:lnSpc>
               <a:spcBef>
-                <a:spcPts val="200"/>
+                <a:spcPts val="0"/>
               </a:spcBef>
               <a:buNone/>
             </a:pPr>
             <a:r>
-              <a:rPr lang="en-US" sz="1200" b="0" dirty="0">
+              <a:rPr lang="en-US" sz="1100" b="0" dirty="0">
                 <a:solidFill>
                   <a:srgbClr val="8B0000"/>
                 </a:solidFill>
@@ -9983,7 +11640,7 @@
               <a:t>      --set controller.</a:t>
             </a:r>
             <a:r>
-              <a:rPr lang="en-US" sz="1200" b="0" dirty="0" err="1">
+              <a:rPr lang="en-US" sz="1100" b="0" dirty="0" err="1">
                 <a:solidFill>
                   <a:srgbClr val="8B0000"/>
                 </a:solidFill>
@@ -9993,7 +11650,7 @@
               <a:t>nodeSelector</a:t>
             </a:r>
             <a:r>
-              <a:rPr lang="en-US" sz="1200" b="0" dirty="0">
+              <a:rPr lang="en-US" sz="1100" b="0" dirty="0">
                 <a:solidFill>
                   <a:srgbClr val="8B0000"/>
                 </a:solidFill>
@@ -10003,7 +11660,7 @@
               <a:t>."beta\.</a:t>
             </a:r>
             <a:r>
-              <a:rPr lang="en-US" sz="1200" b="0" dirty="0" err="1">
+              <a:rPr lang="en-US" sz="1100" b="0" dirty="0" err="1">
                 <a:solidFill>
                   <a:srgbClr val="8B0000"/>
                 </a:solidFill>
@@ -10013,7 +11670,7 @@
               <a:t>kubernetes</a:t>
             </a:r>
             <a:r>
-              <a:rPr lang="en-US" sz="1200" b="0" dirty="0">
+              <a:rPr lang="en-US" sz="1100" b="0" dirty="0">
                 <a:solidFill>
                   <a:srgbClr val="8B0000"/>
                 </a:solidFill>
@@ -10023,7 +11680,7 @@
               <a:t>\.io/</a:t>
             </a:r>
             <a:r>
-              <a:rPr lang="en-US" sz="1200" b="0" dirty="0" err="1">
+              <a:rPr lang="en-US" sz="1100" b="0" dirty="0" err="1">
                 <a:solidFill>
                   <a:srgbClr val="8B0000"/>
                 </a:solidFill>
@@ -10033,7 +11690,7 @@
               <a:t>os</a:t>
             </a:r>
             <a:r>
-              <a:rPr lang="en-US" sz="1200" b="0" dirty="0">
+              <a:rPr lang="en-US" sz="1100" b="0" dirty="0">
                 <a:solidFill>
                   <a:srgbClr val="8B0000"/>
                 </a:solidFill>
@@ -10043,7 +11700,7 @@
               <a:t>"=</a:t>
             </a:r>
             <a:r>
-              <a:rPr lang="en-US" sz="1200" b="0" dirty="0" err="1">
+              <a:rPr lang="en-US" sz="1100" b="0" dirty="0" err="1">
                 <a:solidFill>
                   <a:srgbClr val="8B0000"/>
                 </a:solidFill>
@@ -10052,7 +11709,7 @@
               </a:rPr>
               <a:t>linux</a:t>
             </a:r>
-            <a:endParaRPr lang="en-US" sz="1200" b="0" dirty="0">
+            <a:endParaRPr lang="en-US" sz="1100" b="0" dirty="0">
               <a:solidFill>
                 <a:srgbClr val="333333"/>
               </a:solidFill>
@@ -10066,12 +11723,12 @@
                 <a:spcPct val="100000"/>
               </a:lnSpc>
               <a:spcBef>
-                <a:spcPts val="200"/>
+                <a:spcPts val="0"/>
               </a:spcBef>
               <a:buNone/>
             </a:pPr>
             <a:r>
-              <a:rPr lang="en-US" sz="1200" b="0" dirty="0">
+              <a:rPr lang="en-US" sz="1100" b="0" dirty="0">
                 <a:solidFill>
                   <a:srgbClr val="8B0000"/>
                 </a:solidFill>
@@ -10081,7 +11738,7 @@
               <a:t>      --set defaultBackend.</a:t>
             </a:r>
             <a:r>
-              <a:rPr lang="en-US" sz="1200" b="0" dirty="0" err="1">
+              <a:rPr lang="en-US" sz="1100" b="0" dirty="0" err="1">
                 <a:solidFill>
                   <a:srgbClr val="8B0000"/>
                 </a:solidFill>
@@ -10091,7 +11748,7 @@
               <a:t>nodeSelector</a:t>
             </a:r>
             <a:r>
-              <a:rPr lang="en-US" sz="1200" b="0" dirty="0">
+              <a:rPr lang="en-US" sz="1100" b="0" dirty="0">
                 <a:solidFill>
                   <a:srgbClr val="8B0000"/>
                 </a:solidFill>
@@ -10101,7 +11758,7 @@
               <a:t>."beta\.</a:t>
             </a:r>
             <a:r>
-              <a:rPr lang="en-US" sz="1200" b="0" dirty="0" err="1">
+              <a:rPr lang="en-US" sz="1100" b="0" dirty="0" err="1">
                 <a:solidFill>
                   <a:srgbClr val="8B0000"/>
                 </a:solidFill>
@@ -10111,7 +11768,7 @@
               <a:t>kubernetes</a:t>
             </a:r>
             <a:r>
-              <a:rPr lang="en-US" sz="1200" b="0" dirty="0">
+              <a:rPr lang="en-US" sz="1100" b="0" dirty="0">
                 <a:solidFill>
                   <a:srgbClr val="8B0000"/>
                 </a:solidFill>
@@ -10121,7 +11778,7 @@
               <a:t>\.io/</a:t>
             </a:r>
             <a:r>
-              <a:rPr lang="en-US" sz="1200" b="0" dirty="0" err="1">
+              <a:rPr lang="en-US" sz="1100" b="0" dirty="0" err="1">
                 <a:solidFill>
                   <a:srgbClr val="8B0000"/>
                 </a:solidFill>
@@ -10131,7 +11788,7 @@
               <a:t>os</a:t>
             </a:r>
             <a:r>
-              <a:rPr lang="en-US" sz="1200" b="0" dirty="0">
+              <a:rPr lang="en-US" sz="1100" b="0" dirty="0">
                 <a:solidFill>
                   <a:srgbClr val="8B0000"/>
                 </a:solidFill>
@@ -10141,7 +11798,7 @@
               <a:t>"=</a:t>
             </a:r>
             <a:r>
-              <a:rPr lang="en-US" sz="1200" b="0" dirty="0" err="1">
+              <a:rPr lang="en-US" sz="1100" b="0" dirty="0" err="1">
                 <a:solidFill>
                   <a:srgbClr val="8B0000"/>
                 </a:solidFill>
@@ -10150,7 +11807,7 @@
               </a:rPr>
               <a:t>linux</a:t>
             </a:r>
-            <a:endParaRPr lang="en-US" sz="1200" b="0" dirty="0">
+            <a:endParaRPr lang="en-US" sz="1100" b="0" dirty="0">
               <a:solidFill>
                 <a:srgbClr val="333333"/>
               </a:solidFill>
@@ -10164,12 +11821,12 @@
                 <a:spcPct val="100000"/>
               </a:lnSpc>
               <a:spcBef>
-                <a:spcPts val="200"/>
+                <a:spcPts val="0"/>
               </a:spcBef>
               <a:buNone/>
             </a:pPr>
             <a:r>
-              <a:rPr lang="en-US" sz="1200" b="0" dirty="0">
+              <a:rPr lang="en-US" sz="1100" b="0" dirty="0">
                 <a:solidFill>
                   <a:srgbClr val="8B0000"/>
                 </a:solidFill>
@@ -10179,7 +11836,7 @@
               <a:t>      --set </a:t>
             </a:r>
             <a:r>
-              <a:rPr lang="en-US" sz="1200" b="0" dirty="0" err="1">
+              <a:rPr lang="en-US" sz="1100" b="0" dirty="0" err="1">
                 <a:solidFill>
                   <a:srgbClr val="8B0000"/>
                 </a:solidFill>
@@ -10189,7 +11846,7 @@
               <a:t>controller.service.loadBalancerIP</a:t>
             </a:r>
             <a:r>
-              <a:rPr lang="en-US" sz="1200" b="0" dirty="0">
+              <a:rPr lang="en-US" sz="1100" b="0" dirty="0">
                 <a:solidFill>
                   <a:srgbClr val="8B0000"/>
                 </a:solidFill>
@@ -10199,17 +11856,17 @@
               <a:t>="${</a:t>
             </a:r>
             <a:r>
-              <a:rPr lang="en-US" sz="1200" b="0" dirty="0" err="1">
-                <a:solidFill>
-                  <a:srgbClr val="8B0000"/>
-                </a:solidFill>
-                <a:effectLst/>
-                <a:latin typeface="Consolas" panose="020B0609020204030204" pitchFamily="49" charset="0"/>
-              </a:rPr>
-              <a:t>env:ipAddres</a:t>
-            </a:r>
-            <a:r>
-              <a:rPr lang="en-US" sz="1200" b="0" dirty="0">
+              <a:rPr lang="en-US" sz="1100" b="0" dirty="0" err="1">
+                <a:solidFill>
+                  <a:srgbClr val="8B0000"/>
+                </a:solidFill>
+                <a:effectLst/>
+                <a:latin typeface="Consolas" panose="020B0609020204030204" pitchFamily="49" charset="0"/>
+              </a:rPr>
+              <a:t>env:frontendIpAddress</a:t>
+            </a:r>
+            <a:r>
+              <a:rPr lang="en-US" sz="1100" b="0" dirty="0">
                 <a:solidFill>
                   <a:srgbClr val="8B0000"/>
                 </a:solidFill>
@@ -10218,7 +11875,7 @@
               </a:rPr>
               <a:t>}"</a:t>
             </a:r>
-            <a:endParaRPr lang="en-US" sz="1200" b="0" dirty="0">
+            <a:endParaRPr lang="en-US" sz="1100" b="0" dirty="0">
               <a:solidFill>
                 <a:srgbClr val="333333"/>
               </a:solidFill>
@@ -10232,12 +11889,12 @@
                 <a:spcPct val="100000"/>
               </a:lnSpc>
               <a:spcBef>
-                <a:spcPts val="200"/>
+                <a:spcPts val="0"/>
               </a:spcBef>
               <a:buNone/>
             </a:pPr>
             <a:r>
-              <a:rPr lang="en-US" sz="1200" b="0" dirty="0">
+              <a:rPr lang="en-US" sz="1100" b="0" dirty="0">
                 <a:solidFill>
                   <a:srgbClr val="8B0000"/>
                 </a:solidFill>
@@ -10247,7 +11904,7 @@
               <a:t>      --set </a:t>
             </a:r>
             <a:r>
-              <a:rPr lang="en-US" sz="1200" b="0" dirty="0" err="1">
+              <a:rPr lang="en-US" sz="1100" b="0" dirty="0" err="1">
                 <a:solidFill>
                   <a:srgbClr val="8B0000"/>
                 </a:solidFill>
@@ -10257,7 +11914,7 @@
               <a:t>controller.service.annotations."service</a:t>
             </a:r>
             <a:r>
-              <a:rPr lang="en-US" sz="1200" b="0" dirty="0">
+              <a:rPr lang="en-US" sz="1100" b="0" dirty="0">
                 <a:solidFill>
                   <a:srgbClr val="8B0000"/>
                 </a:solidFill>
@@ -10267,7 +11924,7 @@
               <a:t>\.beta\.</a:t>
             </a:r>
             <a:r>
-              <a:rPr lang="en-US" sz="1200" b="0" dirty="0" err="1">
+              <a:rPr lang="en-US" sz="1100" b="0" dirty="0" err="1">
                 <a:solidFill>
                   <a:srgbClr val="8B0000"/>
                 </a:solidFill>
@@ -10277,7 +11934,7 @@
               <a:t>kubernetes</a:t>
             </a:r>
             <a:r>
-              <a:rPr lang="en-US" sz="1200" b="0" dirty="0">
+              <a:rPr lang="en-US" sz="1100" b="0" dirty="0">
                 <a:solidFill>
                   <a:srgbClr val="8B0000"/>
                 </a:solidFill>
@@ -10287,7 +11944,7 @@
               <a:t>\.io/azure-</a:t>
             </a:r>
             <a:r>
-              <a:rPr lang="en-US" sz="1200" b="0" dirty="0" err="1">
+              <a:rPr lang="en-US" sz="1100" b="0" dirty="0" err="1">
                 <a:solidFill>
                   <a:srgbClr val="8B0000"/>
                 </a:solidFill>
@@ -10297,7 +11954,7 @@
               <a:t>dns</a:t>
             </a:r>
             <a:r>
-              <a:rPr lang="en-US" sz="1200" b="0" dirty="0">
+              <a:rPr lang="en-US" sz="1100" b="0" dirty="0">
                 <a:solidFill>
                   <a:srgbClr val="8B0000"/>
                 </a:solidFill>
@@ -10307,17 +11964,17 @@
               <a:t>-label-name"="${</a:t>
             </a:r>
             <a:r>
-              <a:rPr lang="en-US" sz="1200" b="0" dirty="0" err="1">
-                <a:solidFill>
-                  <a:srgbClr val="8B0000"/>
-                </a:solidFill>
-                <a:effectLst/>
-                <a:latin typeface="Consolas" panose="020B0609020204030204" pitchFamily="49" charset="0"/>
-              </a:rPr>
-              <a:t>env:ipName</a:t>
-            </a:r>
-            <a:r>
-              <a:rPr lang="en-US" sz="1200" b="0" dirty="0">
+              <a:rPr lang="en-US" sz="1100" b="0" dirty="0" err="1">
+                <a:solidFill>
+                  <a:srgbClr val="8B0000"/>
+                </a:solidFill>
+                <a:effectLst/>
+                <a:latin typeface="Consolas" panose="020B0609020204030204" pitchFamily="49" charset="0"/>
+              </a:rPr>
+              <a:t>env:frontendIpName</a:t>
+            </a:r>
+            <a:r>
+              <a:rPr lang="en-US" sz="1100" b="0" dirty="0">
                 <a:solidFill>
                   <a:srgbClr val="8B0000"/>
                 </a:solidFill>
@@ -10326,7 +11983,7 @@
               </a:rPr>
               <a:t>}"</a:t>
             </a:r>
-            <a:endParaRPr lang="en-US" sz="1200" b="0" dirty="0">
+            <a:endParaRPr lang="en-US" sz="1100" b="0" dirty="0">
               <a:solidFill>
                 <a:srgbClr val="333333"/>
               </a:solidFill>
@@ -10340,12 +11997,12 @@
                 <a:spcPct val="100000"/>
               </a:lnSpc>
               <a:spcBef>
-                <a:spcPts val="200"/>
+                <a:spcPts val="0"/>
               </a:spcBef>
               <a:buNone/>
             </a:pPr>
             <a:r>
-              <a:rPr lang="en-US" sz="1200" b="0" dirty="0">
+              <a:rPr lang="en-US" sz="1100" b="0" dirty="0">
                 <a:solidFill>
                   <a:srgbClr val="8B0000"/>
                 </a:solidFill>
@@ -10355,7 +12012,7 @@
               <a:t>      --set controller.service.annotations."</a:t>
             </a:r>
             <a:r>
-              <a:rPr lang="en-US" sz="1200" b="0" dirty="0" err="1">
+              <a:rPr lang="en-US" sz="1100" b="0" dirty="0" err="1">
                 <a:solidFill>
                   <a:srgbClr val="8B0000"/>
                 </a:solidFill>
@@ -10365,7 +12022,7 @@
               <a:t>kubernetes</a:t>
             </a:r>
             <a:r>
-              <a:rPr lang="en-US" sz="1200" b="0" dirty="0">
+              <a:rPr lang="en-US" sz="1100" b="0" dirty="0">
                 <a:solidFill>
                   <a:srgbClr val="8B0000"/>
                 </a:solidFill>
@@ -10375,7 +12032,7 @@
               <a:t>\.io/ingress\.global-static-</a:t>
             </a:r>
             <a:r>
-              <a:rPr lang="en-US" sz="1200" b="0" dirty="0" err="1">
+              <a:rPr lang="en-US" sz="1100" b="0" dirty="0" err="1">
                 <a:solidFill>
                   <a:srgbClr val="8B0000"/>
                 </a:solidFill>
@@ -10385,7 +12042,7 @@
               <a:t>ip</a:t>
             </a:r>
             <a:r>
-              <a:rPr lang="en-US" sz="1200" b="0" dirty="0">
+              <a:rPr lang="en-US" sz="1100" b="0" dirty="0">
                 <a:solidFill>
                   <a:srgbClr val="8B0000"/>
                 </a:solidFill>
@@ -10395,17 +12052,17 @@
               <a:t>-name"="${</a:t>
             </a:r>
             <a:r>
-              <a:rPr lang="en-US" sz="1200" b="0" dirty="0" err="1">
-                <a:solidFill>
-                  <a:srgbClr val="8B0000"/>
-                </a:solidFill>
-                <a:effectLst/>
-                <a:latin typeface="Consolas" panose="020B0609020204030204" pitchFamily="49" charset="0"/>
-              </a:rPr>
-              <a:t>env:ipName</a:t>
-            </a:r>
-            <a:r>
-              <a:rPr lang="en-US" sz="1200" b="0" dirty="0">
+              <a:rPr lang="en-US" sz="1100" b="0" dirty="0" err="1">
+                <a:solidFill>
+                  <a:srgbClr val="8B0000"/>
+                </a:solidFill>
+                <a:effectLst/>
+                <a:latin typeface="Consolas" panose="020B0609020204030204" pitchFamily="49" charset="0"/>
+              </a:rPr>
+              <a:t>env:frontendIpName</a:t>
+            </a:r>
+            <a:r>
+              <a:rPr lang="en-US" sz="1100" b="0" dirty="0">
                 <a:solidFill>
                   <a:srgbClr val="8B0000"/>
                 </a:solidFill>
@@ -10414,7 +12071,7 @@
               </a:rPr>
               <a:t>}"</a:t>
             </a:r>
-            <a:endParaRPr lang="en-US" sz="1200" b="0" dirty="0">
+            <a:endParaRPr lang="en-US" sz="1100" b="0" dirty="0">
               <a:solidFill>
                 <a:srgbClr val="333333"/>
               </a:solidFill>
@@ -10428,12 +12085,12 @@
                 <a:spcPct val="100000"/>
               </a:lnSpc>
               <a:spcBef>
-                <a:spcPts val="200"/>
+                <a:spcPts val="0"/>
               </a:spcBef>
               <a:buNone/>
             </a:pPr>
             <a:r>
-              <a:rPr lang="en-US" sz="1200" b="0" dirty="0">
+              <a:rPr lang="en-US" sz="1100" b="0" dirty="0">
                 <a:solidFill>
                   <a:srgbClr val="333333"/>
                 </a:solidFill>
@@ -10443,7 +12100,7 @@
               <a:t>  </a:t>
             </a:r>
             <a:r>
-              <a:rPr lang="en-US" sz="1200" b="0" dirty="0">
+              <a:rPr lang="en-US" sz="1100" b="0" dirty="0">
                 <a:solidFill>
                   <a:srgbClr val="000000"/>
                 </a:solidFill>
@@ -10453,7 +12110,7 @@
               <a:t>-</a:t>
             </a:r>
             <a:r>
-              <a:rPr lang="en-US" sz="1200" b="0" dirty="0">
+              <a:rPr lang="en-US" sz="1100" b="0" dirty="0">
                 <a:solidFill>
                   <a:srgbClr val="333333"/>
                 </a:solidFill>
@@ -10463,7 +12120,7 @@
               <a:t> </a:t>
             </a:r>
             <a:r>
-              <a:rPr lang="en-US" sz="1200" b="0" dirty="0" err="1">
+              <a:rPr lang="en-US" sz="1100" b="0" dirty="0" err="1">
                 <a:solidFill>
                   <a:srgbClr val="8B0000"/>
                 </a:solidFill>
@@ -10473,7 +12130,7 @@
               <a:t>kubectl</a:t>
             </a:r>
             <a:r>
-              <a:rPr lang="en-US" sz="1200" b="0" dirty="0">
+              <a:rPr lang="en-US" sz="1100" b="0" dirty="0">
                 <a:solidFill>
                   <a:srgbClr val="000000"/>
                 </a:solidFill>
@@ -10483,7 +12140,7 @@
               <a:t>:</a:t>
             </a:r>
             <a:r>
-              <a:rPr lang="en-US" sz="1200" b="0" dirty="0">
+              <a:rPr lang="en-US" sz="1100" b="0" dirty="0">
                 <a:solidFill>
                   <a:srgbClr val="333333"/>
                 </a:solidFill>
@@ -10493,7 +12150,7 @@
               <a:t> </a:t>
             </a:r>
             <a:r>
-              <a:rPr lang="en-US" sz="1200" b="0" dirty="0">
+              <a:rPr lang="en-US" sz="1100" b="0" dirty="0">
                 <a:solidFill>
                   <a:srgbClr val="000000"/>
                 </a:solidFill>
@@ -10503,7 +12160,7 @@
               <a:t>"</a:t>
             </a:r>
             <a:r>
-              <a:rPr lang="en-US" sz="1200" b="0" dirty="0">
+              <a:rPr lang="en-US" sz="1100" b="0" dirty="0">
                 <a:solidFill>
                   <a:srgbClr val="8B0000"/>
                 </a:solidFill>
@@ -10513,7 +12170,7 @@
               <a:t>apply --validate=false -f https://github.com/jetstack/cert-manager/releases/download/v1.1.0/cert-manager.yaml</a:t>
             </a:r>
             <a:r>
-              <a:rPr lang="en-US" sz="1200" b="0" dirty="0">
+              <a:rPr lang="en-US" sz="1100" b="0" dirty="0">
                 <a:solidFill>
                   <a:srgbClr val="000000"/>
                 </a:solidFill>
@@ -10522,7 +12179,7 @@
               </a:rPr>
               <a:t>"</a:t>
             </a:r>
-            <a:endParaRPr lang="en-US" sz="1200" b="0" dirty="0">
+            <a:endParaRPr lang="en-US" sz="1100" b="0" dirty="0">
               <a:solidFill>
                 <a:srgbClr val="333333"/>
               </a:solidFill>
@@ -10536,12 +12193,12 @@
                 <a:spcPct val="100000"/>
               </a:lnSpc>
               <a:spcBef>
-                <a:spcPts val="200"/>
+                <a:spcPts val="0"/>
               </a:spcBef>
               <a:buNone/>
             </a:pPr>
             <a:r>
-              <a:rPr lang="en-US" sz="1200" b="0" dirty="0">
+              <a:rPr lang="en-US" sz="1100" b="0" dirty="0">
                 <a:solidFill>
                   <a:srgbClr val="333333"/>
                 </a:solidFill>
@@ -10551,7 +12208,7 @@
               <a:t>  </a:t>
             </a:r>
             <a:r>
-              <a:rPr lang="en-US" sz="1200" b="0" dirty="0">
+              <a:rPr lang="en-US" sz="1100" b="0" dirty="0">
                 <a:solidFill>
                   <a:srgbClr val="000000"/>
                 </a:solidFill>
@@ -10561,7 +12218,7 @@
               <a:t>-</a:t>
             </a:r>
             <a:r>
-              <a:rPr lang="en-US" sz="1200" b="0" dirty="0">
+              <a:rPr lang="en-US" sz="1100" b="0" dirty="0">
                 <a:solidFill>
                   <a:srgbClr val="333333"/>
                 </a:solidFill>
@@ -10571,17 +12228,17 @@
               <a:t> </a:t>
             </a:r>
             <a:r>
-              <a:rPr lang="en-US" sz="1200" b="0" dirty="0">
-                <a:solidFill>
-                  <a:srgbClr val="8B0000"/>
-                </a:solidFill>
-                <a:effectLst/>
-                <a:latin typeface="Consolas" panose="020B0609020204030204" pitchFamily="49" charset="0"/>
-              </a:rPr>
-              <a:t>chart</a:t>
-            </a:r>
-            <a:r>
-              <a:rPr lang="en-US" sz="1200" b="0" dirty="0">
+              <a:rPr lang="en-US" sz="1100" b="0" dirty="0">
+                <a:solidFill>
+                  <a:srgbClr val="8B0000"/>
+                </a:solidFill>
+                <a:effectLst/>
+                <a:latin typeface="Consolas" panose="020B0609020204030204" pitchFamily="49" charset="0"/>
+              </a:rPr>
+              <a:t>shell</a:t>
+            </a:r>
+            <a:r>
+              <a:rPr lang="en-US" sz="1100" b="0" dirty="0">
                 <a:solidFill>
                   <a:srgbClr val="000000"/>
                 </a:solidFill>
@@ -10591,7 +12248,7 @@
               <a:t>:</a:t>
             </a:r>
             <a:r>
-              <a:rPr lang="en-US" sz="1200" b="0" dirty="0">
+              <a:rPr lang="en-US" sz="1100" b="0" dirty="0">
                 <a:solidFill>
                   <a:srgbClr val="333333"/>
                 </a:solidFill>
@@ -10601,7 +12258,7 @@
               <a:t> </a:t>
             </a:r>
             <a:r>
-              <a:rPr lang="en-US" sz="1200" b="0" dirty="0">
+              <a:rPr lang="en-US" sz="1100" b="0" dirty="0">
                 <a:solidFill>
                   <a:srgbClr val="000000"/>
                 </a:solidFill>
@@ -10611,17 +12268,27 @@
               <a:t>"</a:t>
             </a:r>
             <a:r>
-              <a:rPr lang="en-US" sz="1200" b="0" dirty="0">
-                <a:solidFill>
-                  <a:srgbClr val="8B0000"/>
-                </a:solidFill>
-                <a:effectLst/>
-                <a:latin typeface="Consolas" panose="020B0609020204030204" pitchFamily="49" charset="0"/>
-              </a:rPr>
-              <a:t>frontend/website</a:t>
-            </a:r>
-            <a:r>
-              <a:rPr lang="en-US" sz="1200" b="0" dirty="0">
+              <a:rPr lang="en-US" sz="1100" b="0" dirty="0" err="1">
+                <a:solidFill>
+                  <a:srgbClr val="8B0000"/>
+                </a:solidFill>
+                <a:effectLst/>
+                <a:latin typeface="Consolas" panose="020B0609020204030204" pitchFamily="49" charset="0"/>
+              </a:rPr>
+              <a:t>mkcert</a:t>
+            </a:r>
+            <a:r>
+              <a:rPr lang="en-US" sz="1100" b="0" dirty="0">
+                <a:solidFill>
+                  <a:srgbClr val="8B0000"/>
+                </a:solidFill>
+                <a:effectLst/>
+                <a:latin typeface="Consolas" panose="020B0609020204030204" pitchFamily="49" charset="0"/>
+              </a:rPr>
+              <a:t> -install</a:t>
+            </a:r>
+            <a:r>
+              <a:rPr lang="en-US" sz="1100" b="0" dirty="0">
                 <a:solidFill>
                   <a:srgbClr val="000000"/>
                 </a:solidFill>
@@ -10630,7 +12297,7 @@
               </a:rPr>
               <a:t>"</a:t>
             </a:r>
-            <a:endParaRPr lang="en-US" sz="1200" b="0" dirty="0">
+            <a:endParaRPr lang="en-US" sz="1100" b="0" dirty="0">
               <a:solidFill>
                 <a:srgbClr val="333333"/>
               </a:solidFill>
@@ -10644,41 +12311,191 @@
                 <a:spcPct val="100000"/>
               </a:lnSpc>
               <a:spcBef>
-                <a:spcPts val="200"/>
+                <a:spcPts val="0"/>
               </a:spcBef>
               <a:buNone/>
             </a:pPr>
             <a:r>
-              <a:rPr lang="en-US" sz="1200" b="0" dirty="0">
+              <a:rPr lang="en-US" sz="1100" b="0" dirty="0">
                 <a:solidFill>
                   <a:srgbClr val="333333"/>
                 </a:solidFill>
                 <a:effectLst/>
                 <a:latin typeface="Consolas" panose="020B0609020204030204" pitchFamily="49" charset="0"/>
               </a:rPr>
-              <a:t>    </a:t>
-            </a:r>
-            <a:r>
-              <a:rPr lang="en-US" sz="1200" b="0" dirty="0">
-                <a:solidFill>
-                  <a:srgbClr val="8B0000"/>
-                </a:solidFill>
-                <a:effectLst/>
-                <a:latin typeface="Consolas" panose="020B0609020204030204" pitchFamily="49" charset="0"/>
-              </a:rPr>
-              <a:t>variables</a:t>
-            </a:r>
-            <a:r>
-              <a:rPr lang="en-US" sz="1200" b="0" dirty="0">
+              <a:t>  </a:t>
+            </a:r>
+            <a:r>
+              <a:rPr lang="en-US" sz="1100" b="0" dirty="0">
                 <a:solidFill>
                   <a:srgbClr val="000000"/>
                 </a:solidFill>
                 <a:effectLst/>
                 <a:latin typeface="Consolas" panose="020B0609020204030204" pitchFamily="49" charset="0"/>
               </a:rPr>
+              <a:t>-</a:t>
+            </a:r>
+            <a:r>
+              <a:rPr lang="en-US" sz="1100" b="0" dirty="0">
+                <a:solidFill>
+                  <a:srgbClr val="333333"/>
+                </a:solidFill>
+                <a:effectLst/>
+                <a:latin typeface="Consolas" panose="020B0609020204030204" pitchFamily="49" charset="0"/>
+              </a:rPr>
+              <a:t> </a:t>
+            </a:r>
+            <a:r>
+              <a:rPr lang="en-US" sz="1100" b="0" dirty="0">
+                <a:solidFill>
+                  <a:srgbClr val="8B0000"/>
+                </a:solidFill>
+                <a:effectLst/>
+                <a:latin typeface="Consolas" panose="020B0609020204030204" pitchFamily="49" charset="0"/>
+              </a:rPr>
+              <a:t>shell</a:t>
+            </a:r>
+            <a:r>
+              <a:rPr lang="en-US" sz="1100" b="0" dirty="0">
+                <a:solidFill>
+                  <a:srgbClr val="000000"/>
+                </a:solidFill>
+                <a:effectLst/>
+                <a:latin typeface="Consolas" panose="020B0609020204030204" pitchFamily="49" charset="0"/>
+              </a:rPr>
               <a:t>:</a:t>
             </a:r>
-            <a:endParaRPr lang="en-US" sz="1200" b="0" dirty="0">
+            <a:r>
+              <a:rPr lang="en-US" sz="1100" b="0" dirty="0">
+                <a:solidFill>
+                  <a:srgbClr val="333333"/>
+                </a:solidFill>
+                <a:effectLst/>
+                <a:latin typeface="Consolas" panose="020B0609020204030204" pitchFamily="49" charset="0"/>
+              </a:rPr>
+              <a:t> </a:t>
+            </a:r>
+            <a:r>
+              <a:rPr lang="en-US" sz="1100" b="0" dirty="0">
+                <a:solidFill>
+                  <a:srgbClr val="000000"/>
+                </a:solidFill>
+                <a:effectLst/>
+                <a:latin typeface="Consolas" panose="020B0609020204030204" pitchFamily="49" charset="0"/>
+              </a:rPr>
+              <a:t>"</a:t>
+            </a:r>
+            <a:r>
+              <a:rPr lang="en-US" sz="1100" b="0" dirty="0" err="1">
+                <a:solidFill>
+                  <a:srgbClr val="8B0000"/>
+                </a:solidFill>
+                <a:effectLst/>
+                <a:latin typeface="Consolas" panose="020B0609020204030204" pitchFamily="49" charset="0"/>
+              </a:rPr>
+              <a:t>mkcert</a:t>
+            </a:r>
+            <a:r>
+              <a:rPr lang="en-US" sz="1100" b="0" dirty="0">
+                <a:solidFill>
+                  <a:srgbClr val="8B0000"/>
+                </a:solidFill>
+                <a:effectLst/>
+                <a:latin typeface="Consolas" panose="020B0609020204030204" pitchFamily="49" charset="0"/>
+              </a:rPr>
+              <a:t> -key-file \"${</a:t>
+            </a:r>
+            <a:r>
+              <a:rPr lang="en-US" sz="1100" b="0" dirty="0" err="1">
+                <a:solidFill>
+                  <a:srgbClr val="8B0000"/>
+                </a:solidFill>
+                <a:effectLst/>
+                <a:latin typeface="Consolas" panose="020B0609020204030204" pitchFamily="49" charset="0"/>
+              </a:rPr>
+              <a:t>env:workFolder</a:t>
+            </a:r>
+            <a:r>
+              <a:rPr lang="en-US" sz="1100" b="0" dirty="0">
+                <a:solidFill>
+                  <a:srgbClr val="8B0000"/>
+                </a:solidFill>
+                <a:effectLst/>
+                <a:latin typeface="Consolas" panose="020B0609020204030204" pitchFamily="49" charset="0"/>
+              </a:rPr>
+              <a:t>}/website-</a:t>
+            </a:r>
+            <a:r>
+              <a:rPr lang="en-US" sz="1100" b="0" dirty="0" err="1">
+                <a:solidFill>
+                  <a:srgbClr val="8B0000"/>
+                </a:solidFill>
+                <a:effectLst/>
+                <a:latin typeface="Consolas" panose="020B0609020204030204" pitchFamily="49" charset="0"/>
+              </a:rPr>
+              <a:t>tls.key</a:t>
+            </a:r>
+            <a:r>
+              <a:rPr lang="en-US" sz="1100" b="0" dirty="0">
+                <a:solidFill>
+                  <a:srgbClr val="8B0000"/>
+                </a:solidFill>
+                <a:effectLst/>
+                <a:latin typeface="Consolas" panose="020B0609020204030204" pitchFamily="49" charset="0"/>
+              </a:rPr>
+              <a:t>\" -cert-file \"${</a:t>
+            </a:r>
+            <a:r>
+              <a:rPr lang="en-US" sz="1100" b="0" dirty="0" err="1">
+                <a:solidFill>
+                  <a:srgbClr val="8B0000"/>
+                </a:solidFill>
+                <a:effectLst/>
+                <a:latin typeface="Consolas" panose="020B0609020204030204" pitchFamily="49" charset="0"/>
+              </a:rPr>
+              <a:t>env:workFolder</a:t>
+            </a:r>
+            <a:r>
+              <a:rPr lang="en-US" sz="1100" b="0" dirty="0">
+                <a:solidFill>
+                  <a:srgbClr val="8B0000"/>
+                </a:solidFill>
+                <a:effectLst/>
+                <a:latin typeface="Consolas" panose="020B0609020204030204" pitchFamily="49" charset="0"/>
+              </a:rPr>
+              <a:t>}/website-tls.crt\" yuruna.com \"*.yuruna.com\" </a:t>
+            </a:r>
+            <a:r>
+              <a:rPr lang="en-US" sz="1100" b="0" dirty="0" err="1">
+                <a:solidFill>
+                  <a:srgbClr val="8B0000"/>
+                </a:solidFill>
+                <a:effectLst/>
+                <a:latin typeface="Consolas" panose="020B0609020204030204" pitchFamily="49" charset="0"/>
+              </a:rPr>
+              <a:t>yuruna.test</a:t>
+            </a:r>
+            <a:r>
+              <a:rPr lang="en-US" sz="1100" b="0" dirty="0">
+                <a:solidFill>
+                  <a:srgbClr val="8B0000"/>
+                </a:solidFill>
+                <a:effectLst/>
+                <a:latin typeface="Consolas" panose="020B0609020204030204" pitchFamily="49" charset="0"/>
+              </a:rPr>
+              <a:t> localhost 127.0.0.1 ::1</a:t>
+            </a:r>
+            <a:r>
+              <a:rPr lang="en-US" sz="1100" b="0" dirty="0">
+                <a:solidFill>
+                  <a:srgbClr val="000000"/>
+                </a:solidFill>
+                <a:effectLst/>
+                <a:latin typeface="Consolas" panose="020B0609020204030204" pitchFamily="49" charset="0"/>
+              </a:rPr>
+              <a:t>"</a:t>
+            </a:r>
+            <a:endParaRPr lang="en-US" sz="1100" b="0" dirty="0">
               <a:solidFill>
                 <a:srgbClr val="333333"/>
               </a:solidFill>
@@ -10692,12 +12509,612 @@
                 <a:spcPct val="100000"/>
               </a:lnSpc>
               <a:spcBef>
-                <a:spcPts val="200"/>
+                <a:spcPts val="0"/>
+              </a:spcBef>
+              <a:buNone/>
+            </a:pPr>
+            <a:r>
+              <a:rPr lang="en-US" sz="1100" b="0" dirty="0">
+                <a:solidFill>
+                  <a:srgbClr val="333333"/>
+                </a:solidFill>
+                <a:effectLst/>
+                <a:latin typeface="Consolas" panose="020B0609020204030204" pitchFamily="49" charset="0"/>
+              </a:rPr>
+              <a:t>  </a:t>
+            </a:r>
+            <a:r>
+              <a:rPr lang="en-US" sz="1100" b="0" dirty="0">
+                <a:solidFill>
+                  <a:srgbClr val="000000"/>
+                </a:solidFill>
+                <a:effectLst/>
+                <a:latin typeface="Consolas" panose="020B0609020204030204" pitchFamily="49" charset="0"/>
+              </a:rPr>
+              <a:t>-</a:t>
+            </a:r>
+            <a:r>
+              <a:rPr lang="en-US" sz="1100" b="0" dirty="0">
+                <a:solidFill>
+                  <a:srgbClr val="333333"/>
+                </a:solidFill>
+                <a:effectLst/>
+                <a:latin typeface="Consolas" panose="020B0609020204030204" pitchFamily="49" charset="0"/>
+              </a:rPr>
+              <a:t> </a:t>
+            </a:r>
+            <a:r>
+              <a:rPr lang="en-US" sz="1100" b="0" dirty="0" err="1">
+                <a:solidFill>
+                  <a:srgbClr val="8B0000"/>
+                </a:solidFill>
+                <a:effectLst/>
+                <a:latin typeface="Consolas" panose="020B0609020204030204" pitchFamily="49" charset="0"/>
+              </a:rPr>
+              <a:t>kubectl</a:t>
+            </a:r>
+            <a:r>
+              <a:rPr lang="en-US" sz="1100" b="0" dirty="0">
+                <a:solidFill>
+                  <a:srgbClr val="000000"/>
+                </a:solidFill>
+                <a:effectLst/>
+                <a:latin typeface="Consolas" panose="020B0609020204030204" pitchFamily="49" charset="0"/>
+              </a:rPr>
+              <a:t>:</a:t>
+            </a:r>
+            <a:r>
+              <a:rPr lang="en-US" sz="1100" b="0" dirty="0">
+                <a:solidFill>
+                  <a:srgbClr val="333333"/>
+                </a:solidFill>
+                <a:effectLst/>
+                <a:latin typeface="Consolas" panose="020B0609020204030204" pitchFamily="49" charset="0"/>
+              </a:rPr>
+              <a:t> </a:t>
+            </a:r>
+            <a:r>
+              <a:rPr lang="en-US" sz="1100" b="0" dirty="0">
+                <a:solidFill>
+                  <a:srgbClr val="000000"/>
+                </a:solidFill>
+                <a:effectLst/>
+                <a:latin typeface="Consolas" panose="020B0609020204030204" pitchFamily="49" charset="0"/>
+              </a:rPr>
+              <a:t>"</a:t>
+            </a:r>
+            <a:r>
+              <a:rPr lang="en-US" sz="1100" b="0" dirty="0">
+                <a:solidFill>
+                  <a:srgbClr val="8B0000"/>
+                </a:solidFill>
+                <a:effectLst/>
+                <a:latin typeface="Consolas" panose="020B0609020204030204" pitchFamily="49" charset="0"/>
+              </a:rPr>
+              <a:t>delete secret ${</a:t>
+            </a:r>
+            <a:r>
+              <a:rPr lang="en-US" sz="1100" b="0" dirty="0" err="1">
+                <a:solidFill>
+                  <a:srgbClr val="8B0000"/>
+                </a:solidFill>
+                <a:effectLst/>
+                <a:latin typeface="Consolas" panose="020B0609020204030204" pitchFamily="49" charset="0"/>
+              </a:rPr>
+              <a:t>env:websiteTlsSecret</a:t>
+            </a:r>
+            <a:r>
+              <a:rPr lang="en-US" sz="1100" b="0" dirty="0">
+                <a:solidFill>
+                  <a:srgbClr val="8B0000"/>
+                </a:solidFill>
+                <a:effectLst/>
+                <a:latin typeface="Consolas" panose="020B0609020204030204" pitchFamily="49" charset="0"/>
+              </a:rPr>
+              <a:t>}</a:t>
+            </a:r>
+            <a:r>
+              <a:rPr lang="en-US" sz="1100" b="0" dirty="0">
+                <a:solidFill>
+                  <a:srgbClr val="000000"/>
+                </a:solidFill>
+                <a:effectLst/>
+                <a:latin typeface="Consolas" panose="020B0609020204030204" pitchFamily="49" charset="0"/>
+              </a:rPr>
+              <a:t>"</a:t>
+            </a:r>
+            <a:endParaRPr lang="en-US" sz="1100" b="0" dirty="0">
+              <a:solidFill>
+                <a:srgbClr val="333333"/>
+              </a:solidFill>
+              <a:effectLst/>
+              <a:latin typeface="Consolas" panose="020B0609020204030204" pitchFamily="49" charset="0"/>
+            </a:endParaRPr>
+          </a:p>
+          <a:p>
+            <a:pPr marL="0" indent="0">
+              <a:lnSpc>
+                <a:spcPct val="100000"/>
+              </a:lnSpc>
+              <a:spcBef>
+                <a:spcPts val="0"/>
+              </a:spcBef>
+              <a:buNone/>
+            </a:pPr>
+            <a:r>
+              <a:rPr lang="en-US" sz="1100" b="0" dirty="0">
+                <a:solidFill>
+                  <a:srgbClr val="333333"/>
+                </a:solidFill>
+                <a:effectLst/>
+                <a:latin typeface="Consolas" panose="020B0609020204030204" pitchFamily="49" charset="0"/>
+              </a:rPr>
+              <a:t>  </a:t>
+            </a:r>
+            <a:r>
+              <a:rPr lang="en-US" sz="1100" b="0" dirty="0">
+                <a:solidFill>
+                  <a:srgbClr val="000000"/>
+                </a:solidFill>
+                <a:effectLst/>
+                <a:latin typeface="Consolas" panose="020B0609020204030204" pitchFamily="49" charset="0"/>
+              </a:rPr>
+              <a:t>-</a:t>
+            </a:r>
+            <a:r>
+              <a:rPr lang="en-US" sz="1100" b="0" dirty="0">
+                <a:solidFill>
+                  <a:srgbClr val="333333"/>
+                </a:solidFill>
+                <a:effectLst/>
+                <a:latin typeface="Consolas" panose="020B0609020204030204" pitchFamily="49" charset="0"/>
+              </a:rPr>
+              <a:t> </a:t>
+            </a:r>
+            <a:r>
+              <a:rPr lang="en-US" sz="1100" b="0" dirty="0" err="1">
+                <a:solidFill>
+                  <a:srgbClr val="8B0000"/>
+                </a:solidFill>
+                <a:effectLst/>
+                <a:latin typeface="Consolas" panose="020B0609020204030204" pitchFamily="49" charset="0"/>
+              </a:rPr>
+              <a:t>kubectl</a:t>
+            </a:r>
+            <a:r>
+              <a:rPr lang="en-US" sz="1100" b="0" dirty="0">
+                <a:solidFill>
+                  <a:srgbClr val="000000"/>
+                </a:solidFill>
+                <a:effectLst/>
+                <a:latin typeface="Consolas" panose="020B0609020204030204" pitchFamily="49" charset="0"/>
+              </a:rPr>
+              <a:t>:</a:t>
+            </a:r>
+            <a:r>
+              <a:rPr lang="en-US" sz="1100" b="0" dirty="0">
+                <a:solidFill>
+                  <a:srgbClr val="333333"/>
+                </a:solidFill>
+                <a:effectLst/>
+                <a:latin typeface="Consolas" panose="020B0609020204030204" pitchFamily="49" charset="0"/>
+              </a:rPr>
+              <a:t> </a:t>
+            </a:r>
+            <a:r>
+              <a:rPr lang="en-US" sz="1100" b="0" dirty="0">
+                <a:solidFill>
+                  <a:srgbClr val="000000"/>
+                </a:solidFill>
+                <a:effectLst/>
+                <a:latin typeface="Consolas" panose="020B0609020204030204" pitchFamily="49" charset="0"/>
+              </a:rPr>
+              <a:t>"</a:t>
+            </a:r>
+            <a:r>
+              <a:rPr lang="en-US" sz="1100" b="0" dirty="0">
+                <a:solidFill>
+                  <a:srgbClr val="8B0000"/>
+                </a:solidFill>
+                <a:effectLst/>
+                <a:latin typeface="Consolas" panose="020B0609020204030204" pitchFamily="49" charset="0"/>
+              </a:rPr>
+              <a:t>create secret </a:t>
+            </a:r>
+            <a:r>
+              <a:rPr lang="en-US" sz="1100" b="0" dirty="0" err="1">
+                <a:solidFill>
+                  <a:srgbClr val="8B0000"/>
+                </a:solidFill>
+                <a:effectLst/>
+                <a:latin typeface="Consolas" panose="020B0609020204030204" pitchFamily="49" charset="0"/>
+              </a:rPr>
+              <a:t>tls</a:t>
+            </a:r>
+            <a:r>
+              <a:rPr lang="en-US" sz="1100" b="0" dirty="0">
+                <a:solidFill>
+                  <a:srgbClr val="8B0000"/>
+                </a:solidFill>
+                <a:effectLst/>
+                <a:latin typeface="Consolas" panose="020B0609020204030204" pitchFamily="49" charset="0"/>
+              </a:rPr>
+              <a:t> ${</a:t>
+            </a:r>
+            <a:r>
+              <a:rPr lang="en-US" sz="1100" b="0" dirty="0" err="1">
+                <a:solidFill>
+                  <a:srgbClr val="8B0000"/>
+                </a:solidFill>
+                <a:effectLst/>
+                <a:latin typeface="Consolas" panose="020B0609020204030204" pitchFamily="49" charset="0"/>
+              </a:rPr>
+              <a:t>env:websiteTlsSecret</a:t>
+            </a:r>
+            <a:r>
+              <a:rPr lang="en-US" sz="1100" b="0" dirty="0">
+                <a:solidFill>
+                  <a:srgbClr val="8B0000"/>
+                </a:solidFill>
+                <a:effectLst/>
+                <a:latin typeface="Consolas" panose="020B0609020204030204" pitchFamily="49" charset="0"/>
+              </a:rPr>
+              <a:t>} --key \"${</a:t>
+            </a:r>
+            <a:r>
+              <a:rPr lang="en-US" sz="1100" b="0" dirty="0" err="1">
+                <a:solidFill>
+                  <a:srgbClr val="8B0000"/>
+                </a:solidFill>
+                <a:effectLst/>
+                <a:latin typeface="Consolas" panose="020B0609020204030204" pitchFamily="49" charset="0"/>
+              </a:rPr>
+              <a:t>env:workFolder</a:t>
+            </a:r>
+            <a:r>
+              <a:rPr lang="en-US" sz="1100" b="0" dirty="0">
+                <a:solidFill>
+                  <a:srgbClr val="8B0000"/>
+                </a:solidFill>
+                <a:effectLst/>
+                <a:latin typeface="Consolas" panose="020B0609020204030204" pitchFamily="49" charset="0"/>
+              </a:rPr>
+              <a:t>}/website-</a:t>
+            </a:r>
+            <a:r>
+              <a:rPr lang="en-US" sz="1100" b="0" dirty="0" err="1">
+                <a:solidFill>
+                  <a:srgbClr val="8B0000"/>
+                </a:solidFill>
+                <a:effectLst/>
+                <a:latin typeface="Consolas" panose="020B0609020204030204" pitchFamily="49" charset="0"/>
+              </a:rPr>
+              <a:t>tls.key</a:t>
+            </a:r>
+            <a:r>
+              <a:rPr lang="en-US" sz="1100" b="0" dirty="0">
+                <a:solidFill>
+                  <a:srgbClr val="8B0000"/>
+                </a:solidFill>
+                <a:effectLst/>
+                <a:latin typeface="Consolas" panose="020B0609020204030204" pitchFamily="49" charset="0"/>
+              </a:rPr>
+              <a:t>\" --cert \"${</a:t>
+            </a:r>
+            <a:r>
+              <a:rPr lang="en-US" sz="1100" b="0" dirty="0" err="1">
+                <a:solidFill>
+                  <a:srgbClr val="8B0000"/>
+                </a:solidFill>
+                <a:effectLst/>
+                <a:latin typeface="Consolas" panose="020B0609020204030204" pitchFamily="49" charset="0"/>
+              </a:rPr>
+              <a:t>env:workFolder</a:t>
+            </a:r>
+            <a:r>
+              <a:rPr lang="en-US" sz="1100" b="0" dirty="0">
+                <a:solidFill>
+                  <a:srgbClr val="8B0000"/>
+                </a:solidFill>
+                <a:effectLst/>
+                <a:latin typeface="Consolas" panose="020B0609020204030204" pitchFamily="49" charset="0"/>
+              </a:rPr>
+              <a:t>}/website-tls.crt\"</a:t>
+            </a:r>
+            <a:r>
+              <a:rPr lang="en-US" sz="1100" b="0" dirty="0">
+                <a:solidFill>
+                  <a:srgbClr val="000000"/>
+                </a:solidFill>
+                <a:effectLst/>
+                <a:latin typeface="Consolas" panose="020B0609020204030204" pitchFamily="49" charset="0"/>
+              </a:rPr>
+              <a:t>"</a:t>
+            </a:r>
+            <a:endParaRPr lang="en-US" sz="1100" b="0" dirty="0">
+              <a:solidFill>
+                <a:srgbClr val="333333"/>
+              </a:solidFill>
+              <a:effectLst/>
+              <a:latin typeface="Consolas" panose="020B0609020204030204" pitchFamily="49" charset="0"/>
+            </a:endParaRPr>
+          </a:p>
+          <a:p>
+            <a:pPr marL="0" indent="0">
+              <a:lnSpc>
+                <a:spcPct val="100000"/>
+              </a:lnSpc>
+              <a:spcBef>
+                <a:spcPts val="0"/>
+              </a:spcBef>
+              <a:buNone/>
+            </a:pPr>
+            <a:r>
+              <a:rPr lang="en-US" sz="1100" b="0" dirty="0">
+                <a:solidFill>
+                  <a:srgbClr val="333333"/>
+                </a:solidFill>
+                <a:effectLst/>
+                <a:latin typeface="Consolas" panose="020B0609020204030204" pitchFamily="49" charset="0"/>
+              </a:rPr>
+              <a:t>  </a:t>
+            </a:r>
+            <a:r>
+              <a:rPr lang="en-US" sz="1100" b="0" dirty="0">
+                <a:solidFill>
+                  <a:srgbClr val="000000"/>
+                </a:solidFill>
+                <a:effectLst/>
+                <a:latin typeface="Consolas" panose="020B0609020204030204" pitchFamily="49" charset="0"/>
+              </a:rPr>
+              <a:t>-</a:t>
+            </a:r>
+            <a:r>
+              <a:rPr lang="en-US" sz="1100" b="0" dirty="0">
+                <a:solidFill>
+                  <a:srgbClr val="333333"/>
+                </a:solidFill>
+                <a:effectLst/>
+                <a:latin typeface="Consolas" panose="020B0609020204030204" pitchFamily="49" charset="0"/>
+              </a:rPr>
+              <a:t> </a:t>
+            </a:r>
+            <a:r>
+              <a:rPr lang="en-US" sz="1100" b="0" dirty="0">
+                <a:solidFill>
+                  <a:srgbClr val="8B0000"/>
+                </a:solidFill>
+                <a:effectLst/>
+                <a:latin typeface="Consolas" panose="020B0609020204030204" pitchFamily="49" charset="0"/>
+              </a:rPr>
+              <a:t>shell</a:t>
+            </a:r>
+            <a:r>
+              <a:rPr lang="en-US" sz="1100" b="0" dirty="0">
+                <a:solidFill>
+                  <a:srgbClr val="000000"/>
+                </a:solidFill>
+                <a:effectLst/>
+                <a:latin typeface="Consolas" panose="020B0609020204030204" pitchFamily="49" charset="0"/>
+              </a:rPr>
+              <a:t>:</a:t>
+            </a:r>
+            <a:r>
+              <a:rPr lang="en-US" sz="1100" b="0" dirty="0">
+                <a:solidFill>
+                  <a:srgbClr val="333333"/>
+                </a:solidFill>
+                <a:effectLst/>
+                <a:latin typeface="Consolas" panose="020B0609020204030204" pitchFamily="49" charset="0"/>
+              </a:rPr>
+              <a:t> </a:t>
+            </a:r>
+            <a:r>
+              <a:rPr lang="en-US" sz="1100" b="0" dirty="0">
+                <a:solidFill>
+                  <a:srgbClr val="000000"/>
+                </a:solidFill>
+                <a:effectLst/>
+                <a:latin typeface="Consolas" panose="020B0609020204030204" pitchFamily="49" charset="0"/>
+              </a:rPr>
+              <a:t>"</a:t>
+            </a:r>
+            <a:r>
+              <a:rPr lang="en-US" sz="1100" b="0" dirty="0">
+                <a:solidFill>
+                  <a:srgbClr val="8B0000"/>
+                </a:solidFill>
+                <a:effectLst/>
+                <a:latin typeface="Consolas" panose="020B0609020204030204" pitchFamily="49" charset="0"/>
+              </a:rPr>
+              <a:t>Start-Sleep -s 59</a:t>
+            </a:r>
+            <a:r>
+              <a:rPr lang="en-US" sz="1100" b="0" dirty="0">
+                <a:solidFill>
+                  <a:srgbClr val="000000"/>
+                </a:solidFill>
+                <a:effectLst/>
+                <a:latin typeface="Consolas" panose="020B0609020204030204" pitchFamily="49" charset="0"/>
+              </a:rPr>
+              <a:t>"</a:t>
+            </a:r>
+            <a:endParaRPr lang="en-US" sz="1100" b="0" dirty="0">
+              <a:solidFill>
+                <a:srgbClr val="333333"/>
+              </a:solidFill>
+              <a:effectLst/>
+              <a:latin typeface="Consolas" panose="020B0609020204030204" pitchFamily="49" charset="0"/>
+            </a:endParaRPr>
+          </a:p>
+          <a:p>
+            <a:pPr marL="0" indent="0">
+              <a:lnSpc>
+                <a:spcPct val="100000"/>
+              </a:lnSpc>
+              <a:spcBef>
+                <a:spcPts val="0"/>
+              </a:spcBef>
+              <a:buNone/>
+            </a:pPr>
+            <a:r>
+              <a:rPr lang="en-US" sz="1100" b="0" dirty="0">
+                <a:solidFill>
+                  <a:srgbClr val="333333"/>
+                </a:solidFill>
+                <a:effectLst/>
+                <a:latin typeface="Consolas" panose="020B0609020204030204" pitchFamily="49" charset="0"/>
+              </a:rPr>
+              <a:t>  </a:t>
+            </a:r>
+            <a:r>
+              <a:rPr lang="en-US" sz="1100" b="0" dirty="0">
+                <a:solidFill>
+                  <a:srgbClr val="000000"/>
+                </a:solidFill>
+                <a:effectLst/>
+                <a:latin typeface="Consolas" panose="020B0609020204030204" pitchFamily="49" charset="0"/>
+              </a:rPr>
+              <a:t>-</a:t>
+            </a:r>
+            <a:r>
+              <a:rPr lang="en-US" sz="1100" b="0" dirty="0">
+                <a:solidFill>
+                  <a:srgbClr val="333333"/>
+                </a:solidFill>
+                <a:effectLst/>
+                <a:latin typeface="Consolas" panose="020B0609020204030204" pitchFamily="49" charset="0"/>
+              </a:rPr>
+              <a:t> </a:t>
+            </a:r>
+            <a:r>
+              <a:rPr lang="en-US" sz="1100" b="0" dirty="0">
+                <a:solidFill>
+                  <a:srgbClr val="8B0000"/>
+                </a:solidFill>
+                <a:effectLst/>
+                <a:latin typeface="Consolas" panose="020B0609020204030204" pitchFamily="49" charset="0"/>
+              </a:rPr>
+              <a:t>chart</a:t>
+            </a:r>
+            <a:r>
+              <a:rPr lang="en-US" sz="1100" b="0" dirty="0">
+                <a:solidFill>
+                  <a:srgbClr val="000000"/>
+                </a:solidFill>
+                <a:effectLst/>
+                <a:latin typeface="Consolas" panose="020B0609020204030204" pitchFamily="49" charset="0"/>
+              </a:rPr>
+              <a:t>:</a:t>
+            </a:r>
+            <a:r>
+              <a:rPr lang="en-US" sz="1100" b="0" dirty="0">
+                <a:solidFill>
+                  <a:srgbClr val="333333"/>
+                </a:solidFill>
+                <a:effectLst/>
+                <a:latin typeface="Consolas" panose="020B0609020204030204" pitchFamily="49" charset="0"/>
+              </a:rPr>
+              <a:t> </a:t>
+            </a:r>
+            <a:r>
+              <a:rPr lang="en-US" sz="1100" b="0" dirty="0">
+                <a:solidFill>
+                  <a:srgbClr val="000000"/>
+                </a:solidFill>
+                <a:effectLst/>
+                <a:latin typeface="Consolas" panose="020B0609020204030204" pitchFamily="49" charset="0"/>
+              </a:rPr>
+              <a:t>"</a:t>
+            </a:r>
+            <a:r>
+              <a:rPr lang="en-US" sz="1100" b="0" dirty="0">
+                <a:solidFill>
+                  <a:srgbClr val="8B0000"/>
+                </a:solidFill>
+                <a:effectLst/>
+                <a:latin typeface="Consolas" panose="020B0609020204030204" pitchFamily="49" charset="0"/>
+              </a:rPr>
+              <a:t>frontend/website</a:t>
+            </a:r>
+            <a:r>
+              <a:rPr lang="en-US" sz="1100" b="0" dirty="0">
+                <a:solidFill>
+                  <a:srgbClr val="000000"/>
+                </a:solidFill>
+                <a:effectLst/>
+                <a:latin typeface="Consolas" panose="020B0609020204030204" pitchFamily="49" charset="0"/>
+              </a:rPr>
+              <a:t>"</a:t>
+            </a:r>
+            <a:endParaRPr lang="en-US" sz="1100" b="0" dirty="0">
+              <a:solidFill>
+                <a:srgbClr val="333333"/>
+              </a:solidFill>
+              <a:effectLst/>
+              <a:latin typeface="Consolas" panose="020B0609020204030204" pitchFamily="49" charset="0"/>
+            </a:endParaRPr>
+          </a:p>
+          <a:p>
+            <a:pPr marL="0" indent="0">
+              <a:lnSpc>
+                <a:spcPct val="100000"/>
+              </a:lnSpc>
+              <a:spcBef>
+                <a:spcPts val="0"/>
+              </a:spcBef>
+              <a:buNone/>
+            </a:pPr>
+            <a:r>
+              <a:rPr lang="en-US" sz="1100" b="0" dirty="0">
+                <a:solidFill>
+                  <a:srgbClr val="333333"/>
+                </a:solidFill>
+                <a:effectLst/>
+                <a:latin typeface="Consolas" panose="020B0609020204030204" pitchFamily="49" charset="0"/>
+              </a:rPr>
+              <a:t>    </a:t>
+            </a:r>
+            <a:r>
+              <a:rPr lang="en-US" sz="1100" b="0" dirty="0">
+                <a:solidFill>
+                  <a:srgbClr val="8B0000"/>
+                </a:solidFill>
+                <a:effectLst/>
+                <a:latin typeface="Consolas" panose="020B0609020204030204" pitchFamily="49" charset="0"/>
+              </a:rPr>
+              <a:t>variables</a:t>
+            </a:r>
+            <a:r>
+              <a:rPr lang="en-US" sz="1100" b="0" dirty="0">
+                <a:solidFill>
+                  <a:srgbClr val="000000"/>
+                </a:solidFill>
+                <a:effectLst/>
+                <a:latin typeface="Consolas" panose="020B0609020204030204" pitchFamily="49" charset="0"/>
+              </a:rPr>
+              <a:t>:</a:t>
+            </a:r>
+            <a:endParaRPr lang="en-US" sz="1100" b="0" dirty="0">
+              <a:solidFill>
+                <a:srgbClr val="333333"/>
+              </a:solidFill>
+              <a:effectLst/>
+              <a:latin typeface="Consolas" panose="020B0609020204030204" pitchFamily="49" charset="0"/>
+            </a:endParaRPr>
+          </a:p>
+          <a:p>
+            <a:pPr marL="0" indent="0">
+              <a:lnSpc>
+                <a:spcPct val="100000"/>
+              </a:lnSpc>
+              <a:spcBef>
+                <a:spcPts val="0"/>
               </a:spcBef>
               <a:buNone/>
             </a:pPr>
             <a:br>
-              <a:rPr lang="en-US" sz="1200" b="0" dirty="0">
+              <a:rPr lang="en-US" sz="1100" b="0" dirty="0">
                 <a:solidFill>
                   <a:srgbClr val="333333"/>
                 </a:solidFill>
@@ -10705,7 +13122,7 @@
                 <a:latin typeface="Consolas" panose="020B0609020204030204" pitchFamily="49" charset="0"/>
               </a:rPr>
             </a:br>
-            <a:endParaRPr lang="en-US" sz="1200" b="0" dirty="0">
+            <a:endParaRPr lang="en-US" sz="1100" b="0" dirty="0">
               <a:solidFill>
                 <a:srgbClr val="333333"/>
               </a:solidFill>
@@ -10728,7 +13145,7 @@
 </p:sld>
 </file>
 
-<file path=ppt/slides/slide17.xml><?xml version="1.0" encoding="utf-8"?>
+<file path=ppt/slides/slide18.xml><?xml version="1.0" encoding="utf-8"?>
 <p:sld xmlns:a="http://schemas.openxmlformats.org/drawingml/2006/main" xmlns:r="http://schemas.openxmlformats.org/officeDocument/2006/relationships" xmlns:p="http://schemas.openxmlformats.org/presentationml/2006/main">
   <p:cSld>
     <p:spTree>
@@ -10993,6 +13410,139 @@
 </file>
 
 <file path=ppt/slides/slide3.xml><?xml version="1.0" encoding="utf-8"?>
+<p:sld xmlns:a="http://schemas.openxmlformats.org/drawingml/2006/main" xmlns:r="http://schemas.openxmlformats.org/officeDocument/2006/relationships" xmlns:p="http://schemas.openxmlformats.org/presentationml/2006/main">
+  <p:cSld>
+    <p:spTree>
+      <p:nvGrpSpPr>
+        <p:cNvPr id="1" name=""/>
+        <p:cNvGrpSpPr/>
+        <p:nvPr/>
+      </p:nvGrpSpPr>
+      <p:grpSpPr>
+        <a:xfrm>
+          <a:off x="0" y="0"/>
+          <a:ext cx="0" cy="0"/>
+          <a:chOff x="0" y="0"/>
+          <a:chExt cx="0" cy="0"/>
+        </a:xfrm>
+      </p:grpSpPr>
+      <p:sp>
+        <p:nvSpPr>
+          <p:cNvPr id="2" name="Title 1">
+            <a:extLst>
+              <a:ext uri="{FF2B5EF4-FFF2-40B4-BE49-F238E27FC236}">
+                <a16:creationId xmlns:a16="http://schemas.microsoft.com/office/drawing/2014/main" id="{74BA23E0-9BE0-4220-8957-B021322069A0}"/>
+              </a:ext>
+            </a:extLst>
+          </p:cNvPr>
+          <p:cNvSpPr>
+            <a:spLocks noGrp="1"/>
+          </p:cNvSpPr>
+          <p:nvPr>
+            <p:ph type="title"/>
+          </p:nvPr>
+        </p:nvSpPr>
+        <p:spPr/>
+        <p:txBody>
+          <a:bodyPr/>
+          <a:lstStyle/>
+          <a:p>
+            <a:r>
+              <a:rPr lang="en-US" dirty="0"/>
+              <a:t>Personas</a:t>
+            </a:r>
+          </a:p>
+        </p:txBody>
+      </p:sp>
+      <p:sp>
+        <p:nvSpPr>
+          <p:cNvPr id="3" name="Content Placeholder 2">
+            <a:extLst>
+              <a:ext uri="{FF2B5EF4-FFF2-40B4-BE49-F238E27FC236}">
+                <a16:creationId xmlns:a16="http://schemas.microsoft.com/office/drawing/2014/main" id="{DC6D8867-BB8D-4300-8DB5-26E13ECE1553}"/>
+              </a:ext>
+            </a:extLst>
+          </p:cNvPr>
+          <p:cNvSpPr>
+            <a:spLocks noGrp="1"/>
+          </p:cNvSpPr>
+          <p:nvPr>
+            <p:ph idx="1"/>
+          </p:nvPr>
+        </p:nvSpPr>
+        <p:spPr/>
+        <p:txBody>
+          <a:bodyPr/>
+          <a:lstStyle/>
+          <a:p>
+            <a:r>
+              <a:rPr lang="en-US" dirty="0"/>
+              <a:t>Developer using “applications”</a:t>
+            </a:r>
+          </a:p>
+          <a:p>
+            <a:pPr lvl="1"/>
+            <a:r>
+              <a:rPr lang="en-US" dirty="0"/>
+              <a:t>Just deploy application to their own resources created in their accounts</a:t>
+            </a:r>
+          </a:p>
+          <a:p>
+            <a:r>
+              <a:rPr lang="en-US" dirty="0"/>
+              <a:t>Developer configuring “applications”</a:t>
+            </a:r>
+          </a:p>
+          <a:p>
+            <a:pPr lvl="1"/>
+            <a:r>
+              <a:rPr lang="en-US" dirty="0"/>
+              <a:t>Will pick resource templates and components, and configure how those are deployed as workloads</a:t>
+            </a:r>
+          </a:p>
+          <a:p>
+            <a:r>
+              <a:rPr lang="en-US" dirty="0"/>
+              <a:t>Developers creating artifacts</a:t>
+            </a:r>
+          </a:p>
+          <a:p>
+            <a:pPr lvl="1"/>
+            <a:r>
+              <a:rPr lang="en-US" dirty="0"/>
+              <a:t>Create a configurable Terraform template</a:t>
+            </a:r>
+          </a:p>
+          <a:p>
+            <a:pPr lvl="1"/>
+            <a:r>
+              <a:rPr lang="en-US" dirty="0"/>
+              <a:t>Create a component</a:t>
+            </a:r>
+          </a:p>
+          <a:p>
+            <a:pPr lvl="1"/>
+            <a:r>
+              <a:rPr lang="en-US" dirty="0"/>
+              <a:t>Create a Helm chart</a:t>
+            </a:r>
+          </a:p>
+        </p:txBody>
+      </p:sp>
+    </p:spTree>
+    <p:extLst>
+      <p:ext uri="{BB962C8B-B14F-4D97-AF65-F5344CB8AC3E}">
+        <p14:creationId xmlns:p14="http://schemas.microsoft.com/office/powerpoint/2010/main" val="1223496519"/>
+      </p:ext>
+    </p:extLst>
+  </p:cSld>
+  <p:clrMapOvr>
+    <a:masterClrMapping/>
+  </p:clrMapOvr>
+</p:sld>
+</file>
+
+<file path=ppt/slides/slide4.xml><?xml version="1.0" encoding="utf-8"?>
 <p:sld xmlns:a="http://schemas.openxmlformats.org/drawingml/2006/main" xmlns:r="http://schemas.openxmlformats.org/officeDocument/2006/relationships" xmlns:p="http://schemas.openxmlformats.org/presentationml/2006/main">
   <p:cSld>
     <p:spTree>
@@ -11680,7 +14230,7 @@
 </p:sld>
 </file>
 
-<file path=ppt/slides/slide4.xml><?xml version="1.0" encoding="utf-8"?>
+<file path=ppt/slides/slide5.xml><?xml version="1.0" encoding="utf-8"?>
 <p:sld xmlns:a="http://schemas.openxmlformats.org/drawingml/2006/main" xmlns:r="http://schemas.openxmlformats.org/officeDocument/2006/relationships" xmlns:p="http://schemas.openxmlformats.org/presentationml/2006/main">
   <p:cSld>
     <p:spTree>
@@ -12643,7 +15193,7 @@
 </p:sld>
 </file>
 
-<file path=ppt/slides/slide5.xml><?xml version="1.0" encoding="utf-8"?>
+<file path=ppt/slides/slide6.xml><?xml version="1.0" encoding="utf-8"?>
 <p:sld xmlns:a="http://schemas.openxmlformats.org/drawingml/2006/main" xmlns:r="http://schemas.openxmlformats.org/officeDocument/2006/relationships" xmlns:p="http://schemas.openxmlformats.org/presentationml/2006/main">
   <p:cSld>
     <p:spTree>
@@ -13631,7 +16181,7 @@
 </p:sld>
 </file>
 
-<file path=ppt/slides/slide6.xml><?xml version="1.0" encoding="utf-8"?>
+<file path=ppt/slides/slide7.xml><?xml version="1.0" encoding="utf-8"?>
 <p:sld xmlns:a="http://schemas.openxmlformats.org/drawingml/2006/main" xmlns:r="http://schemas.openxmlformats.org/officeDocument/2006/relationships" xmlns:p="http://schemas.openxmlformats.org/presentationml/2006/main">
   <p:cSld>
     <p:spTree>
@@ -14706,7 +17256,7 @@
 </p:sld>
 </file>
 
-<file path=ppt/slides/slide7.xml><?xml version="1.0" encoding="utf-8"?>
+<file path=ppt/slides/slide8.xml><?xml version="1.0" encoding="utf-8"?>
 <p:sld xmlns:a="http://schemas.openxmlformats.org/drawingml/2006/main" xmlns:r="http://schemas.openxmlformats.org/officeDocument/2006/relationships" xmlns:p="http://schemas.openxmlformats.org/presentationml/2006/main">
   <p:cSld>
     <p:spTree>
@@ -15430,7 +17980,7 @@
 </p:sld>
 </file>
 
-<file path=ppt/slides/slide8.xml><?xml version="1.0" encoding="utf-8"?>
+<file path=ppt/slides/slide9.xml><?xml version="1.0" encoding="utf-8"?>
 <p:sld xmlns:a="http://schemas.openxmlformats.org/drawingml/2006/main" xmlns:r="http://schemas.openxmlformats.org/officeDocument/2006/relationships" xmlns:p="http://schemas.openxmlformats.org/presentationml/2006/main">
   <p:cSld>
     <p:spTree>
@@ -16524,1062 +19074,6 @@
     <p:extLst>
       <p:ext uri="{BB962C8B-B14F-4D97-AF65-F5344CB8AC3E}">
         <p14:creationId xmlns:p14="http://schemas.microsoft.com/office/powerpoint/2010/main" val="342250013"/>
-      </p:ext>
-    </p:extLst>
-  </p:cSld>
-  <p:clrMapOvr>
-    <a:masterClrMapping/>
-  </p:clrMapOvr>
-</p:sld>
-</file>
-
-<file path=ppt/slides/slide9.xml><?xml version="1.0" encoding="utf-8"?>
-<p:sld xmlns:a="http://schemas.openxmlformats.org/drawingml/2006/main" xmlns:r="http://schemas.openxmlformats.org/officeDocument/2006/relationships" xmlns:p="http://schemas.openxmlformats.org/presentationml/2006/main">
-  <p:cSld>
-    <p:spTree>
-      <p:nvGrpSpPr>
-        <p:cNvPr id="1" name=""/>
-        <p:cNvGrpSpPr/>
-        <p:nvPr/>
-      </p:nvGrpSpPr>
-      <p:grpSpPr>
-        <a:xfrm>
-          <a:off x="0" y="0"/>
-          <a:ext cx="0" cy="0"/>
-          <a:chOff x="0" y="0"/>
-          <a:chExt cx="0" cy="0"/>
-        </a:xfrm>
-      </p:grpSpPr>
-      <p:pic>
-        <p:nvPicPr>
-          <p:cNvPr id="13" name="Picture 12">
-            <a:extLst>
-              <a:ext uri="{FF2B5EF4-FFF2-40B4-BE49-F238E27FC236}">
-                <a16:creationId xmlns:a16="http://schemas.microsoft.com/office/drawing/2014/main" id="{37AB577B-3853-4E5C-9F59-23711C94526C}"/>
-              </a:ext>
-            </a:extLst>
-          </p:cNvPr>
-          <p:cNvPicPr>
-            <a:picLocks noChangeAspect="1"/>
-          </p:cNvPicPr>
-          <p:nvPr/>
-        </p:nvPicPr>
-        <p:blipFill>
-          <a:blip r:embed="rId2"/>
-          <a:stretch>
-            <a:fillRect/>
-          </a:stretch>
-        </p:blipFill>
-        <p:spPr>
-          <a:xfrm>
-            <a:off x="11088554" y="1732689"/>
-            <a:ext cx="910269" cy="3769281"/>
-          </a:xfrm>
-          <a:prstGeom prst="rect">
-            <a:avLst/>
-          </a:prstGeom>
-        </p:spPr>
-      </p:pic>
-      <p:pic>
-        <p:nvPicPr>
-          <p:cNvPr id="6" name="Picture 5">
-            <a:extLst>
-              <a:ext uri="{FF2B5EF4-FFF2-40B4-BE49-F238E27FC236}">
-                <a16:creationId xmlns:a16="http://schemas.microsoft.com/office/drawing/2014/main" id="{5BE6D8BA-6343-4C0F-8DC7-367A494AE657}"/>
-              </a:ext>
-            </a:extLst>
-          </p:cNvPr>
-          <p:cNvPicPr>
-            <a:picLocks noChangeAspect="1"/>
-          </p:cNvPicPr>
-          <p:nvPr/>
-        </p:nvPicPr>
-        <p:blipFill>
-          <a:blip r:embed="rId3"/>
-          <a:stretch>
-            <a:fillRect/>
-          </a:stretch>
-        </p:blipFill>
-        <p:spPr>
-          <a:xfrm>
-            <a:off x="8284744" y="365125"/>
-            <a:ext cx="1454423" cy="6235566"/>
-          </a:xfrm>
-          <a:prstGeom prst="rect">
-            <a:avLst/>
-          </a:prstGeom>
-        </p:spPr>
-      </p:pic>
-      <p:sp>
-        <p:nvSpPr>
-          <p:cNvPr id="2" name="Title 1">
-            <a:extLst>
-              <a:ext uri="{FF2B5EF4-FFF2-40B4-BE49-F238E27FC236}">
-                <a16:creationId xmlns:a16="http://schemas.microsoft.com/office/drawing/2014/main" id="{BAA5B508-3DC3-4585-BAF2-C5D0DADD42CA}"/>
-              </a:ext>
-            </a:extLst>
-          </p:cNvPr>
-          <p:cNvSpPr>
-            <a:spLocks noGrp="1"/>
-          </p:cNvSpPr>
-          <p:nvPr>
-            <p:ph type="title"/>
-          </p:nvPr>
-        </p:nvSpPr>
-        <p:spPr/>
-        <p:txBody>
-          <a:bodyPr>
-            <a:normAutofit/>
-          </a:bodyPr>
-          <a:lstStyle/>
-          <a:p>
-            <a:r>
-              <a:rPr lang="en-US" sz="3600" b="1" dirty="0" err="1">
-                <a:latin typeface="Courier New" panose="02070309020205020404" pitchFamily="49" charset="0"/>
-                <a:cs typeface="Courier New" panose="02070309020205020404" pitchFamily="49" charset="0"/>
-              </a:rPr>
-              <a:t>yuruna</a:t>
-            </a:r>
-            <a:r>
-              <a:rPr lang="en-US" sz="3600" b="1" dirty="0">
-                <a:latin typeface="Courier New" panose="02070309020205020404" pitchFamily="49" charset="0"/>
-                <a:cs typeface="Courier New" panose="02070309020205020404" pitchFamily="49" charset="0"/>
-              </a:rPr>
-              <a:t> components</a:t>
-            </a:r>
-          </a:p>
-        </p:txBody>
-      </p:sp>
-      <p:sp>
-        <p:nvSpPr>
-          <p:cNvPr id="5" name="Content Placeholder 4">
-            <a:extLst>
-              <a:ext uri="{FF2B5EF4-FFF2-40B4-BE49-F238E27FC236}">
-                <a16:creationId xmlns:a16="http://schemas.microsoft.com/office/drawing/2014/main" id="{6FA7A1CF-9381-46A8-8D77-DFEAC551F97E}"/>
-              </a:ext>
-            </a:extLst>
-          </p:cNvPr>
-          <p:cNvSpPr>
-            <a:spLocks noGrp="1"/>
-          </p:cNvSpPr>
-          <p:nvPr>
-            <p:ph idx="1"/>
-          </p:nvPr>
-        </p:nvSpPr>
-        <p:spPr/>
-        <p:txBody>
-          <a:bodyPr/>
-          <a:lstStyle/>
-          <a:p>
-            <a:r>
-              <a:rPr lang="en-US" dirty="0"/>
-              <a:t>For each component in </a:t>
-            </a:r>
-            <a:r>
-              <a:rPr lang="en-US" sz="2000" b="1" dirty="0" err="1">
-                <a:latin typeface="Courier New" panose="02070309020205020404" pitchFamily="49" charset="0"/>
-                <a:cs typeface="Courier New" panose="02070309020205020404" pitchFamily="49" charset="0"/>
-              </a:rPr>
-              <a:t>components.yml</a:t>
-            </a:r>
-            <a:endParaRPr lang="en-US" b="1" dirty="0">
-              <a:latin typeface="Courier New" panose="02070309020205020404" pitchFamily="49" charset="0"/>
-              <a:cs typeface="Courier New" panose="02070309020205020404" pitchFamily="49" charset="0"/>
-            </a:endParaRPr>
-          </a:p>
-          <a:p>
-            <a:pPr lvl="1"/>
-            <a:r>
-              <a:rPr lang="en-US" dirty="0"/>
-              <a:t>execute build command in the folder</a:t>
-            </a:r>
-          </a:p>
-          <a:p>
-            <a:pPr lvl="2"/>
-            <a:r>
-              <a:rPr lang="en-US" dirty="0"/>
-              <a:t>command is parameter in </a:t>
-            </a:r>
-            <a:r>
-              <a:rPr lang="en-US" sz="1600" b="1" dirty="0" err="1">
-                <a:latin typeface="Courier New" panose="02070309020205020404" pitchFamily="49" charset="0"/>
-                <a:cs typeface="Courier New" panose="02070309020205020404" pitchFamily="49" charset="0"/>
-              </a:rPr>
-              <a:t>components.yml</a:t>
-            </a:r>
-            <a:endParaRPr lang="en-US" b="1" dirty="0">
-              <a:latin typeface="Courier New" panose="02070309020205020404" pitchFamily="49" charset="0"/>
-              <a:cs typeface="Courier New" panose="02070309020205020404" pitchFamily="49" charset="0"/>
-            </a:endParaRPr>
-          </a:p>
-          <a:p>
-            <a:pPr lvl="1"/>
-            <a:r>
-              <a:rPr lang="en-US" dirty="0"/>
-              <a:t>push component to registry</a:t>
-            </a:r>
-          </a:p>
-          <a:p>
-            <a:endParaRPr lang="en-US" dirty="0"/>
-          </a:p>
-        </p:txBody>
-      </p:sp>
-      <p:pic>
-        <p:nvPicPr>
-          <p:cNvPr id="16" name="Picture 15">
-            <a:extLst>
-              <a:ext uri="{FF2B5EF4-FFF2-40B4-BE49-F238E27FC236}">
-                <a16:creationId xmlns:a16="http://schemas.microsoft.com/office/drawing/2014/main" id="{DF51500E-608D-41DF-A517-BE66868185AB}"/>
-              </a:ext>
-            </a:extLst>
-          </p:cNvPr>
-          <p:cNvPicPr>
-            <a:picLocks noChangeAspect="1"/>
-          </p:cNvPicPr>
-          <p:nvPr/>
-        </p:nvPicPr>
-        <p:blipFill>
-          <a:blip r:embed="rId4"/>
-          <a:stretch>
-            <a:fillRect/>
-          </a:stretch>
-        </p:blipFill>
-        <p:spPr>
-          <a:xfrm>
-            <a:off x="5705244" y="4433886"/>
-            <a:ext cx="1302327" cy="1371600"/>
-          </a:xfrm>
-          <a:prstGeom prst="rect">
-            <a:avLst/>
-          </a:prstGeom>
-        </p:spPr>
-      </p:pic>
-      <p:sp>
-        <p:nvSpPr>
-          <p:cNvPr id="25" name="Freeform: Shape 24">
-            <a:extLst>
-              <a:ext uri="{FF2B5EF4-FFF2-40B4-BE49-F238E27FC236}">
-                <a16:creationId xmlns:a16="http://schemas.microsoft.com/office/drawing/2014/main" id="{2277F86E-B3C3-4B27-9061-70B963263031}"/>
-              </a:ext>
-            </a:extLst>
-          </p:cNvPr>
-          <p:cNvSpPr/>
-          <p:nvPr/>
-        </p:nvSpPr>
-        <p:spPr>
-          <a:xfrm>
-            <a:off x="6997478" y="821410"/>
-            <a:ext cx="1524000" cy="3771254"/>
-          </a:xfrm>
-          <a:custGeom>
-            <a:avLst/>
-            <a:gdLst>
-              <a:gd name="connsiteX0" fmla="*/ 0 w 1524000"/>
-              <a:gd name="connsiteY0" fmla="*/ 3771254 h 3771254"/>
-              <a:gd name="connsiteX1" fmla="*/ 485614 w 1524000"/>
-              <a:gd name="connsiteY1" fmla="*/ 1678983 h 3771254"/>
-              <a:gd name="connsiteX2" fmla="*/ 738753 w 1524000"/>
-              <a:gd name="connsiteY2" fmla="*/ 247973 h 3771254"/>
-              <a:gd name="connsiteX3" fmla="*/ 1524000 w 1524000"/>
-              <a:gd name="connsiteY3" fmla="*/ 0 h 3771254"/>
-            </a:gdLst>
-            <a:ahLst/>
-            <a:cxnLst>
-              <a:cxn ang="0">
-                <a:pos x="connsiteX0" y="connsiteY0"/>
-              </a:cxn>
-              <a:cxn ang="0">
-                <a:pos x="connsiteX1" y="connsiteY1"/>
-              </a:cxn>
-              <a:cxn ang="0">
-                <a:pos x="connsiteX2" y="connsiteY2"/>
-              </a:cxn>
-              <a:cxn ang="0">
-                <a:pos x="connsiteX3" y="connsiteY3"/>
-              </a:cxn>
-            </a:cxnLst>
-            <a:rect l="l" t="t" r="r" b="b"/>
-            <a:pathLst>
-              <a:path w="1524000" h="3771254">
-                <a:moveTo>
-                  <a:pt x="0" y="3771254"/>
-                </a:moveTo>
-                <a:cubicBezTo>
-                  <a:pt x="181244" y="3018725"/>
-                  <a:pt x="362489" y="2266196"/>
-                  <a:pt x="485614" y="1678983"/>
-                </a:cubicBezTo>
-                <a:cubicBezTo>
-                  <a:pt x="608740" y="1091769"/>
-                  <a:pt x="565689" y="527803"/>
-                  <a:pt x="738753" y="247973"/>
-                </a:cubicBezTo>
-                <a:cubicBezTo>
-                  <a:pt x="911817" y="-31857"/>
-                  <a:pt x="1410346" y="7749"/>
-                  <a:pt x="1524000" y="0"/>
-                </a:cubicBezTo>
-              </a:path>
-            </a:pathLst>
-          </a:custGeom>
-          <a:noFill/>
-          <a:ln w="38100" cap="rnd">
-            <a:solidFill>
-              <a:srgbClr val="0070C0"/>
-            </a:solidFill>
-            <a:prstDash val="sysDot"/>
-            <a:tailEnd type="stealth" w="lg" len="lg"/>
-          </a:ln>
-        </p:spPr>
-        <p:style>
-          <a:lnRef idx="2">
-            <a:schemeClr val="accent1">
-              <a:shade val="50000"/>
-            </a:schemeClr>
-          </a:lnRef>
-          <a:fillRef idx="1">
-            <a:schemeClr val="accent1"/>
-          </a:fillRef>
-          <a:effectRef idx="0">
-            <a:schemeClr val="accent1"/>
-          </a:effectRef>
-          <a:fontRef idx="minor">
-            <a:schemeClr val="lt1"/>
-          </a:fontRef>
-        </p:style>
-        <p:txBody>
-          <a:bodyPr rtlCol="0" anchor="ctr"/>
-          <a:lstStyle/>
-          <a:p>
-            <a:pPr algn="ctr"/>
-            <a:endParaRPr lang="en-US"/>
-          </a:p>
-        </p:txBody>
-      </p:sp>
-      <p:sp>
-        <p:nvSpPr>
-          <p:cNvPr id="26" name="Freeform: Shape 25">
-            <a:extLst>
-              <a:ext uri="{FF2B5EF4-FFF2-40B4-BE49-F238E27FC236}">
-                <a16:creationId xmlns:a16="http://schemas.microsoft.com/office/drawing/2014/main" id="{34533381-159E-4344-90F6-599A49FFB7EE}"/>
-              </a:ext>
-            </a:extLst>
-          </p:cNvPr>
-          <p:cNvSpPr/>
-          <p:nvPr/>
-        </p:nvSpPr>
-        <p:spPr>
-          <a:xfrm>
-            <a:off x="6992312" y="2520645"/>
-            <a:ext cx="1534332" cy="2325158"/>
-          </a:xfrm>
-          <a:custGeom>
-            <a:avLst/>
-            <a:gdLst>
-              <a:gd name="connsiteX0" fmla="*/ 0 w 1534332"/>
-              <a:gd name="connsiteY0" fmla="*/ 2325158 h 2325158"/>
-              <a:gd name="connsiteX1" fmla="*/ 630264 w 1534332"/>
-              <a:gd name="connsiteY1" fmla="*/ 1390094 h 2325158"/>
-              <a:gd name="connsiteX2" fmla="*/ 1048719 w 1534332"/>
-              <a:gd name="connsiteY2" fmla="*/ 227721 h 2325158"/>
-              <a:gd name="connsiteX3" fmla="*/ 1534332 w 1534332"/>
-              <a:gd name="connsiteY3" fmla="*/ 413 h 2325158"/>
-            </a:gdLst>
-            <a:ahLst/>
-            <a:cxnLst>
-              <a:cxn ang="0">
-                <a:pos x="connsiteX0" y="connsiteY0"/>
-              </a:cxn>
-              <a:cxn ang="0">
-                <a:pos x="connsiteX1" y="connsiteY1"/>
-              </a:cxn>
-              <a:cxn ang="0">
-                <a:pos x="connsiteX2" y="connsiteY2"/>
-              </a:cxn>
-              <a:cxn ang="0">
-                <a:pos x="connsiteX3" y="connsiteY3"/>
-              </a:cxn>
-            </a:cxnLst>
-            <a:rect l="l" t="t" r="r" b="b"/>
-            <a:pathLst>
-              <a:path w="1534332" h="2325158">
-                <a:moveTo>
-                  <a:pt x="0" y="2325158"/>
-                </a:moveTo>
-                <a:cubicBezTo>
-                  <a:pt x="227739" y="2032412"/>
-                  <a:pt x="455478" y="1739667"/>
-                  <a:pt x="630264" y="1390094"/>
-                </a:cubicBezTo>
-                <a:cubicBezTo>
-                  <a:pt x="805051" y="1040521"/>
-                  <a:pt x="898041" y="459334"/>
-                  <a:pt x="1048719" y="227721"/>
-                </a:cubicBezTo>
-                <a:cubicBezTo>
-                  <a:pt x="1199397" y="-3892"/>
-                  <a:pt x="1366864" y="-1740"/>
-                  <a:pt x="1534332" y="413"/>
-                </a:cubicBezTo>
-              </a:path>
-            </a:pathLst>
-          </a:custGeom>
-          <a:noFill/>
-          <a:ln w="38100" cap="rnd">
-            <a:solidFill>
-              <a:srgbClr val="0070C0"/>
-            </a:solidFill>
-            <a:prstDash val="sysDot"/>
-            <a:tailEnd type="stealth" w="lg" len="lg"/>
-          </a:ln>
-        </p:spPr>
-        <p:style>
-          <a:lnRef idx="2">
-            <a:schemeClr val="accent1">
-              <a:shade val="50000"/>
-            </a:schemeClr>
-          </a:lnRef>
-          <a:fillRef idx="1">
-            <a:schemeClr val="accent1"/>
-          </a:fillRef>
-          <a:effectRef idx="0">
-            <a:schemeClr val="accent1"/>
-          </a:effectRef>
-          <a:fontRef idx="minor">
-            <a:schemeClr val="lt1"/>
-          </a:fontRef>
-        </p:style>
-        <p:txBody>
-          <a:bodyPr rtlCol="0" anchor="ctr"/>
-          <a:lstStyle/>
-          <a:p>
-            <a:pPr algn="ctr"/>
-            <a:endParaRPr lang="en-US"/>
-          </a:p>
-        </p:txBody>
-      </p:sp>
-      <p:sp>
-        <p:nvSpPr>
-          <p:cNvPr id="27" name="Freeform: Shape 26">
-            <a:extLst>
-              <a:ext uri="{FF2B5EF4-FFF2-40B4-BE49-F238E27FC236}">
-                <a16:creationId xmlns:a16="http://schemas.microsoft.com/office/drawing/2014/main" id="{074F2D2C-DD06-4225-B881-620F7936D6BA}"/>
-              </a:ext>
-            </a:extLst>
-          </p:cNvPr>
-          <p:cNvSpPr/>
-          <p:nvPr/>
-        </p:nvSpPr>
-        <p:spPr>
-          <a:xfrm>
-            <a:off x="6992312" y="4016542"/>
-            <a:ext cx="1529166" cy="1113397"/>
-          </a:xfrm>
-          <a:custGeom>
-            <a:avLst/>
-            <a:gdLst>
-              <a:gd name="connsiteX0" fmla="*/ 0 w 1529166"/>
-              <a:gd name="connsiteY0" fmla="*/ 1113397 h 1113397"/>
-              <a:gd name="connsiteX1" fmla="*/ 749085 w 1529166"/>
-              <a:gd name="connsiteY1" fmla="*/ 617451 h 1113397"/>
-              <a:gd name="connsiteX2" fmla="*/ 1245030 w 1529166"/>
-              <a:gd name="connsiteY2" fmla="*/ 85343 h 1113397"/>
-              <a:gd name="connsiteX3" fmla="*/ 1529166 w 1529166"/>
-              <a:gd name="connsiteY3" fmla="*/ 7851 h 1113397"/>
-            </a:gdLst>
-            <a:ahLst/>
-            <a:cxnLst>
-              <a:cxn ang="0">
-                <a:pos x="connsiteX0" y="connsiteY0"/>
-              </a:cxn>
-              <a:cxn ang="0">
-                <a:pos x="connsiteX1" y="connsiteY1"/>
-              </a:cxn>
-              <a:cxn ang="0">
-                <a:pos x="connsiteX2" y="connsiteY2"/>
-              </a:cxn>
-              <a:cxn ang="0">
-                <a:pos x="connsiteX3" y="connsiteY3"/>
-              </a:cxn>
-            </a:cxnLst>
-            <a:rect l="l" t="t" r="r" b="b"/>
-            <a:pathLst>
-              <a:path w="1529166" h="1113397">
-                <a:moveTo>
-                  <a:pt x="0" y="1113397"/>
-                </a:moveTo>
-                <a:cubicBezTo>
-                  <a:pt x="270790" y="951095"/>
-                  <a:pt x="541580" y="788793"/>
-                  <a:pt x="749085" y="617451"/>
-                </a:cubicBezTo>
-                <a:cubicBezTo>
-                  <a:pt x="956590" y="446109"/>
-                  <a:pt x="1115017" y="186943"/>
-                  <a:pt x="1245030" y="85343"/>
-                </a:cubicBezTo>
-                <a:cubicBezTo>
-                  <a:pt x="1375043" y="-16257"/>
-                  <a:pt x="1452104" y="-4203"/>
-                  <a:pt x="1529166" y="7851"/>
-                </a:cubicBezTo>
-              </a:path>
-            </a:pathLst>
-          </a:custGeom>
-          <a:noFill/>
-          <a:ln w="38100" cap="rnd">
-            <a:solidFill>
-              <a:srgbClr val="0070C0"/>
-            </a:solidFill>
-            <a:prstDash val="sysDot"/>
-            <a:tailEnd type="stealth" w="lg" len="lg"/>
-          </a:ln>
-        </p:spPr>
-        <p:style>
-          <a:lnRef idx="2">
-            <a:schemeClr val="accent1">
-              <a:shade val="50000"/>
-            </a:schemeClr>
-          </a:lnRef>
-          <a:fillRef idx="1">
-            <a:schemeClr val="accent1"/>
-          </a:fillRef>
-          <a:effectRef idx="0">
-            <a:schemeClr val="accent1"/>
-          </a:effectRef>
-          <a:fontRef idx="minor">
-            <a:schemeClr val="lt1"/>
-          </a:fontRef>
-        </p:style>
-        <p:txBody>
-          <a:bodyPr rtlCol="0" anchor="ctr"/>
-          <a:lstStyle/>
-          <a:p>
-            <a:pPr algn="ctr"/>
-            <a:endParaRPr lang="en-US"/>
-          </a:p>
-        </p:txBody>
-      </p:sp>
-      <p:sp>
-        <p:nvSpPr>
-          <p:cNvPr id="28" name="Freeform: Shape 27">
-            <a:extLst>
-              <a:ext uri="{FF2B5EF4-FFF2-40B4-BE49-F238E27FC236}">
-                <a16:creationId xmlns:a16="http://schemas.microsoft.com/office/drawing/2014/main" id="{60AEBB47-4F95-49DD-BA3F-E01CCC43E285}"/>
-              </a:ext>
-            </a:extLst>
-          </p:cNvPr>
-          <p:cNvSpPr/>
-          <p:nvPr/>
-        </p:nvSpPr>
-        <p:spPr>
-          <a:xfrm>
-            <a:off x="6997478" y="5414075"/>
-            <a:ext cx="1513668" cy="459783"/>
-          </a:xfrm>
-          <a:custGeom>
-            <a:avLst/>
-            <a:gdLst>
-              <a:gd name="connsiteX0" fmla="*/ 0 w 1513668"/>
-              <a:gd name="connsiteY0" fmla="*/ 0 h 459783"/>
-              <a:gd name="connsiteX1" fmla="*/ 470115 w 1513668"/>
-              <a:gd name="connsiteY1" fmla="*/ 123986 h 459783"/>
-              <a:gd name="connsiteX2" fmla="*/ 919566 w 1513668"/>
-              <a:gd name="connsiteY2" fmla="*/ 366793 h 459783"/>
-              <a:gd name="connsiteX3" fmla="*/ 1513668 w 1513668"/>
-              <a:gd name="connsiteY3" fmla="*/ 459783 h 459783"/>
-            </a:gdLst>
-            <a:ahLst/>
-            <a:cxnLst>
-              <a:cxn ang="0">
-                <a:pos x="connsiteX0" y="connsiteY0"/>
-              </a:cxn>
-              <a:cxn ang="0">
-                <a:pos x="connsiteX1" y="connsiteY1"/>
-              </a:cxn>
-              <a:cxn ang="0">
-                <a:pos x="connsiteX2" y="connsiteY2"/>
-              </a:cxn>
-              <a:cxn ang="0">
-                <a:pos x="connsiteX3" y="connsiteY3"/>
-              </a:cxn>
-            </a:cxnLst>
-            <a:rect l="l" t="t" r="r" b="b"/>
-            <a:pathLst>
-              <a:path w="1513668" h="459783">
-                <a:moveTo>
-                  <a:pt x="0" y="0"/>
-                </a:moveTo>
-                <a:cubicBezTo>
-                  <a:pt x="158427" y="31427"/>
-                  <a:pt x="316854" y="62854"/>
-                  <a:pt x="470115" y="123986"/>
-                </a:cubicBezTo>
-                <a:cubicBezTo>
-                  <a:pt x="623376" y="185118"/>
-                  <a:pt x="745641" y="310827"/>
-                  <a:pt x="919566" y="366793"/>
-                </a:cubicBezTo>
-                <a:cubicBezTo>
-                  <a:pt x="1093491" y="422759"/>
-                  <a:pt x="1303579" y="441271"/>
-                  <a:pt x="1513668" y="459783"/>
-                </a:cubicBezTo>
-              </a:path>
-            </a:pathLst>
-          </a:custGeom>
-          <a:noFill/>
-          <a:ln w="38100" cap="rnd">
-            <a:solidFill>
-              <a:srgbClr val="0070C0"/>
-            </a:solidFill>
-            <a:prstDash val="sysDot"/>
-            <a:tailEnd type="stealth" w="lg" len="lg"/>
-          </a:ln>
-        </p:spPr>
-        <p:style>
-          <a:lnRef idx="2">
-            <a:schemeClr val="accent1">
-              <a:shade val="50000"/>
-            </a:schemeClr>
-          </a:lnRef>
-          <a:fillRef idx="1">
-            <a:schemeClr val="accent1"/>
-          </a:fillRef>
-          <a:effectRef idx="0">
-            <a:schemeClr val="accent1"/>
-          </a:effectRef>
-          <a:fontRef idx="minor">
-            <a:schemeClr val="lt1"/>
-          </a:fontRef>
-        </p:style>
-        <p:txBody>
-          <a:bodyPr rtlCol="0" anchor="ctr"/>
-          <a:lstStyle/>
-          <a:p>
-            <a:pPr algn="ctr"/>
-            <a:endParaRPr lang="en-US"/>
-          </a:p>
-        </p:txBody>
-      </p:sp>
-      <p:sp>
-        <p:nvSpPr>
-          <p:cNvPr id="9" name="Freeform: Shape 8">
-            <a:extLst>
-              <a:ext uri="{FF2B5EF4-FFF2-40B4-BE49-F238E27FC236}">
-                <a16:creationId xmlns:a16="http://schemas.microsoft.com/office/drawing/2014/main" id="{DD4A77EB-72A4-4539-B75D-147991D34EA3}"/>
-              </a:ext>
-            </a:extLst>
-          </p:cNvPr>
-          <p:cNvSpPr/>
-          <p:nvPr/>
-        </p:nvSpPr>
-        <p:spPr>
-          <a:xfrm>
-            <a:off x="9442213" y="2238233"/>
-            <a:ext cx="1709900" cy="236561"/>
-          </a:xfrm>
-          <a:custGeom>
-            <a:avLst/>
-            <a:gdLst>
-              <a:gd name="connsiteX0" fmla="*/ 0 w 1524000"/>
-              <a:gd name="connsiteY0" fmla="*/ 3771254 h 3771254"/>
-              <a:gd name="connsiteX1" fmla="*/ 485614 w 1524000"/>
-              <a:gd name="connsiteY1" fmla="*/ 1678983 h 3771254"/>
-              <a:gd name="connsiteX2" fmla="*/ 738753 w 1524000"/>
-              <a:gd name="connsiteY2" fmla="*/ 247973 h 3771254"/>
-              <a:gd name="connsiteX3" fmla="*/ 1524000 w 1524000"/>
-              <a:gd name="connsiteY3" fmla="*/ 0 h 3771254"/>
-            </a:gdLst>
-            <a:ahLst/>
-            <a:cxnLst>
-              <a:cxn ang="0">
-                <a:pos x="connsiteX0" y="connsiteY0"/>
-              </a:cxn>
-              <a:cxn ang="0">
-                <a:pos x="connsiteX1" y="connsiteY1"/>
-              </a:cxn>
-              <a:cxn ang="0">
-                <a:pos x="connsiteX2" y="connsiteY2"/>
-              </a:cxn>
-              <a:cxn ang="0">
-                <a:pos x="connsiteX3" y="connsiteY3"/>
-              </a:cxn>
-            </a:cxnLst>
-            <a:rect l="l" t="t" r="r" b="b"/>
-            <a:pathLst>
-              <a:path w="1524000" h="3771254">
-                <a:moveTo>
-                  <a:pt x="0" y="3771254"/>
-                </a:moveTo>
-                <a:cubicBezTo>
-                  <a:pt x="181244" y="3018725"/>
-                  <a:pt x="362489" y="2266196"/>
-                  <a:pt x="485614" y="1678983"/>
-                </a:cubicBezTo>
-                <a:cubicBezTo>
-                  <a:pt x="608740" y="1091769"/>
-                  <a:pt x="565689" y="527803"/>
-                  <a:pt x="738753" y="247973"/>
-                </a:cubicBezTo>
-                <a:cubicBezTo>
-                  <a:pt x="911817" y="-31857"/>
-                  <a:pt x="1410346" y="7749"/>
-                  <a:pt x="1524000" y="0"/>
-                </a:cubicBezTo>
-              </a:path>
-            </a:pathLst>
-          </a:custGeom>
-          <a:noFill/>
-          <a:ln w="38100" cap="rnd">
-            <a:solidFill>
-              <a:srgbClr val="0070C0"/>
-            </a:solidFill>
-            <a:prstDash val="sysDot"/>
-            <a:tailEnd type="stealth" w="lg" len="lg"/>
-          </a:ln>
-        </p:spPr>
-        <p:style>
-          <a:lnRef idx="2">
-            <a:schemeClr val="accent1">
-              <a:shade val="50000"/>
-            </a:schemeClr>
-          </a:lnRef>
-          <a:fillRef idx="1">
-            <a:schemeClr val="accent1"/>
-          </a:fillRef>
-          <a:effectRef idx="0">
-            <a:schemeClr val="accent1"/>
-          </a:effectRef>
-          <a:fontRef idx="minor">
-            <a:schemeClr val="lt1"/>
-          </a:fontRef>
-        </p:style>
-        <p:txBody>
-          <a:bodyPr rtlCol="0" anchor="ctr"/>
-          <a:lstStyle/>
-          <a:p>
-            <a:pPr algn="ctr"/>
-            <a:endParaRPr lang="en-US"/>
-          </a:p>
-        </p:txBody>
-      </p:sp>
-      <p:sp>
-        <p:nvSpPr>
-          <p:cNvPr id="10" name="Freeform: Shape 9">
-            <a:extLst>
-              <a:ext uri="{FF2B5EF4-FFF2-40B4-BE49-F238E27FC236}">
-                <a16:creationId xmlns:a16="http://schemas.microsoft.com/office/drawing/2014/main" id="{A748EAF5-42AC-45DD-93DB-E68FEE6916FD}"/>
-              </a:ext>
-            </a:extLst>
-          </p:cNvPr>
-          <p:cNvSpPr/>
-          <p:nvPr/>
-        </p:nvSpPr>
-        <p:spPr>
-          <a:xfrm flipV="1">
-            <a:off x="9480143" y="2691732"/>
-            <a:ext cx="1671969" cy="829390"/>
-          </a:xfrm>
-          <a:custGeom>
-            <a:avLst/>
-            <a:gdLst>
-              <a:gd name="connsiteX0" fmla="*/ 0 w 1534332"/>
-              <a:gd name="connsiteY0" fmla="*/ 2325158 h 2325158"/>
-              <a:gd name="connsiteX1" fmla="*/ 630264 w 1534332"/>
-              <a:gd name="connsiteY1" fmla="*/ 1390094 h 2325158"/>
-              <a:gd name="connsiteX2" fmla="*/ 1048719 w 1534332"/>
-              <a:gd name="connsiteY2" fmla="*/ 227721 h 2325158"/>
-              <a:gd name="connsiteX3" fmla="*/ 1534332 w 1534332"/>
-              <a:gd name="connsiteY3" fmla="*/ 413 h 2325158"/>
-            </a:gdLst>
-            <a:ahLst/>
-            <a:cxnLst>
-              <a:cxn ang="0">
-                <a:pos x="connsiteX0" y="connsiteY0"/>
-              </a:cxn>
-              <a:cxn ang="0">
-                <a:pos x="connsiteX1" y="connsiteY1"/>
-              </a:cxn>
-              <a:cxn ang="0">
-                <a:pos x="connsiteX2" y="connsiteY2"/>
-              </a:cxn>
-              <a:cxn ang="0">
-                <a:pos x="connsiteX3" y="connsiteY3"/>
-              </a:cxn>
-            </a:cxnLst>
-            <a:rect l="l" t="t" r="r" b="b"/>
-            <a:pathLst>
-              <a:path w="1534332" h="2325158">
-                <a:moveTo>
-                  <a:pt x="0" y="2325158"/>
-                </a:moveTo>
-                <a:cubicBezTo>
-                  <a:pt x="227739" y="2032412"/>
-                  <a:pt x="455478" y="1739667"/>
-                  <a:pt x="630264" y="1390094"/>
-                </a:cubicBezTo>
-                <a:cubicBezTo>
-                  <a:pt x="805051" y="1040521"/>
-                  <a:pt x="898041" y="459334"/>
-                  <a:pt x="1048719" y="227721"/>
-                </a:cubicBezTo>
-                <a:cubicBezTo>
-                  <a:pt x="1199397" y="-3892"/>
-                  <a:pt x="1366864" y="-1740"/>
-                  <a:pt x="1534332" y="413"/>
-                </a:cubicBezTo>
-              </a:path>
-            </a:pathLst>
-          </a:custGeom>
-          <a:noFill/>
-          <a:ln w="38100" cap="rnd">
-            <a:solidFill>
-              <a:srgbClr val="0070C0"/>
-            </a:solidFill>
-            <a:prstDash val="sysDot"/>
-            <a:tailEnd type="stealth" w="lg" len="lg"/>
-          </a:ln>
-        </p:spPr>
-        <p:style>
-          <a:lnRef idx="2">
-            <a:schemeClr val="accent1">
-              <a:shade val="50000"/>
-            </a:schemeClr>
-          </a:lnRef>
-          <a:fillRef idx="1">
-            <a:schemeClr val="accent1"/>
-          </a:fillRef>
-          <a:effectRef idx="0">
-            <a:schemeClr val="accent1"/>
-          </a:effectRef>
-          <a:fontRef idx="minor">
-            <a:schemeClr val="lt1"/>
-          </a:fontRef>
-        </p:style>
-        <p:txBody>
-          <a:bodyPr rtlCol="0" anchor="ctr"/>
-          <a:lstStyle/>
-          <a:p>
-            <a:pPr algn="ctr"/>
-            <a:endParaRPr lang="en-US"/>
-          </a:p>
-        </p:txBody>
-      </p:sp>
-      <p:sp>
-        <p:nvSpPr>
-          <p:cNvPr id="11" name="Freeform: Shape 10">
-            <a:extLst>
-              <a:ext uri="{FF2B5EF4-FFF2-40B4-BE49-F238E27FC236}">
-                <a16:creationId xmlns:a16="http://schemas.microsoft.com/office/drawing/2014/main" id="{A962F03E-08F1-4C2C-B00E-EAE1A70431D5}"/>
-              </a:ext>
-            </a:extLst>
-          </p:cNvPr>
-          <p:cNvSpPr/>
-          <p:nvPr/>
-        </p:nvSpPr>
-        <p:spPr>
-          <a:xfrm flipV="1">
-            <a:off x="9485310" y="2995290"/>
-            <a:ext cx="1671970" cy="1795073"/>
-          </a:xfrm>
-          <a:custGeom>
-            <a:avLst/>
-            <a:gdLst>
-              <a:gd name="connsiteX0" fmla="*/ 0 w 1529166"/>
-              <a:gd name="connsiteY0" fmla="*/ 1113397 h 1113397"/>
-              <a:gd name="connsiteX1" fmla="*/ 749085 w 1529166"/>
-              <a:gd name="connsiteY1" fmla="*/ 617451 h 1113397"/>
-              <a:gd name="connsiteX2" fmla="*/ 1245030 w 1529166"/>
-              <a:gd name="connsiteY2" fmla="*/ 85343 h 1113397"/>
-              <a:gd name="connsiteX3" fmla="*/ 1529166 w 1529166"/>
-              <a:gd name="connsiteY3" fmla="*/ 7851 h 1113397"/>
-            </a:gdLst>
-            <a:ahLst/>
-            <a:cxnLst>
-              <a:cxn ang="0">
-                <a:pos x="connsiteX0" y="connsiteY0"/>
-              </a:cxn>
-              <a:cxn ang="0">
-                <a:pos x="connsiteX1" y="connsiteY1"/>
-              </a:cxn>
-              <a:cxn ang="0">
-                <a:pos x="connsiteX2" y="connsiteY2"/>
-              </a:cxn>
-              <a:cxn ang="0">
-                <a:pos x="connsiteX3" y="connsiteY3"/>
-              </a:cxn>
-            </a:cxnLst>
-            <a:rect l="l" t="t" r="r" b="b"/>
-            <a:pathLst>
-              <a:path w="1529166" h="1113397">
-                <a:moveTo>
-                  <a:pt x="0" y="1113397"/>
-                </a:moveTo>
-                <a:cubicBezTo>
-                  <a:pt x="270790" y="951095"/>
-                  <a:pt x="541580" y="788793"/>
-                  <a:pt x="749085" y="617451"/>
-                </a:cubicBezTo>
-                <a:cubicBezTo>
-                  <a:pt x="956590" y="446109"/>
-                  <a:pt x="1115017" y="186943"/>
-                  <a:pt x="1245030" y="85343"/>
-                </a:cubicBezTo>
-                <a:cubicBezTo>
-                  <a:pt x="1375043" y="-16257"/>
-                  <a:pt x="1452104" y="-4203"/>
-                  <a:pt x="1529166" y="7851"/>
-                </a:cubicBezTo>
-              </a:path>
-            </a:pathLst>
-          </a:custGeom>
-          <a:noFill/>
-          <a:ln w="38100" cap="rnd">
-            <a:solidFill>
-              <a:srgbClr val="0070C0"/>
-            </a:solidFill>
-            <a:prstDash val="sysDot"/>
-            <a:tailEnd type="stealth" w="lg" len="lg"/>
-          </a:ln>
-        </p:spPr>
-        <p:style>
-          <a:lnRef idx="2">
-            <a:schemeClr val="accent1">
-              <a:shade val="50000"/>
-            </a:schemeClr>
-          </a:lnRef>
-          <a:fillRef idx="1">
-            <a:schemeClr val="accent1"/>
-          </a:fillRef>
-          <a:effectRef idx="0">
-            <a:schemeClr val="accent1"/>
-          </a:effectRef>
-          <a:fontRef idx="minor">
-            <a:schemeClr val="lt1"/>
-          </a:fontRef>
-        </p:style>
-        <p:txBody>
-          <a:bodyPr rtlCol="0" anchor="ctr"/>
-          <a:lstStyle/>
-          <a:p>
-            <a:pPr algn="ctr"/>
-            <a:endParaRPr lang="en-US" dirty="0"/>
-          </a:p>
-        </p:txBody>
-      </p:sp>
-      <p:sp>
-        <p:nvSpPr>
-          <p:cNvPr id="3" name="Rectangle: Rounded Corners 2">
-            <a:extLst>
-              <a:ext uri="{FF2B5EF4-FFF2-40B4-BE49-F238E27FC236}">
-                <a16:creationId xmlns:a16="http://schemas.microsoft.com/office/drawing/2014/main" id="{81FADD32-909E-4F1E-8FD8-A30B6146571B}"/>
-              </a:ext>
-            </a:extLst>
-          </p:cNvPr>
-          <p:cNvSpPr/>
-          <p:nvPr/>
-        </p:nvSpPr>
-        <p:spPr>
-          <a:xfrm>
-            <a:off x="8201446" y="341040"/>
-            <a:ext cx="1437564" cy="1539730"/>
-          </a:xfrm>
-          <a:prstGeom prst="roundRect">
-            <a:avLst/>
-          </a:prstGeom>
-          <a:solidFill>
-            <a:srgbClr val="FFFF00">
-              <a:alpha val="20000"/>
-            </a:srgbClr>
-          </a:solidFill>
-          <a:ln>
-            <a:noFill/>
-          </a:ln>
-        </p:spPr>
-        <p:style>
-          <a:lnRef idx="2">
-            <a:schemeClr val="accent1">
-              <a:shade val="50000"/>
-            </a:schemeClr>
-          </a:lnRef>
-          <a:fillRef idx="1">
-            <a:schemeClr val="accent1"/>
-          </a:fillRef>
-          <a:effectRef idx="0">
-            <a:schemeClr val="accent1"/>
-          </a:effectRef>
-          <a:fontRef idx="minor">
-            <a:schemeClr val="lt1"/>
-          </a:fontRef>
-        </p:style>
-        <p:txBody>
-          <a:bodyPr rtlCol="0" anchor="ctr"/>
-          <a:lstStyle/>
-          <a:p>
-            <a:pPr algn="ctr"/>
-            <a:endParaRPr lang="en-US"/>
-          </a:p>
-        </p:txBody>
-      </p:sp>
-      <p:sp>
-        <p:nvSpPr>
-          <p:cNvPr id="4" name="Rectangle: Rounded Corners 3">
-            <a:extLst>
-              <a:ext uri="{FF2B5EF4-FFF2-40B4-BE49-F238E27FC236}">
-                <a16:creationId xmlns:a16="http://schemas.microsoft.com/office/drawing/2014/main" id="{1902153D-6D20-4610-915B-6E8D7DA150A8}"/>
-              </a:ext>
-            </a:extLst>
-          </p:cNvPr>
-          <p:cNvSpPr/>
-          <p:nvPr/>
-        </p:nvSpPr>
-        <p:spPr>
-          <a:xfrm>
-            <a:off x="11019521" y="1746900"/>
-            <a:ext cx="1014488" cy="1248963"/>
-          </a:xfrm>
-          <a:prstGeom prst="roundRect">
-            <a:avLst/>
-          </a:prstGeom>
-          <a:solidFill>
-            <a:srgbClr val="FFFF00">
-              <a:alpha val="20000"/>
-            </a:srgbClr>
-          </a:solidFill>
-          <a:ln>
-            <a:noFill/>
-          </a:ln>
-        </p:spPr>
-        <p:style>
-          <a:lnRef idx="2">
-            <a:schemeClr val="accent1">
-              <a:shade val="50000"/>
-            </a:schemeClr>
-          </a:lnRef>
-          <a:fillRef idx="1">
-            <a:schemeClr val="accent1"/>
-          </a:fillRef>
-          <a:effectRef idx="0">
-            <a:schemeClr val="accent1"/>
-          </a:effectRef>
-          <a:fontRef idx="minor">
-            <a:schemeClr val="lt1"/>
-          </a:fontRef>
-        </p:style>
-        <p:txBody>
-          <a:bodyPr rtlCol="0" anchor="ctr"/>
-          <a:lstStyle/>
-          <a:p>
-            <a:pPr algn="ctr"/>
-            <a:endParaRPr lang="en-US"/>
-          </a:p>
-        </p:txBody>
-      </p:sp>
-    </p:spTree>
-    <p:extLst>
-      <p:ext uri="{BB962C8B-B14F-4D97-AF65-F5344CB8AC3E}">
-        <p14:creationId xmlns:p14="http://schemas.microsoft.com/office/powerpoint/2010/main" val="2493224246"/>
       </p:ext>
     </p:extLst>
   </p:cSld>
